--- a/VietNamese Publish Paper/Báo cáo/HUST PPT Template 2021 ( Blue 3X4).pptx
+++ b/VietNamese Publish Paper/Báo cáo/HUST PPT Template 2021 ( Blue 3X4).pptx
@@ -5,10 +5,10 @@
     <p:sldMasterId id="2147483658" r:id="rId1"/>
   </p:sldMasterIdLst>
   <p:notesMasterIdLst>
-    <p:notesMasterId r:id="rId18"/>
+    <p:notesMasterId r:id="rId31"/>
   </p:notesMasterIdLst>
   <p:handoutMasterIdLst>
-    <p:handoutMasterId r:id="rId19"/>
+    <p:handoutMasterId r:id="rId32"/>
   </p:handoutMasterIdLst>
   <p:sldIdLst>
     <p:sldId id="259" r:id="rId2"/>
@@ -23,10 +23,23 @@
     <p:sldId id="274" r:id="rId11"/>
     <p:sldId id="275" r:id="rId12"/>
     <p:sldId id="276" r:id="rId13"/>
-    <p:sldId id="277" r:id="rId14"/>
-    <p:sldId id="278" r:id="rId15"/>
-    <p:sldId id="279" r:id="rId16"/>
-    <p:sldId id="269" r:id="rId17"/>
+    <p:sldId id="281" r:id="rId14"/>
+    <p:sldId id="277" r:id="rId15"/>
+    <p:sldId id="282" r:id="rId16"/>
+    <p:sldId id="278" r:id="rId17"/>
+    <p:sldId id="283" r:id="rId18"/>
+    <p:sldId id="286" r:id="rId19"/>
+    <p:sldId id="279" r:id="rId20"/>
+    <p:sldId id="284" r:id="rId21"/>
+    <p:sldId id="285" r:id="rId22"/>
+    <p:sldId id="287" r:id="rId23"/>
+    <p:sldId id="288" r:id="rId24"/>
+    <p:sldId id="289" r:id="rId25"/>
+    <p:sldId id="290" r:id="rId26"/>
+    <p:sldId id="291" r:id="rId27"/>
+    <p:sldId id="292" r:id="rId28"/>
+    <p:sldId id="293" r:id="rId29"/>
+    <p:sldId id="269" r:id="rId30"/>
   </p:sldIdLst>
   <p:sldSz cx="9144000" cy="6858000" type="screen4x3"/>
   <p:notesSz cx="6858000" cy="9144000"/>
@@ -3018,6 +3031,42 @@
           </a:p>
         </p:txBody>
       </p:sp>
+      <p:pic>
+        <p:nvPicPr>
+          <p:cNvPr id="4" name="Picture 3" descr="Chart, waterfall chart&#10;&#10;Description automatically generated">
+            <a:extLst>
+              <a:ext uri="{FF2B5EF4-FFF2-40B4-BE49-F238E27FC236}">
+                <a16:creationId xmlns:a16="http://schemas.microsoft.com/office/drawing/2014/main" id="{015DCF05-9FEF-0B8D-C9F8-E6F2C8809660}"/>
+              </a:ext>
+            </a:extLst>
+          </p:cNvPr>
+          <p:cNvPicPr>
+            <a:picLocks noChangeAspect="1"/>
+          </p:cNvPicPr>
+          <p:nvPr/>
+        </p:nvPicPr>
+        <p:blipFill>
+          <a:blip r:embed="rId2">
+            <a:extLst>
+              <a:ext uri="{28A0092B-C50C-407E-A947-70E740481C1C}">
+                <a14:useLocalDpi xmlns:a14="http://schemas.microsoft.com/office/drawing/2010/main" val="0"/>
+              </a:ext>
+            </a:extLst>
+          </a:blip>
+          <a:stretch>
+            <a:fillRect/>
+          </a:stretch>
+        </p:blipFill>
+        <p:spPr>
+          <a:xfrm>
+            <a:off x="341194" y="1462622"/>
+            <a:ext cx="8567729" cy="3932756"/>
+          </a:xfrm>
+          <a:prstGeom prst="rect">
+            <a:avLst/>
+          </a:prstGeom>
+        </p:spPr>
+      </p:pic>
     </p:spTree>
     <p:extLst>
       <p:ext uri="{BB962C8B-B14F-4D97-AF65-F5344CB8AC3E}">
@@ -3106,6 +3155,36 @@
           </a:p>
         </p:txBody>
       </p:sp>
+      <p:pic>
+        <p:nvPicPr>
+          <p:cNvPr id="5" name="Picture 4">
+            <a:extLst>
+              <a:ext uri="{FF2B5EF4-FFF2-40B4-BE49-F238E27FC236}">
+                <a16:creationId xmlns:a16="http://schemas.microsoft.com/office/drawing/2014/main" id="{EDBFE46A-3095-9155-044B-FDA086DA8309}"/>
+              </a:ext>
+            </a:extLst>
+          </p:cNvPr>
+          <p:cNvPicPr>
+            <a:picLocks noChangeAspect="1"/>
+          </p:cNvPicPr>
+          <p:nvPr/>
+        </p:nvPicPr>
+        <p:blipFill>
+          <a:blip r:embed="rId2"/>
+          <a:stretch>
+            <a:fillRect/>
+          </a:stretch>
+        </p:blipFill>
+        <p:spPr>
+          <a:xfrm>
+            <a:off x="235077" y="2070372"/>
+            <a:ext cx="8570794" cy="2717256"/>
+          </a:xfrm>
+          <a:prstGeom prst="rect">
+            <a:avLst/>
+          </a:prstGeom>
+        </p:spPr>
+      </p:pic>
     </p:spTree>
     <p:extLst>
       <p:ext uri="{BB962C8B-B14F-4D97-AF65-F5344CB8AC3E}">
@@ -3194,6 +3273,66 @@
           </a:p>
         </p:txBody>
       </p:sp>
+      <p:pic>
+        <p:nvPicPr>
+          <p:cNvPr id="5" name="Picture 4">
+            <a:extLst>
+              <a:ext uri="{FF2B5EF4-FFF2-40B4-BE49-F238E27FC236}">
+                <a16:creationId xmlns:a16="http://schemas.microsoft.com/office/drawing/2014/main" id="{EF3B2427-F3E1-C5F3-C16F-88990CAF7381}"/>
+              </a:ext>
+            </a:extLst>
+          </p:cNvPr>
+          <p:cNvPicPr>
+            <a:picLocks noChangeAspect="1"/>
+          </p:cNvPicPr>
+          <p:nvPr/>
+        </p:nvPicPr>
+        <p:blipFill>
+          <a:blip r:embed="rId2"/>
+          <a:stretch>
+            <a:fillRect/>
+          </a:stretch>
+        </p:blipFill>
+        <p:spPr>
+          <a:xfrm>
+            <a:off x="2974714" y="1105255"/>
+            <a:ext cx="2867025" cy="771525"/>
+          </a:xfrm>
+          <a:prstGeom prst="rect">
+            <a:avLst/>
+          </a:prstGeom>
+        </p:spPr>
+      </p:pic>
+      <p:pic>
+        <p:nvPicPr>
+          <p:cNvPr id="7" name="Picture 6">
+            <a:extLst>
+              <a:ext uri="{FF2B5EF4-FFF2-40B4-BE49-F238E27FC236}">
+                <a16:creationId xmlns:a16="http://schemas.microsoft.com/office/drawing/2014/main" id="{72227CFF-BC35-571F-6735-3FE5EC028585}"/>
+              </a:ext>
+            </a:extLst>
+          </p:cNvPr>
+          <p:cNvPicPr>
+            <a:picLocks noChangeAspect="1"/>
+          </p:cNvPicPr>
+          <p:nvPr/>
+        </p:nvPicPr>
+        <p:blipFill>
+          <a:blip r:embed="rId3"/>
+          <a:stretch>
+            <a:fillRect/>
+          </a:stretch>
+        </p:blipFill>
+        <p:spPr>
+          <a:xfrm>
+            <a:off x="38100" y="2019299"/>
+            <a:ext cx="9010366" cy="3084963"/>
+          </a:xfrm>
+          <a:prstGeom prst="rect">
+            <a:avLst/>
+          </a:prstGeom>
+        </p:spPr>
+      </p:pic>
     </p:spTree>
     <p:extLst>
       <p:ext uri="{BB962C8B-B14F-4D97-AF65-F5344CB8AC3E}">
@@ -3277,15 +3416,45 @@
           <a:p>
             <a:r>
               <a:rPr lang="en-US" dirty="0"/>
-              <a:t>Model Schema – Backbone Model</a:t>
+              <a:t>Model Schema – Soft Attention Module Block</a:t>
             </a:r>
           </a:p>
         </p:txBody>
       </p:sp>
+      <p:pic>
+        <p:nvPicPr>
+          <p:cNvPr id="6" name="Picture 5">
+            <a:extLst>
+              <a:ext uri="{FF2B5EF4-FFF2-40B4-BE49-F238E27FC236}">
+                <a16:creationId xmlns:a16="http://schemas.microsoft.com/office/drawing/2014/main" id="{165F118F-2824-270A-3204-5BDF5039B29A}"/>
+              </a:ext>
+            </a:extLst>
+          </p:cNvPr>
+          <p:cNvPicPr>
+            <a:picLocks noChangeAspect="1"/>
+          </p:cNvPicPr>
+          <p:nvPr/>
+        </p:nvPicPr>
+        <p:blipFill>
+          <a:blip r:embed="rId2"/>
+          <a:stretch>
+            <a:fillRect/>
+          </a:stretch>
+        </p:blipFill>
+        <p:spPr>
+          <a:xfrm>
+            <a:off x="1581979" y="1603078"/>
+            <a:ext cx="5980041" cy="3651843"/>
+          </a:xfrm>
+          <a:prstGeom prst="rect">
+            <a:avLst/>
+          </a:prstGeom>
+        </p:spPr>
+      </p:pic>
     </p:spTree>
     <p:extLst>
       <p:ext uri="{BB962C8B-B14F-4D97-AF65-F5344CB8AC3E}">
-        <p14:creationId xmlns:p14="http://schemas.microsoft.com/office/powerpoint/2010/main" val="615783838"/>
+        <p14:creationId xmlns:p14="http://schemas.microsoft.com/office/powerpoint/2010/main" val="2854421295"/>
       </p:ext>
     </p:extLst>
   </p:cSld>
@@ -3365,15 +3534,45 @@
           <a:p>
             <a:r>
               <a:rPr lang="en-US" dirty="0"/>
-              <a:t>Loss Function</a:t>
+              <a:t>Model Schema – Backbone Model</a:t>
             </a:r>
           </a:p>
         </p:txBody>
       </p:sp>
+      <p:pic>
+        <p:nvPicPr>
+          <p:cNvPr id="5" name="Picture 4">
+            <a:extLst>
+              <a:ext uri="{FF2B5EF4-FFF2-40B4-BE49-F238E27FC236}">
+                <a16:creationId xmlns:a16="http://schemas.microsoft.com/office/drawing/2014/main" id="{BD9ED20D-E1F7-F75F-557D-6EB3355D8404}"/>
+              </a:ext>
+            </a:extLst>
+          </p:cNvPr>
+          <p:cNvPicPr>
+            <a:picLocks noChangeAspect="1"/>
+          </p:cNvPicPr>
+          <p:nvPr/>
+        </p:nvPicPr>
+        <p:blipFill>
+          <a:blip r:embed="rId2"/>
+          <a:stretch>
+            <a:fillRect/>
+          </a:stretch>
+        </p:blipFill>
+        <p:spPr>
+          <a:xfrm>
+            <a:off x="759248" y="1154966"/>
+            <a:ext cx="7625503" cy="4548068"/>
+          </a:xfrm>
+          <a:prstGeom prst="rect">
+            <a:avLst/>
+          </a:prstGeom>
+        </p:spPr>
+      </p:pic>
     </p:spTree>
     <p:extLst>
       <p:ext uri="{BB962C8B-B14F-4D97-AF65-F5344CB8AC3E}">
-        <p14:creationId xmlns:p14="http://schemas.microsoft.com/office/powerpoint/2010/main" val="3704314787"/>
+        <p14:creationId xmlns:p14="http://schemas.microsoft.com/office/powerpoint/2010/main" val="615783838"/>
       </p:ext>
     </p:extLst>
   </p:cSld>
@@ -3453,15 +3652,51 @@
           <a:p>
             <a:r>
               <a:rPr lang="en-US" dirty="0"/>
-              <a:t>Evaluation Metrics</a:t>
+              <a:t>Model Schema</a:t>
             </a:r>
           </a:p>
         </p:txBody>
       </p:sp>
+      <p:pic>
+        <p:nvPicPr>
+          <p:cNvPr id="4" name="Picture 3" descr="Chart, waterfall chart&#10;&#10;Description automatically generated">
+            <a:extLst>
+              <a:ext uri="{FF2B5EF4-FFF2-40B4-BE49-F238E27FC236}">
+                <a16:creationId xmlns:a16="http://schemas.microsoft.com/office/drawing/2014/main" id="{015DCF05-9FEF-0B8D-C9F8-E6F2C8809660}"/>
+              </a:ext>
+            </a:extLst>
+          </p:cNvPr>
+          <p:cNvPicPr>
+            <a:picLocks noChangeAspect="1"/>
+          </p:cNvPicPr>
+          <p:nvPr/>
+        </p:nvPicPr>
+        <p:blipFill>
+          <a:blip r:embed="rId2">
+            <a:extLst>
+              <a:ext uri="{28A0092B-C50C-407E-A947-70E740481C1C}">
+                <a14:useLocalDpi xmlns:a14="http://schemas.microsoft.com/office/drawing/2010/main" val="0"/>
+              </a:ext>
+            </a:extLst>
+          </a:blip>
+          <a:stretch>
+            <a:fillRect/>
+          </a:stretch>
+        </p:blipFill>
+        <p:spPr>
+          <a:xfrm>
+            <a:off x="341194" y="1462622"/>
+            <a:ext cx="8567729" cy="3932756"/>
+          </a:xfrm>
+          <a:prstGeom prst="rect">
+            <a:avLst/>
+          </a:prstGeom>
+        </p:spPr>
+      </p:pic>
     </p:spTree>
     <p:extLst>
       <p:ext uri="{BB962C8B-B14F-4D97-AF65-F5344CB8AC3E}">
-        <p14:creationId xmlns:p14="http://schemas.microsoft.com/office/powerpoint/2010/main" val="21203595"/>
+        <p14:creationId xmlns:p14="http://schemas.microsoft.com/office/powerpoint/2010/main" val="3792495485"/>
       </p:ext>
     </p:extLst>
   </p:cSld>
@@ -3493,7 +3728,7 @@
           <p:cNvPr id="2" name="Slide Number Placeholder 1">
             <a:extLst>
               <a:ext uri="{FF2B5EF4-FFF2-40B4-BE49-F238E27FC236}">
-                <a16:creationId xmlns:a16="http://schemas.microsoft.com/office/drawing/2014/main" id="{DA37B5C8-2095-4D2D-97FE-E4E8D89379E1}"/>
+                <a16:creationId xmlns:a16="http://schemas.microsoft.com/office/drawing/2014/main" id="{A7101F79-2CBF-4392-B538-B0B5700DB4C6}"/>
               </a:ext>
             </a:extLst>
           </p:cNvPr>
@@ -3520,52 +3755,1740 @@
       </p:sp>
       <p:sp>
         <p:nvSpPr>
-          <p:cNvPr id="3" name="Title 10">
-            <a:extLst>
-              <a:ext uri="{FF2B5EF4-FFF2-40B4-BE49-F238E27FC236}">
-                <a16:creationId xmlns:a16="http://schemas.microsoft.com/office/drawing/2014/main" id="{F78B3876-6ECC-4098-BDD1-C48CE4B42721}"/>
-              </a:ext>
-            </a:extLst>
-          </p:cNvPr>
-          <p:cNvSpPr txBox="1">
-            <a:spLocks/>
+          <p:cNvPr id="3" name="Title 2">
+            <a:extLst>
+              <a:ext uri="{FF2B5EF4-FFF2-40B4-BE49-F238E27FC236}">
+                <a16:creationId xmlns:a16="http://schemas.microsoft.com/office/drawing/2014/main" id="{9EF27CAA-32BA-4E6B-B8C0-1A481E08E81D}"/>
+              </a:ext>
+            </a:extLst>
+          </p:cNvPr>
+          <p:cNvSpPr>
+            <a:spLocks noGrp="1"/>
           </p:cNvSpPr>
+          <p:nvPr>
+            <p:ph type="title"/>
+          </p:nvPr>
+        </p:nvSpPr>
+        <p:spPr/>
+        <p:txBody>
+          <a:bodyPr/>
+          <a:lstStyle/>
+          <a:p>
+            <a:r>
+              <a:rPr lang="en-US" dirty="0"/>
+              <a:t>Loss Function</a:t>
+            </a:r>
+          </a:p>
+        </p:txBody>
+      </p:sp>
+      <p:pic>
+        <p:nvPicPr>
+          <p:cNvPr id="5" name="Picture 4">
+            <a:extLst>
+              <a:ext uri="{FF2B5EF4-FFF2-40B4-BE49-F238E27FC236}">
+                <a16:creationId xmlns:a16="http://schemas.microsoft.com/office/drawing/2014/main" id="{36DEC79D-8375-6BF3-E48F-F43EB0527692}"/>
+              </a:ext>
+            </a:extLst>
+          </p:cNvPr>
+          <p:cNvPicPr>
+            <a:picLocks noChangeAspect="1"/>
+          </p:cNvPicPr>
           <p:nvPr/>
-        </p:nvSpPr>
+        </p:nvPicPr>
+        <p:blipFill>
+          <a:blip r:embed="rId2"/>
+          <a:stretch>
+            <a:fillRect/>
+          </a:stretch>
+        </p:blipFill>
         <p:spPr>
           <a:xfrm>
-            <a:off x="4181094" y="3021991"/>
-            <a:ext cx="4197975" cy="814017"/>
+            <a:off x="2476215" y="1153520"/>
+            <a:ext cx="4000500" cy="647700"/>
           </a:xfrm>
           <a:prstGeom prst="rect">
             <a:avLst/>
           </a:prstGeom>
         </p:spPr>
+      </p:pic>
+      <mc:AlternateContent xmlns:mc="http://schemas.openxmlformats.org/markup-compatibility/2006">
+        <mc:Choice xmlns:a14="http://schemas.microsoft.com/office/drawing/2010/main" Requires="a14">
+          <p:sp>
+            <p:nvSpPr>
+              <p:cNvPr id="6" name="TextBox 5">
+                <a:extLst>
+                  <a:ext uri="{FF2B5EF4-FFF2-40B4-BE49-F238E27FC236}">
+                    <a16:creationId xmlns:a16="http://schemas.microsoft.com/office/drawing/2014/main" id="{71F10CCD-D55C-FB7B-C4AC-C6D0B3540699}"/>
+                  </a:ext>
+                </a:extLst>
+              </p:cNvPr>
+              <p:cNvSpPr txBox="1"/>
+              <p:nvPr/>
+            </p:nvSpPr>
+            <p:spPr>
+              <a:xfrm flipH="1">
+                <a:off x="1507479" y="2271403"/>
+                <a:ext cx="5937972" cy="2785378"/>
+              </a:xfrm>
+              <a:prstGeom prst="rect">
+                <a:avLst/>
+              </a:prstGeom>
+              <a:noFill/>
+            </p:spPr>
+            <p:txBody>
+              <a:bodyPr wrap="square" rtlCol="0">
+                <a:spAutoFit/>
+              </a:bodyPr>
+              <a:lstStyle/>
+              <a:p>
+                <a:pPr marL="285750" indent="-285750">
+                  <a:buFont typeface="Arial" panose="020B0604020202020204" pitchFamily="34" charset="0"/>
+                  <a:buChar char="•"/>
+                </a:pPr>
+                <a14:m>
+                  <m:oMath xmlns:m="http://schemas.openxmlformats.org/officeDocument/2006/math">
+                    <m:r>
+                      <a:rPr lang="en-US" sz="2500" i="1" smtClean="0">
+                        <a:latin typeface="Cambria Math" panose="02040503050406030204" pitchFamily="18" charset="0"/>
+                        <a:ea typeface="Cambria Math" panose="02040503050406030204" pitchFamily="18" charset="0"/>
+                      </a:rPr>
+                      <m:t>𝜃</m:t>
+                    </m:r>
+                    <m:r>
+                      <a:rPr lang="en-US" sz="2500" b="0" i="1" smtClean="0">
+                        <a:latin typeface="Cambria Math" panose="02040503050406030204" pitchFamily="18" charset="0"/>
+                        <a:ea typeface="Cambria Math" panose="02040503050406030204" pitchFamily="18" charset="0"/>
+                      </a:rPr>
+                      <m:t>: </m:t>
+                    </m:r>
+                    <m:r>
+                      <a:rPr lang="en-US" sz="2500" b="0" i="1" smtClean="0">
+                        <a:latin typeface="Cambria Math" panose="02040503050406030204" pitchFamily="18" charset="0"/>
+                        <a:ea typeface="Cambria Math" panose="02040503050406030204" pitchFamily="18" charset="0"/>
+                      </a:rPr>
+                      <m:t>𝑡h𝑒</m:t>
+                    </m:r>
+                    <m:r>
+                      <a:rPr lang="en-US" sz="2500" b="0" i="1" smtClean="0">
+                        <a:latin typeface="Cambria Math" panose="02040503050406030204" pitchFamily="18" charset="0"/>
+                        <a:ea typeface="Cambria Math" panose="02040503050406030204" pitchFamily="18" charset="0"/>
+                      </a:rPr>
+                      <m:t> </m:t>
+                    </m:r>
+                    <m:r>
+                      <a:rPr lang="en-US" sz="2500" b="0" i="1" smtClean="0">
+                        <a:latin typeface="Cambria Math" panose="02040503050406030204" pitchFamily="18" charset="0"/>
+                        <a:ea typeface="Cambria Math" panose="02040503050406030204" pitchFamily="18" charset="0"/>
+                      </a:rPr>
+                      <m:t>𝑤𝑒𝑖𝑔h𝑡</m:t>
+                    </m:r>
+                    <m:r>
+                      <a:rPr lang="en-US" sz="2500" b="0" i="1" smtClean="0">
+                        <a:latin typeface="Cambria Math" panose="02040503050406030204" pitchFamily="18" charset="0"/>
+                        <a:ea typeface="Cambria Math" panose="02040503050406030204" pitchFamily="18" charset="0"/>
+                      </a:rPr>
+                      <m:t> </m:t>
+                    </m:r>
+                    <m:r>
+                      <a:rPr lang="en-US" sz="2500" b="0" i="1" smtClean="0">
+                        <a:latin typeface="Cambria Math" panose="02040503050406030204" pitchFamily="18" charset="0"/>
+                        <a:ea typeface="Cambria Math" panose="02040503050406030204" pitchFamily="18" charset="0"/>
+                      </a:rPr>
+                      <m:t>𝑜𝑓</m:t>
+                    </m:r>
+                    <m:r>
+                      <a:rPr lang="en-US" sz="2500" b="0" i="1" smtClean="0">
+                        <a:latin typeface="Cambria Math" panose="02040503050406030204" pitchFamily="18" charset="0"/>
+                        <a:ea typeface="Cambria Math" panose="02040503050406030204" pitchFamily="18" charset="0"/>
+                      </a:rPr>
+                      <m:t> </m:t>
+                    </m:r>
+                    <m:r>
+                      <a:rPr lang="en-US" sz="2500" b="0" i="1" smtClean="0">
+                        <a:latin typeface="Cambria Math" panose="02040503050406030204" pitchFamily="18" charset="0"/>
+                        <a:ea typeface="Cambria Math" panose="02040503050406030204" pitchFamily="18" charset="0"/>
+                      </a:rPr>
+                      <m:t>𝑡h𝑒</m:t>
+                    </m:r>
+                    <m:r>
+                      <a:rPr lang="en-US" sz="2500" b="0" i="1" smtClean="0">
+                        <a:latin typeface="Cambria Math" panose="02040503050406030204" pitchFamily="18" charset="0"/>
+                        <a:ea typeface="Cambria Math" panose="02040503050406030204" pitchFamily="18" charset="0"/>
+                      </a:rPr>
+                      <m:t> </m:t>
+                    </m:r>
+                    <m:r>
+                      <a:rPr lang="en-US" sz="2500" b="0" i="1" smtClean="0">
+                        <a:latin typeface="Cambria Math" panose="02040503050406030204" pitchFamily="18" charset="0"/>
+                        <a:ea typeface="Cambria Math" panose="02040503050406030204" pitchFamily="18" charset="0"/>
+                      </a:rPr>
+                      <m:t>𝑚𝑜𝑑𝑒𝑙</m:t>
+                    </m:r>
+                  </m:oMath>
+                </a14:m>
+                <a:endParaRPr lang="en-US" sz="2500" dirty="0"/>
+              </a:p>
+              <a:p>
+                <a:pPr marL="285750" indent="-285750">
+                  <a:buFont typeface="Arial" panose="020B0604020202020204" pitchFamily="34" charset="0"/>
+                  <a:buChar char="•"/>
+                </a:pPr>
+                <a14:m>
+                  <m:oMath xmlns:m="http://schemas.openxmlformats.org/officeDocument/2006/math">
+                    <m:sSub>
+                      <m:sSubPr>
+                        <m:ctrlPr>
+                          <a:rPr lang="en-US" sz="2500" i="1" smtClean="0">
+                            <a:latin typeface="Cambria Math" panose="02040503050406030204" pitchFamily="18" charset="0"/>
+                          </a:rPr>
+                        </m:ctrlPr>
+                      </m:sSubPr>
+                      <m:e>
+                        <m:r>
+                          <a:rPr lang="en-US" sz="2500" b="0" i="1" smtClean="0">
+                            <a:latin typeface="Cambria Math" panose="02040503050406030204" pitchFamily="18" charset="0"/>
+                          </a:rPr>
+                          <m:t>𝑥</m:t>
+                        </m:r>
+                      </m:e>
+                      <m:sub>
+                        <m:r>
+                          <a:rPr lang="en-US" sz="2500" b="0" i="1" smtClean="0">
+                            <a:latin typeface="Cambria Math" panose="02040503050406030204" pitchFamily="18" charset="0"/>
+                          </a:rPr>
+                          <m:t>𝑛</m:t>
+                        </m:r>
+                      </m:sub>
+                    </m:sSub>
+                    <m:r>
+                      <a:rPr lang="en-US" sz="2500" b="0" i="1" smtClean="0">
+                        <a:latin typeface="Cambria Math" panose="02040503050406030204" pitchFamily="18" charset="0"/>
+                      </a:rPr>
+                      <m:t>:</m:t>
+                    </m:r>
+                    <m:r>
+                      <a:rPr lang="en-US" sz="2500" b="0" i="1" smtClean="0">
+                        <a:latin typeface="Cambria Math" panose="02040503050406030204" pitchFamily="18" charset="0"/>
+                      </a:rPr>
+                      <m:t>𝑓𝑒𝑎𝑡𝑢𝑟𝑒</m:t>
+                    </m:r>
+                    <m:r>
+                      <a:rPr lang="en-US" sz="2500" b="0" i="1" smtClean="0">
+                        <a:latin typeface="Cambria Math" panose="02040503050406030204" pitchFamily="18" charset="0"/>
+                      </a:rPr>
+                      <m:t> </m:t>
+                    </m:r>
+                    <m:r>
+                      <a:rPr lang="en-US" sz="2500" b="0" i="1" smtClean="0">
+                        <a:latin typeface="Cambria Math" panose="02040503050406030204" pitchFamily="18" charset="0"/>
+                      </a:rPr>
+                      <m:t>𝑖𝑛𝑝𝑢𝑡</m:t>
+                    </m:r>
+                  </m:oMath>
+                </a14:m>
+                <a:endParaRPr lang="en-US" sz="2500" dirty="0"/>
+              </a:p>
+              <a:p>
+                <a:pPr marL="285750" indent="-285750">
+                  <a:buFont typeface="Arial" panose="020B0604020202020204" pitchFamily="34" charset="0"/>
+                  <a:buChar char="•"/>
+                </a:pPr>
+                <a14:m>
+                  <m:oMath xmlns:m="http://schemas.openxmlformats.org/officeDocument/2006/math">
+                    <m:r>
+                      <a:rPr lang="en-US" sz="2500" b="0" i="1" smtClean="0">
+                        <a:latin typeface="Cambria Math" panose="02040503050406030204" pitchFamily="18" charset="0"/>
+                      </a:rPr>
+                      <m:t>𝑁</m:t>
+                    </m:r>
+                    <m:r>
+                      <a:rPr lang="en-US" sz="2500" b="0" i="1" smtClean="0">
+                        <a:latin typeface="Cambria Math" panose="02040503050406030204" pitchFamily="18" charset="0"/>
+                      </a:rPr>
+                      <m:t>:</m:t>
+                    </m:r>
+                    <m:r>
+                      <a:rPr lang="en-US" sz="2500" b="0" i="1" smtClean="0">
+                        <a:latin typeface="Cambria Math" panose="02040503050406030204" pitchFamily="18" charset="0"/>
+                      </a:rPr>
+                      <m:t>𝑁𝑢𝑚𝑏𝑒𝑟</m:t>
+                    </m:r>
+                    <m:r>
+                      <a:rPr lang="en-US" sz="2500" b="0" i="1" smtClean="0">
+                        <a:latin typeface="Cambria Math" panose="02040503050406030204" pitchFamily="18" charset="0"/>
+                      </a:rPr>
+                      <m:t> </m:t>
+                    </m:r>
+                    <m:r>
+                      <a:rPr lang="en-US" sz="2500" b="0" i="1" smtClean="0">
+                        <a:latin typeface="Cambria Math" panose="02040503050406030204" pitchFamily="18" charset="0"/>
+                      </a:rPr>
+                      <m:t>𝑜𝑓</m:t>
+                    </m:r>
+                    <m:r>
+                      <a:rPr lang="en-US" sz="2500" b="0" i="1" smtClean="0">
+                        <a:latin typeface="Cambria Math" panose="02040503050406030204" pitchFamily="18" charset="0"/>
+                      </a:rPr>
+                      <m:t> </m:t>
+                    </m:r>
+                    <m:r>
+                      <a:rPr lang="en-US" sz="2500" b="0" i="1" smtClean="0">
+                        <a:latin typeface="Cambria Math" panose="02040503050406030204" pitchFamily="18" charset="0"/>
+                      </a:rPr>
+                      <m:t>𝑡𝑟𝑎𝑖𝑛𝑖𝑛𝑔</m:t>
+                    </m:r>
+                    <m:r>
+                      <a:rPr lang="en-US" sz="2500" b="0" i="1" smtClean="0">
+                        <a:latin typeface="Cambria Math" panose="02040503050406030204" pitchFamily="18" charset="0"/>
+                      </a:rPr>
+                      <m:t> </m:t>
+                    </m:r>
+                    <m:r>
+                      <a:rPr lang="en-US" sz="2500" b="0" i="1" smtClean="0">
+                        <a:latin typeface="Cambria Math" panose="02040503050406030204" pitchFamily="18" charset="0"/>
+                      </a:rPr>
+                      <m:t>𝑒𝑥𝑎𝑚𝑝𝑙𝑒𝑠</m:t>
+                    </m:r>
+                  </m:oMath>
+                </a14:m>
+                <a:endParaRPr lang="en-US" sz="2500" dirty="0"/>
+              </a:p>
+              <a:p>
+                <a:pPr marL="285750" indent="-285750">
+                  <a:buFont typeface="Arial" panose="020B0604020202020204" pitchFamily="34" charset="0"/>
+                  <a:buChar char="•"/>
+                </a:pPr>
+                <a14:m>
+                  <m:oMath xmlns:m="http://schemas.openxmlformats.org/officeDocument/2006/math">
+                    <m:r>
+                      <a:rPr lang="en-US" sz="2500" b="0" i="1" smtClean="0">
+                        <a:latin typeface="Cambria Math" panose="02040503050406030204" pitchFamily="18" charset="0"/>
+                      </a:rPr>
+                      <m:t>𝐶</m:t>
+                    </m:r>
+                    <m:r>
+                      <a:rPr lang="en-US" sz="2500" b="0" i="1" smtClean="0">
+                        <a:latin typeface="Cambria Math" panose="02040503050406030204" pitchFamily="18" charset="0"/>
+                      </a:rPr>
+                      <m:t>:</m:t>
+                    </m:r>
+                    <m:r>
+                      <a:rPr lang="en-US" sz="2500" b="0" i="1" smtClean="0">
+                        <a:latin typeface="Cambria Math" panose="02040503050406030204" pitchFamily="18" charset="0"/>
+                      </a:rPr>
+                      <m:t>𝑁𝑢𝑚𝑏𝑒𝑟</m:t>
+                    </m:r>
+                    <m:r>
+                      <a:rPr lang="en-US" sz="2500" b="0" i="1" smtClean="0">
+                        <a:latin typeface="Cambria Math" panose="02040503050406030204" pitchFamily="18" charset="0"/>
+                      </a:rPr>
+                      <m:t> </m:t>
+                    </m:r>
+                    <m:r>
+                      <a:rPr lang="en-US" sz="2500" b="0" i="1" smtClean="0">
+                        <a:latin typeface="Cambria Math" panose="02040503050406030204" pitchFamily="18" charset="0"/>
+                      </a:rPr>
+                      <m:t>𝑜𝑓</m:t>
+                    </m:r>
+                    <m:r>
+                      <a:rPr lang="en-US" sz="2500" b="0" i="1" smtClean="0">
+                        <a:latin typeface="Cambria Math" panose="02040503050406030204" pitchFamily="18" charset="0"/>
+                      </a:rPr>
+                      <m:t> </m:t>
+                    </m:r>
+                    <m:r>
+                      <a:rPr lang="en-US" sz="2500" b="0" i="1" smtClean="0">
+                        <a:latin typeface="Cambria Math" panose="02040503050406030204" pitchFamily="18" charset="0"/>
+                      </a:rPr>
+                      <m:t>𝑐𝑙𝑎𝑠𝑠𝑒𝑠</m:t>
+                    </m:r>
+                    <m:r>
+                      <a:rPr lang="en-US" sz="2500" b="0" i="1" smtClean="0">
+                        <a:latin typeface="Cambria Math" panose="02040503050406030204" pitchFamily="18" charset="0"/>
+                      </a:rPr>
+                      <m:t> </m:t>
+                    </m:r>
+                    <m:r>
+                      <a:rPr lang="en-US" sz="2500" b="0" i="1" smtClean="0">
+                        <a:latin typeface="Cambria Math" panose="02040503050406030204" pitchFamily="18" charset="0"/>
+                      </a:rPr>
+                      <m:t>𝑖𝑛</m:t>
+                    </m:r>
+                    <m:r>
+                      <a:rPr lang="en-US" sz="2500" b="0" i="1" smtClean="0">
+                        <a:latin typeface="Cambria Math" panose="02040503050406030204" pitchFamily="18" charset="0"/>
+                      </a:rPr>
+                      <m:t> </m:t>
+                    </m:r>
+                    <m:r>
+                      <a:rPr lang="en-US" sz="2500" b="0" i="1" smtClean="0">
+                        <a:latin typeface="Cambria Math" panose="02040503050406030204" pitchFamily="18" charset="0"/>
+                      </a:rPr>
+                      <m:t>𝑡h𝑒</m:t>
+                    </m:r>
+                    <m:r>
+                      <a:rPr lang="en-US" sz="2500" b="0" i="1" smtClean="0">
+                        <a:latin typeface="Cambria Math" panose="02040503050406030204" pitchFamily="18" charset="0"/>
+                      </a:rPr>
+                      <m:t> </m:t>
+                    </m:r>
+                    <m:r>
+                      <a:rPr lang="en-US" sz="2500" b="0" i="1" smtClean="0">
+                        <a:latin typeface="Cambria Math" panose="02040503050406030204" pitchFamily="18" charset="0"/>
+                      </a:rPr>
+                      <m:t>𝑑𝑎𝑡𝑎𝑠𝑒𝑡</m:t>
+                    </m:r>
+                  </m:oMath>
+                </a14:m>
+                <a:endParaRPr lang="en-US" sz="2500" dirty="0"/>
+              </a:p>
+              <a:p>
+                <a:pPr marL="285750" indent="-285750">
+                  <a:buFont typeface="Arial" panose="020B0604020202020204" pitchFamily="34" charset="0"/>
+                  <a:buChar char="•"/>
+                </a:pPr>
+                <a14:m>
+                  <m:oMath xmlns:m="http://schemas.openxmlformats.org/officeDocument/2006/math">
+                    <m:sSub>
+                      <m:sSubPr>
+                        <m:ctrlPr>
+                          <a:rPr lang="en-US" sz="2500" b="0" i="1" smtClean="0">
+                            <a:latin typeface="Cambria Math" panose="02040503050406030204" pitchFamily="18" charset="0"/>
+                          </a:rPr>
+                        </m:ctrlPr>
+                      </m:sSubPr>
+                      <m:e>
+                        <m:r>
+                          <a:rPr lang="en-US" sz="2500" b="0" i="1" smtClean="0">
+                            <a:latin typeface="Cambria Math" panose="02040503050406030204" pitchFamily="18" charset="0"/>
+                          </a:rPr>
+                          <m:t>𝑊</m:t>
+                        </m:r>
+                      </m:e>
+                      <m:sub>
+                        <m:r>
+                          <a:rPr lang="en-US" sz="2500" b="0" i="1" smtClean="0">
+                            <a:latin typeface="Cambria Math" panose="02040503050406030204" pitchFamily="18" charset="0"/>
+                          </a:rPr>
+                          <m:t>𝑐</m:t>
+                        </m:r>
+                      </m:sub>
+                    </m:sSub>
+                    <m:r>
+                      <a:rPr lang="en-US" sz="2500" b="0" i="1" smtClean="0">
+                        <a:latin typeface="Cambria Math" panose="02040503050406030204" pitchFamily="18" charset="0"/>
+                      </a:rPr>
+                      <m:t>:</m:t>
+                    </m:r>
+                    <m:r>
+                      <a:rPr lang="en-US" sz="2500" b="0" i="1" smtClean="0">
+                        <a:latin typeface="Cambria Math" panose="02040503050406030204" pitchFamily="18" charset="0"/>
+                      </a:rPr>
+                      <m:t>𝑊𝑒𝑖𝑔h𝑡</m:t>
+                    </m:r>
+                    <m:r>
+                      <a:rPr lang="en-US" sz="2500" b="0" i="1" smtClean="0">
+                        <a:latin typeface="Cambria Math" panose="02040503050406030204" pitchFamily="18" charset="0"/>
+                      </a:rPr>
+                      <m:t>−</m:t>
+                    </m:r>
+                    <m:r>
+                      <a:rPr lang="en-US" sz="2500" b="0" i="1" smtClean="0">
+                        <a:latin typeface="Cambria Math" panose="02040503050406030204" pitchFamily="18" charset="0"/>
+                      </a:rPr>
+                      <m:t>𝑟𝑒𝑙𝑎𝑡𝑒𝑑</m:t>
+                    </m:r>
+                    <m:r>
+                      <a:rPr lang="en-US" sz="2500" b="0" i="1" smtClean="0">
+                        <a:latin typeface="Cambria Math" panose="02040503050406030204" pitchFamily="18" charset="0"/>
+                      </a:rPr>
+                      <m:t> </m:t>
+                    </m:r>
+                    <m:r>
+                      <a:rPr lang="en-US" sz="2500" b="0" i="1" smtClean="0">
+                        <a:latin typeface="Cambria Math" panose="02040503050406030204" pitchFamily="18" charset="0"/>
+                      </a:rPr>
+                      <m:t>𝑡𝑜</m:t>
+                    </m:r>
+                    <m:r>
+                      <a:rPr lang="en-US" sz="2500" b="0" i="1" smtClean="0">
+                        <a:latin typeface="Cambria Math" panose="02040503050406030204" pitchFamily="18" charset="0"/>
+                      </a:rPr>
+                      <m:t> </m:t>
+                    </m:r>
+                    <m:r>
+                      <a:rPr lang="en-US" sz="2500" b="0" i="1" smtClean="0">
+                        <a:latin typeface="Cambria Math" panose="02040503050406030204" pitchFamily="18" charset="0"/>
+                      </a:rPr>
+                      <m:t>𝑡h𝑒</m:t>
+                    </m:r>
+                    <m:r>
+                      <a:rPr lang="en-US" sz="2500" b="0" i="1" smtClean="0">
+                        <a:latin typeface="Cambria Math" panose="02040503050406030204" pitchFamily="18" charset="0"/>
+                      </a:rPr>
+                      <m:t> </m:t>
+                    </m:r>
+                    <m:r>
+                      <a:rPr lang="en-US" sz="2500" b="0" i="1" smtClean="0">
+                        <a:latin typeface="Cambria Math" panose="02040503050406030204" pitchFamily="18" charset="0"/>
+                      </a:rPr>
+                      <m:t>𝑐𝑙𝑎𝑠𝑠</m:t>
+                    </m:r>
+                    <m:r>
+                      <a:rPr lang="en-US" sz="2500" b="0" i="1" smtClean="0">
+                        <a:latin typeface="Cambria Math" panose="02040503050406030204" pitchFamily="18" charset="0"/>
+                      </a:rPr>
+                      <m:t> </m:t>
+                    </m:r>
+                    <m:r>
+                      <a:rPr lang="en-US" sz="2500" b="0" i="1" smtClean="0">
+                        <a:latin typeface="Cambria Math" panose="02040503050406030204" pitchFamily="18" charset="0"/>
+                      </a:rPr>
+                      <m:t>𝑐</m:t>
+                    </m:r>
+                  </m:oMath>
+                </a14:m>
+                <a:endParaRPr lang="en-US" sz="2500" dirty="0"/>
+              </a:p>
+              <a:p>
+                <a:pPr marL="285750" indent="-285750">
+                  <a:buFont typeface="Arial" panose="020B0604020202020204" pitchFamily="34" charset="0"/>
+                  <a:buChar char="•"/>
+                </a:pPr>
+                <a14:m>
+                  <m:oMath xmlns:m="http://schemas.openxmlformats.org/officeDocument/2006/math">
+                    <m:sSubSup>
+                      <m:sSubSupPr>
+                        <m:ctrlPr>
+                          <a:rPr lang="en-US" sz="2500" i="1" smtClean="0">
+                            <a:latin typeface="Cambria Math" panose="02040503050406030204" pitchFamily="18" charset="0"/>
+                          </a:rPr>
+                        </m:ctrlPr>
+                      </m:sSubSupPr>
+                      <m:e>
+                        <m:acc>
+                          <m:accPr>
+                            <m:chr m:val="̂"/>
+                            <m:ctrlPr>
+                              <a:rPr lang="en-US" sz="2500" i="1" smtClean="0">
+                                <a:latin typeface="Cambria Math" panose="02040503050406030204" pitchFamily="18" charset="0"/>
+                              </a:rPr>
+                            </m:ctrlPr>
+                          </m:accPr>
+                          <m:e>
+                            <m:r>
+                              <a:rPr lang="en-US" sz="2500" b="0" i="1" smtClean="0">
+                                <a:latin typeface="Cambria Math" panose="02040503050406030204" pitchFamily="18" charset="0"/>
+                              </a:rPr>
+                              <m:t>𝑦</m:t>
+                            </m:r>
+                          </m:e>
+                        </m:acc>
+                      </m:e>
+                      <m:sub>
+                        <m:r>
+                          <a:rPr lang="en-US" sz="2500" b="0" i="1" smtClean="0">
+                            <a:latin typeface="Cambria Math" panose="02040503050406030204" pitchFamily="18" charset="0"/>
+                          </a:rPr>
+                          <m:t>𝑛</m:t>
+                        </m:r>
+                      </m:sub>
+                      <m:sup>
+                        <m:r>
+                          <a:rPr lang="en-US" sz="2500" b="0" i="1" smtClean="0">
+                            <a:latin typeface="Cambria Math" panose="02040503050406030204" pitchFamily="18" charset="0"/>
+                          </a:rPr>
+                          <m:t>𝑐</m:t>
+                        </m:r>
+                      </m:sup>
+                    </m:sSubSup>
+                    <m:r>
+                      <a:rPr lang="en-US" sz="2500" b="0" i="1" smtClean="0">
+                        <a:latin typeface="Cambria Math" panose="02040503050406030204" pitchFamily="18" charset="0"/>
+                      </a:rPr>
+                      <m:t> </m:t>
+                    </m:r>
+                    <m:r>
+                      <a:rPr lang="en-US" sz="2500" b="0" i="1" smtClean="0">
+                        <a:latin typeface="Cambria Math" panose="02040503050406030204" pitchFamily="18" charset="0"/>
+                      </a:rPr>
+                      <m:t>𝑖𝑠</m:t>
+                    </m:r>
+                    <m:r>
+                      <a:rPr lang="en-US" sz="2500" b="0" i="1" smtClean="0">
+                        <a:latin typeface="Cambria Math" panose="02040503050406030204" pitchFamily="18" charset="0"/>
+                      </a:rPr>
+                      <m:t> </m:t>
+                    </m:r>
+                    <m:r>
+                      <a:rPr lang="en-US" sz="2500" b="0" i="1" smtClean="0">
+                        <a:latin typeface="Cambria Math" panose="02040503050406030204" pitchFamily="18" charset="0"/>
+                      </a:rPr>
+                      <m:t>𝑡h𝑒</m:t>
+                    </m:r>
+                    <m:r>
+                      <a:rPr lang="en-US" sz="2500" b="0" i="1" smtClean="0">
+                        <a:latin typeface="Cambria Math" panose="02040503050406030204" pitchFamily="18" charset="0"/>
+                      </a:rPr>
+                      <m:t> </m:t>
+                    </m:r>
+                    <m:r>
+                      <a:rPr lang="en-US" sz="2500" b="0" i="1" smtClean="0">
+                        <a:latin typeface="Cambria Math" panose="02040503050406030204" pitchFamily="18" charset="0"/>
+                      </a:rPr>
+                      <m:t>𝑜𝑢𝑡𝑝𝑢𝑡</m:t>
+                    </m:r>
+                    <m:r>
+                      <a:rPr lang="en-US" sz="2500" b="0" i="1" smtClean="0">
+                        <a:latin typeface="Cambria Math" panose="02040503050406030204" pitchFamily="18" charset="0"/>
+                      </a:rPr>
+                      <m:t> </m:t>
+                    </m:r>
+                    <m:r>
+                      <a:rPr lang="en-US" sz="2500" b="0" i="1" smtClean="0">
+                        <a:latin typeface="Cambria Math" panose="02040503050406030204" pitchFamily="18" charset="0"/>
+                      </a:rPr>
+                      <m:t>𝑜𝑓</m:t>
+                    </m:r>
+                    <m:r>
+                      <a:rPr lang="en-US" sz="2500" b="0" i="1" smtClean="0">
+                        <a:latin typeface="Cambria Math" panose="02040503050406030204" pitchFamily="18" charset="0"/>
+                      </a:rPr>
+                      <m:t> </m:t>
+                    </m:r>
+                    <m:r>
+                      <a:rPr lang="en-US" sz="2500" b="0" i="1" smtClean="0">
+                        <a:latin typeface="Cambria Math" panose="02040503050406030204" pitchFamily="18" charset="0"/>
+                      </a:rPr>
+                      <m:t>𝑡h𝑒</m:t>
+                    </m:r>
+                    <m:r>
+                      <a:rPr lang="en-US" sz="2500" b="0" i="1" smtClean="0">
+                        <a:latin typeface="Cambria Math" panose="02040503050406030204" pitchFamily="18" charset="0"/>
+                      </a:rPr>
+                      <m:t> </m:t>
+                    </m:r>
+                    <m:r>
+                      <a:rPr lang="en-US" sz="2500" b="0" i="1" smtClean="0">
+                        <a:latin typeface="Cambria Math" panose="02040503050406030204" pitchFamily="18" charset="0"/>
+                      </a:rPr>
+                      <m:t>𝑚𝑜𝑑𝑒𝑙</m:t>
+                    </m:r>
+                  </m:oMath>
+                </a14:m>
+                <a:endParaRPr lang="en-US" sz="2500" b="0" dirty="0"/>
+              </a:p>
+              <a:p>
+                <a:pPr marL="285750" indent="-285750">
+                  <a:buFont typeface="Arial" panose="020B0604020202020204" pitchFamily="34" charset="0"/>
+                  <a:buChar char="•"/>
+                </a:pPr>
+                <a14:m>
+                  <m:oMath xmlns:m="http://schemas.openxmlformats.org/officeDocument/2006/math">
+                    <m:sSubSup>
+                      <m:sSubSupPr>
+                        <m:ctrlPr>
+                          <a:rPr lang="en-US" sz="2500" i="1" smtClean="0">
+                            <a:latin typeface="Cambria Math" panose="02040503050406030204" pitchFamily="18" charset="0"/>
+                          </a:rPr>
+                        </m:ctrlPr>
+                      </m:sSubSupPr>
+                      <m:e>
+                        <m:r>
+                          <a:rPr lang="en-US" sz="2500" b="0" i="1" smtClean="0">
+                            <a:latin typeface="Cambria Math" panose="02040503050406030204" pitchFamily="18" charset="0"/>
+                          </a:rPr>
+                          <m:t>𝑦</m:t>
+                        </m:r>
+                      </m:e>
+                      <m:sub>
+                        <m:r>
+                          <a:rPr lang="en-US" sz="2500" b="0" i="1" smtClean="0">
+                            <a:latin typeface="Cambria Math" panose="02040503050406030204" pitchFamily="18" charset="0"/>
+                          </a:rPr>
+                          <m:t>𝑛</m:t>
+                        </m:r>
+                      </m:sub>
+                      <m:sup>
+                        <m:r>
+                          <a:rPr lang="en-US" sz="2500" b="0" i="1" smtClean="0">
+                            <a:latin typeface="Cambria Math" panose="02040503050406030204" pitchFamily="18" charset="0"/>
+                          </a:rPr>
+                          <m:t>𝑐</m:t>
+                        </m:r>
+                      </m:sup>
+                    </m:sSubSup>
+                    <m:r>
+                      <a:rPr lang="en-US" sz="2500" b="0" i="1" smtClean="0">
+                        <a:latin typeface="Cambria Math" panose="02040503050406030204" pitchFamily="18" charset="0"/>
+                      </a:rPr>
+                      <m:t> </m:t>
+                    </m:r>
+                    <m:r>
+                      <a:rPr lang="en-US" sz="2500" b="0" i="1" smtClean="0">
+                        <a:latin typeface="Cambria Math" panose="02040503050406030204" pitchFamily="18" charset="0"/>
+                      </a:rPr>
+                      <m:t>𝑖𝑠</m:t>
+                    </m:r>
+                    <m:r>
+                      <a:rPr lang="en-US" sz="2500" b="0" i="1" smtClean="0">
+                        <a:latin typeface="Cambria Math" panose="02040503050406030204" pitchFamily="18" charset="0"/>
+                      </a:rPr>
+                      <m:t> </m:t>
+                    </m:r>
+                    <m:r>
+                      <a:rPr lang="en-US" sz="2500" b="0" i="1" smtClean="0">
+                        <a:latin typeface="Cambria Math" panose="02040503050406030204" pitchFamily="18" charset="0"/>
+                      </a:rPr>
+                      <m:t>𝑡h𝑒</m:t>
+                    </m:r>
+                    <m:r>
+                      <a:rPr lang="en-US" sz="2500" b="0" i="1" smtClean="0">
+                        <a:latin typeface="Cambria Math" panose="02040503050406030204" pitchFamily="18" charset="0"/>
+                      </a:rPr>
+                      <m:t> </m:t>
+                    </m:r>
+                    <m:r>
+                      <a:rPr lang="en-US" sz="2500" b="0" i="1" smtClean="0">
+                        <a:latin typeface="Cambria Math" panose="02040503050406030204" pitchFamily="18" charset="0"/>
+                      </a:rPr>
+                      <m:t>𝑒𝑥𝑝𝑒𝑐𝑡𝑒𝑑</m:t>
+                    </m:r>
+                    <m:r>
+                      <a:rPr lang="en-US" sz="2500" b="0" i="1" smtClean="0">
+                        <a:latin typeface="Cambria Math" panose="02040503050406030204" pitchFamily="18" charset="0"/>
+                      </a:rPr>
+                      <m:t> </m:t>
+                    </m:r>
+                    <m:r>
+                      <a:rPr lang="en-US" sz="2500" b="0" i="1" smtClean="0">
+                        <a:latin typeface="Cambria Math" panose="02040503050406030204" pitchFamily="18" charset="0"/>
+                      </a:rPr>
+                      <m:t>𝑜𝑢𝑡𝑝𝑢𝑡</m:t>
+                    </m:r>
+                    <m:r>
+                      <a:rPr lang="en-US" sz="2500" b="0" i="1" smtClean="0">
+                        <a:latin typeface="Cambria Math" panose="02040503050406030204" pitchFamily="18" charset="0"/>
+                      </a:rPr>
+                      <m:t> </m:t>
+                    </m:r>
+                    <m:r>
+                      <a:rPr lang="en-US" sz="2500" b="0" i="1" smtClean="0">
+                        <a:latin typeface="Cambria Math" panose="02040503050406030204" pitchFamily="18" charset="0"/>
+                      </a:rPr>
+                      <m:t>𝑜𝑓</m:t>
+                    </m:r>
+                    <m:r>
+                      <a:rPr lang="en-US" sz="2500" b="0" i="1" smtClean="0">
+                        <a:latin typeface="Cambria Math" panose="02040503050406030204" pitchFamily="18" charset="0"/>
+                      </a:rPr>
+                      <m:t> </m:t>
+                    </m:r>
+                    <m:r>
+                      <a:rPr lang="en-US" sz="2500" b="0" i="1" smtClean="0">
+                        <a:latin typeface="Cambria Math" panose="02040503050406030204" pitchFamily="18" charset="0"/>
+                      </a:rPr>
+                      <m:t>𝑡h𝑒</m:t>
+                    </m:r>
+                    <m:r>
+                      <a:rPr lang="en-US" sz="2500" b="0" i="1" smtClean="0">
+                        <a:latin typeface="Cambria Math" panose="02040503050406030204" pitchFamily="18" charset="0"/>
+                      </a:rPr>
+                      <m:t> </m:t>
+                    </m:r>
+                    <m:r>
+                      <a:rPr lang="en-US" sz="2500" b="0" i="1" smtClean="0">
+                        <a:latin typeface="Cambria Math" panose="02040503050406030204" pitchFamily="18" charset="0"/>
+                      </a:rPr>
+                      <m:t>𝑚𝑜𝑑𝑒𝑙</m:t>
+                    </m:r>
+                  </m:oMath>
+                </a14:m>
+                <a:endParaRPr lang="en-US" sz="2500" dirty="0"/>
+              </a:p>
+            </p:txBody>
+          </p:sp>
+        </mc:Choice>
+        <mc:Fallback>
+          <p:sp>
+            <p:nvSpPr>
+              <p:cNvPr id="6" name="TextBox 5">
+                <a:extLst>
+                  <a:ext uri="{FF2B5EF4-FFF2-40B4-BE49-F238E27FC236}">
+                    <a16:creationId xmlns:a16="http://schemas.microsoft.com/office/drawing/2014/main" id="{71F10CCD-D55C-FB7B-C4AC-C6D0B3540699}"/>
+                  </a:ext>
+                </a:extLst>
+              </p:cNvPr>
+              <p:cNvSpPr txBox="1">
+                <a:spLocks noRot="1" noChangeAspect="1" noMove="1" noResize="1" noEditPoints="1" noAdjustHandles="1" noChangeArrowheads="1" noChangeShapeType="1" noTextEdit="1"/>
+              </p:cNvSpPr>
+              <p:nvPr/>
+            </p:nvSpPr>
+            <p:spPr>
+              <a:xfrm flipH="1">
+                <a:off x="1507479" y="2271403"/>
+                <a:ext cx="5937972" cy="2785378"/>
+              </a:xfrm>
+              <a:prstGeom prst="rect">
+                <a:avLst/>
+              </a:prstGeom>
+              <a:blipFill>
+                <a:blip r:embed="rId3"/>
+                <a:stretch>
+                  <a:fillRect l="-1437" t="-1313" r="-821" b="-3282"/>
+                </a:stretch>
+              </a:blipFill>
+            </p:spPr>
+            <p:txBody>
+              <a:bodyPr/>
+              <a:lstStyle/>
+              <a:p>
+                <a:r>
+                  <a:rPr lang="en-US">
+                    <a:noFill/>
+                  </a:rPr>
+                  <a:t> </a:t>
+                </a:r>
+              </a:p>
+            </p:txBody>
+          </p:sp>
+        </mc:Fallback>
+      </mc:AlternateContent>
+    </p:spTree>
+    <p:extLst>
+      <p:ext uri="{BB962C8B-B14F-4D97-AF65-F5344CB8AC3E}">
+        <p14:creationId xmlns:p14="http://schemas.microsoft.com/office/powerpoint/2010/main" val="3704314787"/>
+      </p:ext>
+    </p:extLst>
+  </p:cSld>
+  <p:clrMapOvr>
+    <a:masterClrMapping/>
+  </p:clrMapOvr>
+</p:sld>
+</file>
+
+<file path=ppt/slides/slide17.xml><?xml version="1.0" encoding="utf-8"?>
+<p:sld xmlns:a="http://schemas.openxmlformats.org/drawingml/2006/main" xmlns:r="http://schemas.openxmlformats.org/officeDocument/2006/relationships" xmlns:p="http://schemas.openxmlformats.org/presentationml/2006/main">
+  <p:cSld>
+    <p:spTree>
+      <p:nvGrpSpPr>
+        <p:cNvPr id="1" name=""/>
+        <p:cNvGrpSpPr/>
+        <p:nvPr/>
+      </p:nvGrpSpPr>
+      <p:grpSpPr>
+        <a:xfrm>
+          <a:off x="0" y="0"/>
+          <a:ext cx="0" cy="0"/>
+          <a:chOff x="0" y="0"/>
+          <a:chExt cx="0" cy="0"/>
+        </a:xfrm>
+      </p:grpSpPr>
+      <p:sp>
+        <p:nvSpPr>
+          <p:cNvPr id="2" name="Slide Number Placeholder 1">
+            <a:extLst>
+              <a:ext uri="{FF2B5EF4-FFF2-40B4-BE49-F238E27FC236}">
+                <a16:creationId xmlns:a16="http://schemas.microsoft.com/office/drawing/2014/main" id="{8EF8B219-8564-9EA1-7B6C-FE727996586C}"/>
+              </a:ext>
+            </a:extLst>
+          </p:cNvPr>
+          <p:cNvSpPr>
+            <a:spLocks noGrp="1"/>
+          </p:cNvSpPr>
+          <p:nvPr>
+            <p:ph type="sldNum" sz="quarter" idx="12"/>
+          </p:nvPr>
+        </p:nvSpPr>
+        <p:spPr/>
         <p:txBody>
           <a:bodyPr/>
-          <a:lstStyle>
-            <a:lvl1pPr algn="l" defTabSz="914400" rtl="0" eaLnBrk="1" latinLnBrk="0" hangingPunct="1">
-              <a:lnSpc>
-                <a:spcPct val="90000"/>
-              </a:lnSpc>
-              <a:spcBef>
-                <a:spcPct val="0"/>
-              </a:spcBef>
-              <a:buNone/>
-              <a:defRPr sz="6000" b="1" kern="1200">
-                <a:solidFill>
-                  <a:srgbClr val="C00000"/>
-                </a:solidFill>
-                <a:latin typeface="Lato" panose="020F0502020204030203" pitchFamily="34" charset="0"/>
-                <a:ea typeface="Lato" panose="020F0502020204030203" pitchFamily="34" charset="0"/>
-                <a:cs typeface="Lato" panose="020F0502020204030203" pitchFamily="34" charset="0"/>
-              </a:defRPr>
-            </a:lvl1pPr>
-          </a:lstStyle>
-          <a:p>
-            <a:r>
-              <a:rPr lang="en-US" sz="4800" dirty="0"/>
-              <a:t>THANK YOU !</a:t>
+          <a:lstStyle/>
+          <a:p>
+            <a:fld id="{9EA0BE3B-158A-4EDF-80DC-E394A0D1600F}" type="slidenum">
+              <a:rPr lang="en-US" smtClean="0"/>
+              <a:pPr/>
+              <a:t>17</a:t>
+            </a:fld>
+            <a:endParaRPr lang="en-US" dirty="0"/>
+          </a:p>
+        </p:txBody>
+      </p:sp>
+      <p:sp>
+        <p:nvSpPr>
+          <p:cNvPr id="3" name="Title 2">
+            <a:extLst>
+              <a:ext uri="{FF2B5EF4-FFF2-40B4-BE49-F238E27FC236}">
+                <a16:creationId xmlns:a16="http://schemas.microsoft.com/office/drawing/2014/main" id="{FE2A3DBB-BCD3-AF33-ECD8-9C9260012B6D}"/>
+              </a:ext>
+            </a:extLst>
+          </p:cNvPr>
+          <p:cNvSpPr>
+            <a:spLocks noGrp="1"/>
+          </p:cNvSpPr>
+          <p:nvPr>
+            <p:ph type="title"/>
+          </p:nvPr>
+        </p:nvSpPr>
+        <p:spPr/>
+        <p:txBody>
+          <a:bodyPr/>
+          <a:lstStyle/>
+          <a:p>
+            <a:r>
+              <a:rPr lang="en-US" dirty="0"/>
+              <a:t>Loss Function</a:t>
+            </a:r>
+          </a:p>
+        </p:txBody>
+      </p:sp>
+      <p:pic>
+        <p:nvPicPr>
+          <p:cNvPr id="5" name="Picture 4">
+            <a:extLst>
+              <a:ext uri="{FF2B5EF4-FFF2-40B4-BE49-F238E27FC236}">
+                <a16:creationId xmlns:a16="http://schemas.microsoft.com/office/drawing/2014/main" id="{ACCA91EB-6845-4E98-CB7B-6E6BCFEC808C}"/>
+              </a:ext>
+            </a:extLst>
+          </p:cNvPr>
+          <p:cNvPicPr>
+            <a:picLocks noChangeAspect="1"/>
+          </p:cNvPicPr>
+          <p:nvPr/>
+        </p:nvPicPr>
+        <p:blipFill>
+          <a:blip r:embed="rId2"/>
+          <a:stretch>
+            <a:fillRect/>
+          </a:stretch>
+        </p:blipFill>
+        <p:spPr>
+          <a:xfrm>
+            <a:off x="678711" y="1415618"/>
+            <a:ext cx="7689287" cy="2088771"/>
+          </a:xfrm>
+          <a:prstGeom prst="rect">
+            <a:avLst/>
+          </a:prstGeom>
+        </p:spPr>
+      </p:pic>
+      <mc:AlternateContent xmlns:mc="http://schemas.openxmlformats.org/markup-compatibility/2006">
+        <mc:Choice xmlns:a14="http://schemas.microsoft.com/office/drawing/2010/main" Requires="a14">
+          <p:sp>
+            <p:nvSpPr>
+              <p:cNvPr id="6" name="TextBox 5">
+                <a:extLst>
+                  <a:ext uri="{FF2B5EF4-FFF2-40B4-BE49-F238E27FC236}">
+                    <a16:creationId xmlns:a16="http://schemas.microsoft.com/office/drawing/2014/main" id="{A765A158-4B93-3402-92DB-24C3FE017EF6}"/>
+                  </a:ext>
+                </a:extLst>
+              </p:cNvPr>
+              <p:cNvSpPr txBox="1"/>
+              <p:nvPr/>
+            </p:nvSpPr>
+            <p:spPr>
+              <a:xfrm>
+                <a:off x="1692322" y="3848669"/>
+                <a:ext cx="6797374" cy="923330"/>
+              </a:xfrm>
+              <a:prstGeom prst="rect">
+                <a:avLst/>
+              </a:prstGeom>
+              <a:noFill/>
+            </p:spPr>
+            <p:txBody>
+              <a:bodyPr wrap="none" rtlCol="0">
+                <a:spAutoFit/>
+              </a:bodyPr>
+              <a:lstStyle/>
+              <a:p>
+                <a:pPr marL="285750" indent="-285750">
+                  <a:buFont typeface="Arial" panose="020B0604020202020204" pitchFamily="34" charset="0"/>
+                  <a:buChar char="•"/>
+                </a:pPr>
+                <a14:m>
+                  <m:oMath xmlns:m="http://schemas.openxmlformats.org/officeDocument/2006/math">
+                    <m:r>
+                      <a:rPr lang="en-US" b="0" i="1" smtClean="0">
+                        <a:latin typeface="Cambria Math" panose="02040503050406030204" pitchFamily="18" charset="0"/>
+                      </a:rPr>
+                      <m:t>𝑁</m:t>
+                    </m:r>
+                    <m:r>
+                      <a:rPr lang="en-US" b="0" i="1" smtClean="0">
+                        <a:latin typeface="Cambria Math" panose="02040503050406030204" pitchFamily="18" charset="0"/>
+                      </a:rPr>
+                      <m:t> </m:t>
+                    </m:r>
+                    <m:r>
+                      <a:rPr lang="en-US" b="0" i="1" smtClean="0">
+                        <a:latin typeface="Cambria Math" panose="02040503050406030204" pitchFamily="18" charset="0"/>
+                      </a:rPr>
+                      <m:t>𝑖𝑠</m:t>
+                    </m:r>
+                    <m:r>
+                      <a:rPr lang="en-US" b="0" i="1" smtClean="0">
+                        <a:latin typeface="Cambria Math" panose="02040503050406030204" pitchFamily="18" charset="0"/>
+                      </a:rPr>
+                      <m:t> </m:t>
+                    </m:r>
+                    <m:r>
+                      <a:rPr lang="en-US" b="0" i="1" smtClean="0">
+                        <a:latin typeface="Cambria Math" panose="02040503050406030204" pitchFamily="18" charset="0"/>
+                      </a:rPr>
+                      <m:t>𝑡h𝑒</m:t>
+                    </m:r>
+                    <m:r>
+                      <a:rPr lang="en-US" b="0" i="1" smtClean="0">
+                        <a:latin typeface="Cambria Math" panose="02040503050406030204" pitchFamily="18" charset="0"/>
+                      </a:rPr>
+                      <m:t> </m:t>
+                    </m:r>
+                    <m:r>
+                      <a:rPr lang="en-US" b="0" i="1" smtClean="0">
+                        <a:latin typeface="Cambria Math" panose="02040503050406030204" pitchFamily="18" charset="0"/>
+                      </a:rPr>
+                      <m:t>𝑛𝑢𝑚𝑏𝑒𝑟</m:t>
+                    </m:r>
+                    <m:r>
+                      <a:rPr lang="en-US" b="0" i="1" smtClean="0">
+                        <a:latin typeface="Cambria Math" panose="02040503050406030204" pitchFamily="18" charset="0"/>
+                      </a:rPr>
+                      <m:t> </m:t>
+                    </m:r>
+                    <m:r>
+                      <a:rPr lang="en-US" b="0" i="1" smtClean="0">
+                        <a:latin typeface="Cambria Math" panose="02040503050406030204" pitchFamily="18" charset="0"/>
+                      </a:rPr>
+                      <m:t>𝑜𝑓</m:t>
+                    </m:r>
+                    <m:r>
+                      <a:rPr lang="en-US" b="0" i="1" smtClean="0">
+                        <a:latin typeface="Cambria Math" panose="02040503050406030204" pitchFamily="18" charset="0"/>
+                      </a:rPr>
+                      <m:t> </m:t>
+                    </m:r>
+                    <m:r>
+                      <a:rPr lang="en-US" b="0" i="1" smtClean="0">
+                        <a:latin typeface="Cambria Math" panose="02040503050406030204" pitchFamily="18" charset="0"/>
+                      </a:rPr>
+                      <m:t>𝑡𝑟𝑎𝑖𝑛𝑖𝑛𝑔</m:t>
+                    </m:r>
+                    <m:r>
+                      <a:rPr lang="en-US" b="0" i="1" smtClean="0">
+                        <a:latin typeface="Cambria Math" panose="02040503050406030204" pitchFamily="18" charset="0"/>
+                      </a:rPr>
+                      <m:t> </m:t>
+                    </m:r>
+                    <m:r>
+                      <a:rPr lang="en-US" b="0" i="1" smtClean="0">
+                        <a:latin typeface="Cambria Math" panose="02040503050406030204" pitchFamily="18" charset="0"/>
+                      </a:rPr>
+                      <m:t>𝑒𝑥𝑎𝑚𝑝𝑙𝑒𝑠</m:t>
+                    </m:r>
+                  </m:oMath>
+                </a14:m>
+                <a:endParaRPr lang="en-US" b="0" dirty="0"/>
+              </a:p>
+              <a:p>
+                <a:pPr marL="285750" indent="-285750">
+                  <a:buFont typeface="Arial" panose="020B0604020202020204" pitchFamily="34" charset="0"/>
+                  <a:buChar char="•"/>
+                </a:pPr>
+                <a14:m>
+                  <m:oMath xmlns:m="http://schemas.openxmlformats.org/officeDocument/2006/math">
+                    <m:sSub>
+                      <m:sSubPr>
+                        <m:ctrlPr>
+                          <a:rPr lang="en-US" b="0" i="1" smtClean="0">
+                            <a:latin typeface="Cambria Math" panose="02040503050406030204" pitchFamily="18" charset="0"/>
+                          </a:rPr>
+                        </m:ctrlPr>
+                      </m:sSubPr>
+                      <m:e>
+                        <m:r>
+                          <a:rPr lang="en-US" b="0" i="1" smtClean="0">
+                            <a:latin typeface="Cambria Math" panose="02040503050406030204" pitchFamily="18" charset="0"/>
+                          </a:rPr>
+                          <m:t>𝑁</m:t>
+                        </m:r>
+                      </m:e>
+                      <m:sub>
+                        <m:r>
+                          <a:rPr lang="en-US" b="0" i="1" smtClean="0">
+                            <a:latin typeface="Cambria Math" panose="02040503050406030204" pitchFamily="18" charset="0"/>
+                          </a:rPr>
+                          <m:t>𝑖</m:t>
+                        </m:r>
+                      </m:sub>
+                    </m:sSub>
+                    <m:r>
+                      <a:rPr lang="en-US" b="0" i="1" smtClean="0">
+                        <a:latin typeface="Cambria Math" panose="02040503050406030204" pitchFamily="18" charset="0"/>
+                      </a:rPr>
+                      <m:t> </m:t>
+                    </m:r>
+                    <m:r>
+                      <a:rPr lang="en-US" b="0" i="1" smtClean="0">
+                        <a:latin typeface="Cambria Math" panose="02040503050406030204" pitchFamily="18" charset="0"/>
+                      </a:rPr>
+                      <m:t>𝑖𝑠</m:t>
+                    </m:r>
+                    <m:r>
+                      <a:rPr lang="en-US" b="0" i="1" smtClean="0">
+                        <a:latin typeface="Cambria Math" panose="02040503050406030204" pitchFamily="18" charset="0"/>
+                      </a:rPr>
+                      <m:t> </m:t>
+                    </m:r>
+                    <m:r>
+                      <a:rPr lang="en-US" b="0" i="1" smtClean="0">
+                        <a:latin typeface="Cambria Math" panose="02040503050406030204" pitchFamily="18" charset="0"/>
+                      </a:rPr>
+                      <m:t>𝑡h𝑒</m:t>
+                    </m:r>
+                    <m:r>
+                      <a:rPr lang="en-US" b="0" i="1" smtClean="0">
+                        <a:latin typeface="Cambria Math" panose="02040503050406030204" pitchFamily="18" charset="0"/>
+                      </a:rPr>
+                      <m:t> </m:t>
+                    </m:r>
+                    <m:r>
+                      <a:rPr lang="en-US" b="0" i="1" smtClean="0">
+                        <a:latin typeface="Cambria Math" panose="02040503050406030204" pitchFamily="18" charset="0"/>
+                      </a:rPr>
+                      <m:t>𝑛𝑢𝑚𝑏𝑒𝑟</m:t>
+                    </m:r>
+                    <m:r>
+                      <a:rPr lang="en-US" b="0" i="1" smtClean="0">
+                        <a:latin typeface="Cambria Math" panose="02040503050406030204" pitchFamily="18" charset="0"/>
+                      </a:rPr>
+                      <m:t> </m:t>
+                    </m:r>
+                    <m:r>
+                      <a:rPr lang="en-US" b="0" i="1" smtClean="0">
+                        <a:latin typeface="Cambria Math" panose="02040503050406030204" pitchFamily="18" charset="0"/>
+                      </a:rPr>
+                      <m:t>𝑜𝑓</m:t>
+                    </m:r>
+                    <m:r>
+                      <a:rPr lang="en-US" b="0" i="1" smtClean="0">
+                        <a:latin typeface="Cambria Math" panose="02040503050406030204" pitchFamily="18" charset="0"/>
+                      </a:rPr>
+                      <m:t> </m:t>
+                    </m:r>
+                    <m:r>
+                      <a:rPr lang="en-US" b="0" i="1" smtClean="0">
+                        <a:latin typeface="Cambria Math" panose="02040503050406030204" pitchFamily="18" charset="0"/>
+                      </a:rPr>
+                      <m:t>𝑡𝑟𝑎𝑖𝑛𝑖𝑛𝑔</m:t>
+                    </m:r>
+                    <m:r>
+                      <a:rPr lang="en-US" b="0" i="1" smtClean="0">
+                        <a:latin typeface="Cambria Math" panose="02040503050406030204" pitchFamily="18" charset="0"/>
+                      </a:rPr>
+                      <m:t> </m:t>
+                    </m:r>
+                    <m:r>
+                      <a:rPr lang="en-US" b="0" i="1" smtClean="0">
+                        <a:latin typeface="Cambria Math" panose="02040503050406030204" pitchFamily="18" charset="0"/>
+                      </a:rPr>
+                      <m:t>𝑒𝑥𝑎𝑚𝑝𝑙𝑒𝑠</m:t>
+                    </m:r>
+                    <m:r>
+                      <a:rPr lang="en-US" b="0" i="1" smtClean="0">
+                        <a:latin typeface="Cambria Math" panose="02040503050406030204" pitchFamily="18" charset="0"/>
+                      </a:rPr>
+                      <m:t> </m:t>
+                    </m:r>
+                    <m:r>
+                      <a:rPr lang="en-US" b="0" i="1" smtClean="0">
+                        <a:latin typeface="Cambria Math" panose="02040503050406030204" pitchFamily="18" charset="0"/>
+                      </a:rPr>
+                      <m:t>𝑤𝑖𝑡h</m:t>
+                    </m:r>
+                    <m:r>
+                      <a:rPr lang="en-US" b="0" i="1" smtClean="0">
+                        <a:latin typeface="Cambria Math" panose="02040503050406030204" pitchFamily="18" charset="0"/>
+                      </a:rPr>
+                      <m:t> </m:t>
+                    </m:r>
+                    <m:r>
+                      <a:rPr lang="en-US" b="0" i="1" smtClean="0">
+                        <a:latin typeface="Cambria Math" panose="02040503050406030204" pitchFamily="18" charset="0"/>
+                      </a:rPr>
+                      <m:t>𝑟𝑒𝑠𝑝𝑒𝑐𝑡</m:t>
+                    </m:r>
+                    <m:r>
+                      <a:rPr lang="en-US" b="0" i="1" smtClean="0">
+                        <a:latin typeface="Cambria Math" panose="02040503050406030204" pitchFamily="18" charset="0"/>
+                      </a:rPr>
+                      <m:t> </m:t>
+                    </m:r>
+                    <m:r>
+                      <a:rPr lang="en-US" b="0" i="1" smtClean="0">
+                        <a:latin typeface="Cambria Math" panose="02040503050406030204" pitchFamily="18" charset="0"/>
+                      </a:rPr>
+                      <m:t>𝑡𝑜</m:t>
+                    </m:r>
+                    <m:r>
+                      <a:rPr lang="en-US" b="0" i="1" smtClean="0">
+                        <a:latin typeface="Cambria Math" panose="02040503050406030204" pitchFamily="18" charset="0"/>
+                      </a:rPr>
+                      <m:t> </m:t>
+                    </m:r>
+                    <m:r>
+                      <a:rPr lang="en-US" b="0" i="1" smtClean="0">
+                        <a:latin typeface="Cambria Math" panose="02040503050406030204" pitchFamily="18" charset="0"/>
+                      </a:rPr>
+                      <m:t>𝑐𝑙𝑎𝑠𝑠</m:t>
+                    </m:r>
+                    <m:r>
+                      <a:rPr lang="en-US" b="0" i="1" smtClean="0">
+                        <a:latin typeface="Cambria Math" panose="02040503050406030204" pitchFamily="18" charset="0"/>
+                      </a:rPr>
+                      <m:t> </m:t>
+                    </m:r>
+                    <m:r>
+                      <a:rPr lang="en-US" b="0" i="1" smtClean="0">
+                        <a:latin typeface="Cambria Math" panose="02040503050406030204" pitchFamily="18" charset="0"/>
+                      </a:rPr>
+                      <m:t>𝑖</m:t>
+                    </m:r>
+                  </m:oMath>
+                </a14:m>
+                <a:endParaRPr lang="en-US" b="0" dirty="0"/>
+              </a:p>
+              <a:p>
+                <a:pPr marL="285750" indent="-285750">
+                  <a:buFont typeface="Arial" panose="020B0604020202020204" pitchFamily="34" charset="0"/>
+                  <a:buChar char="•"/>
+                </a:pPr>
+                <a14:m>
+                  <m:oMath xmlns:m="http://schemas.openxmlformats.org/officeDocument/2006/math">
+                    <m:r>
+                      <a:rPr lang="en-US" b="0" i="1" smtClean="0">
+                        <a:latin typeface="Cambria Math" panose="02040503050406030204" pitchFamily="18" charset="0"/>
+                      </a:rPr>
+                      <m:t>𝐷</m:t>
+                    </m:r>
+                    <m:r>
+                      <a:rPr lang="en-US" b="0" i="1" smtClean="0">
+                        <a:latin typeface="Cambria Math" panose="02040503050406030204" pitchFamily="18" charset="0"/>
+                      </a:rPr>
+                      <m:t> </m:t>
+                    </m:r>
+                    <m:r>
+                      <a:rPr lang="en-US" b="0" i="1" smtClean="0">
+                        <a:latin typeface="Cambria Math" panose="02040503050406030204" pitchFamily="18" charset="0"/>
+                      </a:rPr>
+                      <m:t>𝑖𝑠</m:t>
+                    </m:r>
+                    <m:r>
+                      <a:rPr lang="en-US" b="0" i="1" smtClean="0">
+                        <a:latin typeface="Cambria Math" panose="02040503050406030204" pitchFamily="18" charset="0"/>
+                      </a:rPr>
+                      <m:t> </m:t>
+                    </m:r>
+                    <m:r>
+                      <a:rPr lang="en-US" b="0" i="1" smtClean="0">
+                        <a:latin typeface="Cambria Math" panose="02040503050406030204" pitchFamily="18" charset="0"/>
+                      </a:rPr>
+                      <m:t>𝑡h𝑒</m:t>
+                    </m:r>
+                    <m:r>
+                      <a:rPr lang="en-US" b="0" i="1" smtClean="0">
+                        <a:latin typeface="Cambria Math" panose="02040503050406030204" pitchFamily="18" charset="0"/>
+                      </a:rPr>
+                      <m:t> </m:t>
+                    </m:r>
+                    <m:r>
+                      <a:rPr lang="en-US" b="0" i="1" smtClean="0">
+                        <a:latin typeface="Cambria Math" panose="02040503050406030204" pitchFamily="18" charset="0"/>
+                      </a:rPr>
+                      <m:t>𝑚𝑎𝑡𝑟𝑖𝑥</m:t>
+                    </m:r>
+                    <m:r>
+                      <a:rPr lang="en-US" b="0" i="1" smtClean="0">
+                        <a:latin typeface="Cambria Math" panose="02040503050406030204" pitchFamily="18" charset="0"/>
+                      </a:rPr>
+                      <m:t> </m:t>
+                    </m:r>
+                    <m:r>
+                      <a:rPr lang="en-US" b="0" i="1" smtClean="0">
+                        <a:latin typeface="Cambria Math" panose="02040503050406030204" pitchFamily="18" charset="0"/>
+                      </a:rPr>
+                      <m:t>𝑜𝑓</m:t>
+                    </m:r>
+                    <m:r>
+                      <a:rPr lang="en-US" b="0" i="1" smtClean="0">
+                        <a:latin typeface="Cambria Math" panose="02040503050406030204" pitchFamily="18" charset="0"/>
+                      </a:rPr>
+                      <m:t> </m:t>
+                    </m:r>
+                    <m:r>
+                      <a:rPr lang="en-US" b="0" i="1" smtClean="0">
+                        <a:latin typeface="Cambria Math" panose="02040503050406030204" pitchFamily="18" charset="0"/>
+                      </a:rPr>
+                      <m:t>𝑖𝑛𝑣𝑒𝑟𝑠𝑒</m:t>
+                    </m:r>
+                    <m:r>
+                      <a:rPr lang="en-US" b="0" i="1" smtClean="0">
+                        <a:latin typeface="Cambria Math" panose="02040503050406030204" pitchFamily="18" charset="0"/>
+                      </a:rPr>
+                      <m:t> </m:t>
+                    </m:r>
+                    <m:r>
+                      <a:rPr lang="en-US" b="0" i="1" smtClean="0">
+                        <a:latin typeface="Cambria Math" panose="02040503050406030204" pitchFamily="18" charset="0"/>
+                      </a:rPr>
+                      <m:t>𝑜𝑓</m:t>
+                    </m:r>
+                    <m:r>
+                      <a:rPr lang="en-US" b="0" i="1" smtClean="0">
+                        <a:latin typeface="Cambria Math" panose="02040503050406030204" pitchFamily="18" charset="0"/>
+                      </a:rPr>
+                      <m:t> </m:t>
+                    </m:r>
+                    <m:r>
+                      <a:rPr lang="en-US" b="0" i="1" smtClean="0">
+                        <a:latin typeface="Cambria Math" panose="02040503050406030204" pitchFamily="18" charset="0"/>
+                      </a:rPr>
+                      <m:t>𝐶</m:t>
+                    </m:r>
+                    <m:r>
+                      <a:rPr lang="en-US" b="0" i="1" smtClean="0">
+                        <a:latin typeface="Cambria Math" panose="02040503050406030204" pitchFamily="18" charset="0"/>
+                      </a:rPr>
+                      <m:t> ×</m:t>
+                    </m:r>
+                    <m:sSub>
+                      <m:sSubPr>
+                        <m:ctrlPr>
+                          <a:rPr lang="en-US" b="0" i="1" smtClean="0">
+                            <a:latin typeface="Cambria Math" panose="02040503050406030204" pitchFamily="18" charset="0"/>
+                            <a:ea typeface="Cambria Math" panose="02040503050406030204" pitchFamily="18" charset="0"/>
+                          </a:rPr>
+                        </m:ctrlPr>
+                      </m:sSubPr>
+                      <m:e>
+                        <m:r>
+                          <a:rPr lang="en-US" b="0" i="1" smtClean="0">
+                            <a:latin typeface="Cambria Math" panose="02040503050406030204" pitchFamily="18" charset="0"/>
+                            <a:ea typeface="Cambria Math" panose="02040503050406030204" pitchFamily="18" charset="0"/>
+                          </a:rPr>
+                          <m:t>𝑁</m:t>
+                        </m:r>
+                      </m:e>
+                      <m:sub>
+                        <m:r>
+                          <a:rPr lang="en-US" b="0" i="1" smtClean="0">
+                            <a:latin typeface="Cambria Math" panose="02040503050406030204" pitchFamily="18" charset="0"/>
+                            <a:ea typeface="Cambria Math" panose="02040503050406030204" pitchFamily="18" charset="0"/>
+                          </a:rPr>
+                          <m:t>𝑖</m:t>
+                        </m:r>
+                      </m:sub>
+                    </m:sSub>
+                  </m:oMath>
+                </a14:m>
+                <a:endParaRPr lang="en-US" b="0" dirty="0">
+                  <a:ea typeface="Cambria Math" panose="02040503050406030204" pitchFamily="18" charset="0"/>
+                </a:endParaRPr>
+              </a:p>
+            </p:txBody>
+          </p:sp>
+        </mc:Choice>
+        <mc:Fallback>
+          <p:sp>
+            <p:nvSpPr>
+              <p:cNvPr id="6" name="TextBox 5">
+                <a:extLst>
+                  <a:ext uri="{FF2B5EF4-FFF2-40B4-BE49-F238E27FC236}">
+                    <a16:creationId xmlns:a16="http://schemas.microsoft.com/office/drawing/2014/main" id="{A765A158-4B93-3402-92DB-24C3FE017EF6}"/>
+                  </a:ext>
+                </a:extLst>
+              </p:cNvPr>
+              <p:cNvSpPr txBox="1">
+                <a:spLocks noRot="1" noChangeAspect="1" noMove="1" noResize="1" noEditPoints="1" noAdjustHandles="1" noChangeArrowheads="1" noChangeShapeType="1" noTextEdit="1"/>
+              </p:cNvSpPr>
+              <p:nvPr/>
+            </p:nvSpPr>
+            <p:spPr>
+              <a:xfrm>
+                <a:off x="1692322" y="3848669"/>
+                <a:ext cx="6797374" cy="923330"/>
+              </a:xfrm>
+              <a:prstGeom prst="rect">
+                <a:avLst/>
+              </a:prstGeom>
+              <a:blipFill>
+                <a:blip r:embed="rId3"/>
+                <a:stretch>
+                  <a:fillRect l="-628" t="-1316" b="-6579"/>
+                </a:stretch>
+              </a:blipFill>
+            </p:spPr>
+            <p:txBody>
+              <a:bodyPr/>
+              <a:lstStyle/>
+              <a:p>
+                <a:r>
+                  <a:rPr lang="en-US">
+                    <a:noFill/>
+                  </a:rPr>
+                  <a:t> </a:t>
+                </a:r>
+              </a:p>
+            </p:txBody>
+          </p:sp>
+        </mc:Fallback>
+      </mc:AlternateContent>
+    </p:spTree>
+    <p:extLst>
+      <p:ext uri="{BB962C8B-B14F-4D97-AF65-F5344CB8AC3E}">
+        <p14:creationId xmlns:p14="http://schemas.microsoft.com/office/powerpoint/2010/main" val="3025943272"/>
+      </p:ext>
+    </p:extLst>
+  </p:cSld>
+  <p:clrMapOvr>
+    <a:masterClrMapping/>
+  </p:clrMapOvr>
+</p:sld>
+</file>
+
+<file path=ppt/slides/slide18.xml><?xml version="1.0" encoding="utf-8"?>
+<p:sld xmlns:a="http://schemas.openxmlformats.org/drawingml/2006/main" xmlns:r="http://schemas.openxmlformats.org/officeDocument/2006/relationships" xmlns:p="http://schemas.openxmlformats.org/presentationml/2006/main">
+  <p:cSld>
+    <p:spTree>
+      <p:nvGrpSpPr>
+        <p:cNvPr id="1" name=""/>
+        <p:cNvGrpSpPr/>
+        <p:nvPr/>
+      </p:nvGrpSpPr>
+      <p:grpSpPr>
+        <a:xfrm>
+          <a:off x="0" y="0"/>
+          <a:ext cx="0" cy="0"/>
+          <a:chOff x="0" y="0"/>
+          <a:chExt cx="0" cy="0"/>
+        </a:xfrm>
+      </p:grpSpPr>
+      <p:sp>
+        <p:nvSpPr>
+          <p:cNvPr id="2" name="Slide Number Placeholder 1">
+            <a:extLst>
+              <a:ext uri="{FF2B5EF4-FFF2-40B4-BE49-F238E27FC236}">
+                <a16:creationId xmlns:a16="http://schemas.microsoft.com/office/drawing/2014/main" id="{326193DD-2C16-8418-FAC5-6E3891995861}"/>
+              </a:ext>
+            </a:extLst>
+          </p:cNvPr>
+          <p:cNvSpPr>
+            <a:spLocks noGrp="1"/>
+          </p:cNvSpPr>
+          <p:nvPr>
+            <p:ph type="sldNum" sz="quarter" idx="12"/>
+          </p:nvPr>
+        </p:nvSpPr>
+        <p:spPr/>
+        <p:txBody>
+          <a:bodyPr/>
+          <a:lstStyle/>
+          <a:p>
+            <a:fld id="{9EA0BE3B-158A-4EDF-80DC-E394A0D1600F}" type="slidenum">
+              <a:rPr lang="en-US" smtClean="0"/>
+              <a:pPr/>
+              <a:t>18</a:t>
+            </a:fld>
+            <a:endParaRPr lang="en-US" dirty="0"/>
+          </a:p>
+        </p:txBody>
+      </p:sp>
+      <p:sp>
+        <p:nvSpPr>
+          <p:cNvPr id="3" name="Title 2">
+            <a:extLst>
+              <a:ext uri="{FF2B5EF4-FFF2-40B4-BE49-F238E27FC236}">
+                <a16:creationId xmlns:a16="http://schemas.microsoft.com/office/drawing/2014/main" id="{F9123F55-DA96-E806-0A05-C94B8DA6D194}"/>
+              </a:ext>
+            </a:extLst>
+          </p:cNvPr>
+          <p:cNvSpPr>
+            <a:spLocks noGrp="1"/>
+          </p:cNvSpPr>
+          <p:nvPr>
+            <p:ph type="title"/>
+          </p:nvPr>
+        </p:nvSpPr>
+        <p:spPr/>
+        <p:txBody>
+          <a:bodyPr/>
+          <a:lstStyle/>
+          <a:p>
+            <a:r>
+              <a:rPr lang="en-US" dirty="0"/>
+              <a:t>Training</a:t>
+            </a:r>
+          </a:p>
+        </p:txBody>
+      </p:sp>
+      <p:graphicFrame>
+        <p:nvGraphicFramePr>
+          <p:cNvPr id="5" name="Table 5">
+            <a:extLst>
+              <a:ext uri="{FF2B5EF4-FFF2-40B4-BE49-F238E27FC236}">
+                <a16:creationId xmlns:a16="http://schemas.microsoft.com/office/drawing/2014/main" id="{CE94B3E7-95C7-18BE-9381-32F839123BCB}"/>
+              </a:ext>
+            </a:extLst>
+          </p:cNvPr>
+          <p:cNvGraphicFramePr>
+            <a:graphicFrameLocks noGrp="1"/>
+          </p:cNvGraphicFramePr>
+          <p:nvPr>
+            <p:extLst>
+              <p:ext uri="{D42A27DB-BD31-4B8C-83A1-F6EECF244321}">
+                <p14:modId xmlns:p14="http://schemas.microsoft.com/office/powerpoint/2010/main" val="1994720913"/>
+              </p:ext>
+            </p:extLst>
+          </p:nvPr>
+        </p:nvGraphicFramePr>
+        <p:xfrm>
+          <a:off x="1524000" y="1014862"/>
+          <a:ext cx="6096000" cy="741680"/>
+        </p:xfrm>
+        <a:graphic>
+          <a:graphicData uri="http://schemas.openxmlformats.org/drawingml/2006/table">
+            <a:tbl>
+              <a:tblPr firstRow="1" bandRow="1">
+                <a:tableStyleId>{5C22544A-7EE6-4342-B048-85BDC9FD1C3A}</a:tableStyleId>
+              </a:tblPr>
+              <a:tblGrid>
+                <a:gridCol w="2032000">
+                  <a:extLst>
+                    <a:ext uri="{9D8B030D-6E8A-4147-A177-3AD203B41FA5}">
+                      <a16:colId xmlns:a16="http://schemas.microsoft.com/office/drawing/2014/main" val="628166549"/>
+                    </a:ext>
+                  </a:extLst>
+                </a:gridCol>
+                <a:gridCol w="2032000">
+                  <a:extLst>
+                    <a:ext uri="{9D8B030D-6E8A-4147-A177-3AD203B41FA5}">
+                      <a16:colId xmlns:a16="http://schemas.microsoft.com/office/drawing/2014/main" val="3455108133"/>
+                    </a:ext>
+                  </a:extLst>
+                </a:gridCol>
+                <a:gridCol w="2032000">
+                  <a:extLst>
+                    <a:ext uri="{9D8B030D-6E8A-4147-A177-3AD203B41FA5}">
+                      <a16:colId xmlns:a16="http://schemas.microsoft.com/office/drawing/2014/main" val="1760507445"/>
+                    </a:ext>
+                  </a:extLst>
+                </a:gridCol>
+              </a:tblGrid>
+              <a:tr h="370840">
+                <a:tc>
+                  <a:txBody>
+                    <a:bodyPr/>
+                    <a:lstStyle/>
+                    <a:p>
+                      <a:pPr algn="ctr"/>
+                      <a:r>
+                        <a:rPr lang="en-US" dirty="0"/>
+                        <a:t>Training </a:t>
+                      </a:r>
+                    </a:p>
+                  </a:txBody>
+                  <a:tcPr/>
+                </a:tc>
+                <a:tc>
+                  <a:txBody>
+                    <a:bodyPr/>
+                    <a:lstStyle/>
+                    <a:p>
+                      <a:pPr algn="ctr"/>
+                      <a:r>
+                        <a:rPr lang="en-US" dirty="0"/>
+                        <a:t>Validation </a:t>
+                      </a:r>
+                    </a:p>
+                  </a:txBody>
+                  <a:tcPr/>
+                </a:tc>
+                <a:tc>
+                  <a:txBody>
+                    <a:bodyPr/>
+                    <a:lstStyle/>
+                    <a:p>
+                      <a:pPr algn="ctr"/>
+                      <a:r>
+                        <a:rPr lang="en-US" dirty="0"/>
+                        <a:t>Testing </a:t>
+                      </a:r>
+                    </a:p>
+                  </a:txBody>
+                  <a:tcPr/>
+                </a:tc>
+                <a:extLst>
+                  <a:ext uri="{0D108BD9-81ED-4DB2-BD59-A6C34878D82A}">
+                    <a16:rowId xmlns:a16="http://schemas.microsoft.com/office/drawing/2014/main" val="1207156653"/>
+                  </a:ext>
+                </a:extLst>
+              </a:tr>
+              <a:tr h="370840">
+                <a:tc>
+                  <a:txBody>
+                    <a:bodyPr/>
+                    <a:lstStyle/>
+                    <a:p>
+                      <a:pPr algn="ctr"/>
+                      <a:r>
+                        <a:rPr lang="en-US" dirty="0"/>
+                        <a:t>80%</a:t>
+                      </a:r>
+                    </a:p>
+                  </a:txBody>
+                  <a:tcPr/>
+                </a:tc>
+                <a:tc>
+                  <a:txBody>
+                    <a:bodyPr/>
+                    <a:lstStyle/>
+                    <a:p>
+                      <a:pPr algn="ctr"/>
+                      <a:r>
+                        <a:rPr lang="en-US" dirty="0"/>
+                        <a:t>10%</a:t>
+                      </a:r>
+                    </a:p>
+                  </a:txBody>
+                  <a:tcPr/>
+                </a:tc>
+                <a:tc>
+                  <a:txBody>
+                    <a:bodyPr/>
+                    <a:lstStyle/>
+                    <a:p>
+                      <a:pPr algn="ctr"/>
+                      <a:r>
+                        <a:rPr lang="en-US" dirty="0"/>
+                        <a:t>10%</a:t>
+                      </a:r>
+                    </a:p>
+                  </a:txBody>
+                  <a:tcPr/>
+                </a:tc>
+                <a:extLst>
+                  <a:ext uri="{0D108BD9-81ED-4DB2-BD59-A6C34878D82A}">
+                    <a16:rowId xmlns:a16="http://schemas.microsoft.com/office/drawing/2014/main" val="3188159467"/>
+                  </a:ext>
+                </a:extLst>
+              </a:tr>
+            </a:tbl>
+          </a:graphicData>
+        </a:graphic>
+      </p:graphicFrame>
+      <p:sp>
+        <p:nvSpPr>
+          <p:cNvPr id="6" name="TextBox 5">
+            <a:extLst>
+              <a:ext uri="{FF2B5EF4-FFF2-40B4-BE49-F238E27FC236}">
+                <a16:creationId xmlns:a16="http://schemas.microsoft.com/office/drawing/2014/main" id="{EAB0CC20-8CFE-56D3-944D-0AF778E59A7D}"/>
+              </a:ext>
+            </a:extLst>
+          </p:cNvPr>
+          <p:cNvSpPr txBox="1"/>
+          <p:nvPr/>
+        </p:nvSpPr>
+        <p:spPr>
+          <a:xfrm>
+            <a:off x="1009935" y="2702257"/>
+            <a:ext cx="7465326" cy="2585323"/>
+          </a:xfrm>
+          <a:prstGeom prst="rect">
+            <a:avLst/>
+          </a:prstGeom>
+          <a:noFill/>
+        </p:spPr>
+        <p:txBody>
+          <a:bodyPr wrap="square" rtlCol="0">
+            <a:spAutoFit/>
+          </a:bodyPr>
+          <a:lstStyle/>
+          <a:p>
+            <a:r>
+              <a:rPr lang="en-US" b="1" dirty="0"/>
+              <a:t>Tactics during training:</a:t>
+            </a:r>
+          </a:p>
+          <a:p>
+            <a:pPr marL="285750" indent="-285750">
+              <a:buFont typeface="Arial" panose="020B0604020202020204" pitchFamily="34" charset="0"/>
+              <a:buChar char="•"/>
+            </a:pPr>
+            <a:r>
+              <a:rPr lang="en-US" dirty="0"/>
+              <a:t>Early-Stopping: Stop when model loss does not decrease</a:t>
+            </a:r>
+          </a:p>
+          <a:p>
+            <a:pPr marL="742950" lvl="1" indent="-285750">
+              <a:buFont typeface="Arial" panose="020B0604020202020204" pitchFamily="34" charset="0"/>
+              <a:buChar char="•"/>
+            </a:pPr>
+            <a:r>
+              <a:rPr lang="en-US" dirty="0"/>
+              <a:t>No. waiting epoch: </a:t>
+            </a:r>
+            <a:r>
+              <a:rPr lang="en-US" b="1" dirty="0"/>
+              <a:t>35</a:t>
+            </a:r>
+          </a:p>
+          <a:p>
+            <a:pPr marL="285750" indent="-285750">
+              <a:buFont typeface="Arial" panose="020B0604020202020204" pitchFamily="34" charset="0"/>
+              <a:buChar char="•"/>
+            </a:pPr>
+            <a:r>
+              <a:rPr lang="en-US" dirty="0"/>
+              <a:t>Learning rate Reduction: decrease the learning rate when validation accuracy does not increase</a:t>
+            </a:r>
+          </a:p>
+          <a:p>
+            <a:pPr marL="742950" lvl="1" indent="-285750">
+              <a:buFont typeface="Arial" panose="020B0604020202020204" pitchFamily="34" charset="0"/>
+              <a:buChar char="•"/>
+            </a:pPr>
+            <a:r>
+              <a:rPr lang="en-US" dirty="0"/>
+              <a:t>Initial Learning rate: </a:t>
+            </a:r>
+            <a:r>
+              <a:rPr lang="en-US" b="1" dirty="0"/>
+              <a:t>1e-04</a:t>
+            </a:r>
+          </a:p>
+          <a:p>
+            <a:pPr marL="742950" lvl="1" indent="-285750">
+              <a:buFont typeface="Arial" panose="020B0604020202020204" pitchFamily="34" charset="0"/>
+              <a:buChar char="•"/>
+            </a:pPr>
+            <a:r>
+              <a:rPr lang="en-US" dirty="0"/>
+              <a:t>Minimum Learning rate: </a:t>
+            </a:r>
+            <a:r>
+              <a:rPr lang="en-US" b="1" dirty="0"/>
+              <a:t>1e-08</a:t>
+            </a:r>
+          </a:p>
+          <a:p>
+            <a:pPr marL="285750" indent="-285750">
+              <a:buFont typeface="Arial" panose="020B0604020202020204" pitchFamily="34" charset="0"/>
+              <a:buChar char="•"/>
+            </a:pPr>
+            <a:r>
+              <a:rPr lang="en-US" dirty="0"/>
+              <a:t>Model Check-Point: Save the best model – highest accuracy on validation data. </a:t>
             </a:r>
           </a:p>
         </p:txBody>
@@ -3573,7 +5496,125 @@
     </p:spTree>
     <p:extLst>
       <p:ext uri="{BB962C8B-B14F-4D97-AF65-F5344CB8AC3E}">
-        <p14:creationId xmlns:p14="http://schemas.microsoft.com/office/powerpoint/2010/main" val="2830535683"/>
+        <p14:creationId xmlns:p14="http://schemas.microsoft.com/office/powerpoint/2010/main" val="1292156534"/>
+      </p:ext>
+    </p:extLst>
+  </p:cSld>
+  <p:clrMapOvr>
+    <a:masterClrMapping/>
+  </p:clrMapOvr>
+</p:sld>
+</file>
+
+<file path=ppt/slides/slide19.xml><?xml version="1.0" encoding="utf-8"?>
+<p:sld xmlns:a="http://schemas.openxmlformats.org/drawingml/2006/main" xmlns:r="http://schemas.openxmlformats.org/officeDocument/2006/relationships" xmlns:p="http://schemas.openxmlformats.org/presentationml/2006/main">
+  <p:cSld>
+    <p:spTree>
+      <p:nvGrpSpPr>
+        <p:cNvPr id="1" name=""/>
+        <p:cNvGrpSpPr/>
+        <p:nvPr/>
+      </p:nvGrpSpPr>
+      <p:grpSpPr>
+        <a:xfrm>
+          <a:off x="0" y="0"/>
+          <a:ext cx="0" cy="0"/>
+          <a:chOff x="0" y="0"/>
+          <a:chExt cx="0" cy="0"/>
+        </a:xfrm>
+      </p:grpSpPr>
+      <p:sp>
+        <p:nvSpPr>
+          <p:cNvPr id="2" name="Slide Number Placeholder 1">
+            <a:extLst>
+              <a:ext uri="{FF2B5EF4-FFF2-40B4-BE49-F238E27FC236}">
+                <a16:creationId xmlns:a16="http://schemas.microsoft.com/office/drawing/2014/main" id="{A7101F79-2CBF-4392-B538-B0B5700DB4C6}"/>
+              </a:ext>
+            </a:extLst>
+          </p:cNvPr>
+          <p:cNvSpPr>
+            <a:spLocks noGrp="1"/>
+          </p:cNvSpPr>
+          <p:nvPr>
+            <p:ph type="sldNum" sz="quarter" idx="12"/>
+          </p:nvPr>
+        </p:nvSpPr>
+        <p:spPr/>
+        <p:txBody>
+          <a:bodyPr/>
+          <a:lstStyle/>
+          <a:p>
+            <a:fld id="{9EA0BE3B-158A-4EDF-80DC-E394A0D1600F}" type="slidenum">
+              <a:rPr lang="en-US" smtClean="0"/>
+              <a:pPr/>
+              <a:t>19</a:t>
+            </a:fld>
+            <a:endParaRPr lang="en-US" dirty="0"/>
+          </a:p>
+        </p:txBody>
+      </p:sp>
+      <p:sp>
+        <p:nvSpPr>
+          <p:cNvPr id="3" name="Title 2">
+            <a:extLst>
+              <a:ext uri="{FF2B5EF4-FFF2-40B4-BE49-F238E27FC236}">
+                <a16:creationId xmlns:a16="http://schemas.microsoft.com/office/drawing/2014/main" id="{9EF27CAA-32BA-4E6B-B8C0-1A481E08E81D}"/>
+              </a:ext>
+            </a:extLst>
+          </p:cNvPr>
+          <p:cNvSpPr>
+            <a:spLocks noGrp="1"/>
+          </p:cNvSpPr>
+          <p:nvPr>
+            <p:ph type="title"/>
+          </p:nvPr>
+        </p:nvSpPr>
+        <p:spPr/>
+        <p:txBody>
+          <a:bodyPr/>
+          <a:lstStyle/>
+          <a:p>
+            <a:r>
+              <a:rPr lang="en-US" dirty="0"/>
+              <a:t>Evaluation Metrics</a:t>
+            </a:r>
+          </a:p>
+        </p:txBody>
+      </p:sp>
+      <p:pic>
+        <p:nvPicPr>
+          <p:cNvPr id="8" name="Picture 7">
+            <a:extLst>
+              <a:ext uri="{FF2B5EF4-FFF2-40B4-BE49-F238E27FC236}">
+                <a16:creationId xmlns:a16="http://schemas.microsoft.com/office/drawing/2014/main" id="{3E04FEE4-0BA7-09F6-3AF2-FC9E5FFA4197}"/>
+              </a:ext>
+            </a:extLst>
+          </p:cNvPr>
+          <p:cNvPicPr>
+            <a:picLocks noChangeAspect="1"/>
+          </p:cNvPicPr>
+          <p:nvPr/>
+        </p:nvPicPr>
+        <p:blipFill>
+          <a:blip r:embed="rId2"/>
+          <a:stretch>
+            <a:fillRect/>
+          </a:stretch>
+        </p:blipFill>
+        <p:spPr>
+          <a:xfrm>
+            <a:off x="456625" y="1923840"/>
+            <a:ext cx="8230749" cy="3010320"/>
+          </a:xfrm>
+          <a:prstGeom prst="rect">
+            <a:avLst/>
+          </a:prstGeom>
+        </p:spPr>
+      </p:pic>
+    </p:spTree>
+    <p:extLst>
+      <p:ext uri="{BB962C8B-B14F-4D97-AF65-F5344CB8AC3E}">
+        <p14:creationId xmlns:p14="http://schemas.microsoft.com/office/powerpoint/2010/main" val="21203595"/>
       </p:ext>
     </p:extLst>
   </p:cSld>
@@ -3618,6 +5659,1628 @@
     <p:extLst>
       <p:ext uri="{BB962C8B-B14F-4D97-AF65-F5344CB8AC3E}">
         <p14:creationId xmlns:p14="http://schemas.microsoft.com/office/powerpoint/2010/main" val="1234004128"/>
+      </p:ext>
+    </p:extLst>
+  </p:cSld>
+  <p:clrMapOvr>
+    <a:masterClrMapping/>
+  </p:clrMapOvr>
+</p:sld>
+</file>
+
+<file path=ppt/slides/slide20.xml><?xml version="1.0" encoding="utf-8"?>
+<p:sld xmlns:a="http://schemas.openxmlformats.org/drawingml/2006/main" xmlns:r="http://schemas.openxmlformats.org/officeDocument/2006/relationships" xmlns:p="http://schemas.openxmlformats.org/presentationml/2006/main">
+  <p:cSld>
+    <p:spTree>
+      <p:nvGrpSpPr>
+        <p:cNvPr id="1" name=""/>
+        <p:cNvGrpSpPr/>
+        <p:nvPr/>
+      </p:nvGrpSpPr>
+      <p:grpSpPr>
+        <a:xfrm>
+          <a:off x="0" y="0"/>
+          <a:ext cx="0" cy="0"/>
+          <a:chOff x="0" y="0"/>
+          <a:chExt cx="0" cy="0"/>
+        </a:xfrm>
+      </p:grpSpPr>
+      <p:sp>
+        <p:nvSpPr>
+          <p:cNvPr id="2" name="Slide Number Placeholder 1">
+            <a:extLst>
+              <a:ext uri="{FF2B5EF4-FFF2-40B4-BE49-F238E27FC236}">
+                <a16:creationId xmlns:a16="http://schemas.microsoft.com/office/drawing/2014/main" id="{4F2FFA5B-EF19-6BB4-3274-9789229AD70A}"/>
+              </a:ext>
+            </a:extLst>
+          </p:cNvPr>
+          <p:cNvSpPr>
+            <a:spLocks noGrp="1"/>
+          </p:cNvSpPr>
+          <p:nvPr>
+            <p:ph type="sldNum" sz="quarter" idx="12"/>
+          </p:nvPr>
+        </p:nvSpPr>
+        <p:spPr/>
+        <p:txBody>
+          <a:bodyPr/>
+          <a:lstStyle/>
+          <a:p>
+            <a:fld id="{9EA0BE3B-158A-4EDF-80DC-E394A0D1600F}" type="slidenum">
+              <a:rPr lang="en-US" smtClean="0"/>
+              <a:pPr/>
+              <a:t>20</a:t>
+            </a:fld>
+            <a:endParaRPr lang="en-US" dirty="0"/>
+          </a:p>
+        </p:txBody>
+      </p:sp>
+      <p:sp>
+        <p:nvSpPr>
+          <p:cNvPr id="3" name="Title 2">
+            <a:extLst>
+              <a:ext uri="{FF2B5EF4-FFF2-40B4-BE49-F238E27FC236}">
+                <a16:creationId xmlns:a16="http://schemas.microsoft.com/office/drawing/2014/main" id="{62EA1BC3-A476-D72D-F8CE-82AA6EE6CFFD}"/>
+              </a:ext>
+            </a:extLst>
+          </p:cNvPr>
+          <p:cNvSpPr>
+            <a:spLocks noGrp="1"/>
+          </p:cNvSpPr>
+          <p:nvPr>
+            <p:ph type="title"/>
+          </p:nvPr>
+        </p:nvSpPr>
+        <p:spPr/>
+        <p:txBody>
+          <a:bodyPr/>
+          <a:lstStyle/>
+          <a:p>
+            <a:r>
+              <a:rPr lang="en-US" dirty="0"/>
+              <a:t>Evaluation Metrics</a:t>
+            </a:r>
+          </a:p>
+        </p:txBody>
+      </p:sp>
+      <p:pic>
+        <p:nvPicPr>
+          <p:cNvPr id="6" name="Picture 5">
+            <a:extLst>
+              <a:ext uri="{FF2B5EF4-FFF2-40B4-BE49-F238E27FC236}">
+                <a16:creationId xmlns:a16="http://schemas.microsoft.com/office/drawing/2014/main" id="{8F7F7E10-15FC-991B-8162-F2859CED3795}"/>
+              </a:ext>
+            </a:extLst>
+          </p:cNvPr>
+          <p:cNvPicPr>
+            <a:picLocks noChangeAspect="1"/>
+          </p:cNvPicPr>
+          <p:nvPr/>
+        </p:nvPicPr>
+        <p:blipFill>
+          <a:blip r:embed="rId2"/>
+          <a:stretch>
+            <a:fillRect/>
+          </a:stretch>
+        </p:blipFill>
+        <p:spPr>
+          <a:xfrm>
+            <a:off x="289667" y="996405"/>
+            <a:ext cx="2829320" cy="2200582"/>
+          </a:xfrm>
+          <a:prstGeom prst="rect">
+            <a:avLst/>
+          </a:prstGeom>
+        </p:spPr>
+      </p:pic>
+      <p:sp>
+        <p:nvSpPr>
+          <p:cNvPr id="7" name="TextBox 6">
+            <a:extLst>
+              <a:ext uri="{FF2B5EF4-FFF2-40B4-BE49-F238E27FC236}">
+                <a16:creationId xmlns:a16="http://schemas.microsoft.com/office/drawing/2014/main" id="{91636237-F506-537C-CB7B-44545D2A9593}"/>
+              </a:ext>
+            </a:extLst>
+          </p:cNvPr>
+          <p:cNvSpPr txBox="1"/>
+          <p:nvPr/>
+        </p:nvSpPr>
+        <p:spPr>
+          <a:xfrm>
+            <a:off x="3356877" y="1773530"/>
+            <a:ext cx="5336275" cy="646331"/>
+          </a:xfrm>
+          <a:prstGeom prst="rect">
+            <a:avLst/>
+          </a:prstGeom>
+          <a:noFill/>
+        </p:spPr>
+        <p:txBody>
+          <a:bodyPr wrap="square" rtlCol="0">
+            <a:spAutoFit/>
+          </a:bodyPr>
+          <a:lstStyle/>
+          <a:p>
+            <a:r>
+              <a:rPr lang="en-US" sz="1800" b="0" i="0" dirty="0">
+                <a:solidFill>
+                  <a:srgbClr val="000000"/>
+                </a:solidFill>
+                <a:effectLst/>
+                <a:latin typeface="NimbusRomNo9L-Regu"/>
+              </a:rPr>
+              <a:t>The True Positive(TP) of all classes, in this case, is the main diagonal of matrix </a:t>
+            </a:r>
+            <a:r>
+              <a:rPr lang="en-US" sz="1800" b="0" i="1" dirty="0">
+                <a:solidFill>
+                  <a:srgbClr val="000000"/>
+                </a:solidFill>
+                <a:effectLst/>
+                <a:latin typeface="NimbusRomNo9L-ReguItal"/>
+              </a:rPr>
+              <a:t>A.</a:t>
+            </a:r>
+            <a:r>
+              <a:rPr lang="en-US" dirty="0"/>
+              <a:t> </a:t>
+            </a:r>
+          </a:p>
+        </p:txBody>
+      </p:sp>
+      <p:pic>
+        <p:nvPicPr>
+          <p:cNvPr id="9" name="Picture 8">
+            <a:extLst>
+              <a:ext uri="{FF2B5EF4-FFF2-40B4-BE49-F238E27FC236}">
+                <a16:creationId xmlns:a16="http://schemas.microsoft.com/office/drawing/2014/main" id="{C5472197-D9E1-5060-BF32-09A16243A7F6}"/>
+              </a:ext>
+            </a:extLst>
+          </p:cNvPr>
+          <p:cNvPicPr>
+            <a:picLocks noChangeAspect="1"/>
+          </p:cNvPicPr>
+          <p:nvPr/>
+        </p:nvPicPr>
+        <p:blipFill>
+          <a:blip r:embed="rId3"/>
+          <a:stretch>
+            <a:fillRect/>
+          </a:stretch>
+        </p:blipFill>
+        <p:spPr>
+          <a:xfrm>
+            <a:off x="313730" y="3425011"/>
+            <a:ext cx="8516539" cy="1848108"/>
+          </a:xfrm>
+          <a:prstGeom prst="rect">
+            <a:avLst/>
+          </a:prstGeom>
+        </p:spPr>
+      </p:pic>
+    </p:spTree>
+    <p:extLst>
+      <p:ext uri="{BB962C8B-B14F-4D97-AF65-F5344CB8AC3E}">
+        <p14:creationId xmlns:p14="http://schemas.microsoft.com/office/powerpoint/2010/main" val="3191910548"/>
+      </p:ext>
+    </p:extLst>
+  </p:cSld>
+  <p:clrMapOvr>
+    <a:masterClrMapping/>
+  </p:clrMapOvr>
+</p:sld>
+</file>
+
+<file path=ppt/slides/slide21.xml><?xml version="1.0" encoding="utf-8"?>
+<p:sld xmlns:a="http://schemas.openxmlformats.org/drawingml/2006/main" xmlns:r="http://schemas.openxmlformats.org/officeDocument/2006/relationships" xmlns:p="http://schemas.openxmlformats.org/presentationml/2006/main">
+  <p:cSld>
+    <p:spTree>
+      <p:nvGrpSpPr>
+        <p:cNvPr id="1" name=""/>
+        <p:cNvGrpSpPr/>
+        <p:nvPr/>
+      </p:nvGrpSpPr>
+      <p:grpSpPr>
+        <a:xfrm>
+          <a:off x="0" y="0"/>
+          <a:ext cx="0" cy="0"/>
+          <a:chOff x="0" y="0"/>
+          <a:chExt cx="0" cy="0"/>
+        </a:xfrm>
+      </p:grpSpPr>
+      <p:sp>
+        <p:nvSpPr>
+          <p:cNvPr id="2" name="Slide Number Placeholder 1">
+            <a:extLst>
+              <a:ext uri="{FF2B5EF4-FFF2-40B4-BE49-F238E27FC236}">
+                <a16:creationId xmlns:a16="http://schemas.microsoft.com/office/drawing/2014/main" id="{5CA329EC-76E2-9B4B-2E93-E8FABF6DBE0E}"/>
+              </a:ext>
+            </a:extLst>
+          </p:cNvPr>
+          <p:cNvSpPr>
+            <a:spLocks noGrp="1"/>
+          </p:cNvSpPr>
+          <p:nvPr>
+            <p:ph type="sldNum" sz="quarter" idx="12"/>
+          </p:nvPr>
+        </p:nvSpPr>
+        <p:spPr/>
+        <p:txBody>
+          <a:bodyPr/>
+          <a:lstStyle/>
+          <a:p>
+            <a:fld id="{9EA0BE3B-158A-4EDF-80DC-E394A0D1600F}" type="slidenum">
+              <a:rPr lang="en-US" smtClean="0"/>
+              <a:pPr/>
+              <a:t>21</a:t>
+            </a:fld>
+            <a:endParaRPr lang="en-US" dirty="0"/>
+          </a:p>
+        </p:txBody>
+      </p:sp>
+      <p:sp>
+        <p:nvSpPr>
+          <p:cNvPr id="3" name="Title 2">
+            <a:extLst>
+              <a:ext uri="{FF2B5EF4-FFF2-40B4-BE49-F238E27FC236}">
+                <a16:creationId xmlns:a16="http://schemas.microsoft.com/office/drawing/2014/main" id="{52B07F98-3FFA-0ED6-797D-36CFF599CBA3}"/>
+              </a:ext>
+            </a:extLst>
+          </p:cNvPr>
+          <p:cNvSpPr>
+            <a:spLocks noGrp="1"/>
+          </p:cNvSpPr>
+          <p:nvPr>
+            <p:ph type="title"/>
+          </p:nvPr>
+        </p:nvSpPr>
+        <p:spPr/>
+        <p:txBody>
+          <a:bodyPr/>
+          <a:lstStyle/>
+          <a:p>
+            <a:r>
+              <a:rPr lang="en-US" dirty="0"/>
+              <a:t>Evaluation Metrics</a:t>
+            </a:r>
+          </a:p>
+        </p:txBody>
+      </p:sp>
+      <p:pic>
+        <p:nvPicPr>
+          <p:cNvPr id="6" name="Picture 5">
+            <a:extLst>
+              <a:ext uri="{FF2B5EF4-FFF2-40B4-BE49-F238E27FC236}">
+                <a16:creationId xmlns:a16="http://schemas.microsoft.com/office/drawing/2014/main" id="{02427086-CBE0-AA10-A112-03C1CCDF5AEA}"/>
+              </a:ext>
+            </a:extLst>
+          </p:cNvPr>
+          <p:cNvPicPr>
+            <a:picLocks noChangeAspect="1"/>
+          </p:cNvPicPr>
+          <p:nvPr/>
+        </p:nvPicPr>
+        <p:blipFill>
+          <a:blip r:embed="rId2"/>
+          <a:stretch>
+            <a:fillRect/>
+          </a:stretch>
+        </p:blipFill>
+        <p:spPr>
+          <a:xfrm>
+            <a:off x="871021" y="2328709"/>
+            <a:ext cx="7401958" cy="2200582"/>
+          </a:xfrm>
+          <a:prstGeom prst="rect">
+            <a:avLst/>
+          </a:prstGeom>
+        </p:spPr>
+      </p:pic>
+    </p:spTree>
+    <p:extLst>
+      <p:ext uri="{BB962C8B-B14F-4D97-AF65-F5344CB8AC3E}">
+        <p14:creationId xmlns:p14="http://schemas.microsoft.com/office/powerpoint/2010/main" val="3643228155"/>
+      </p:ext>
+    </p:extLst>
+  </p:cSld>
+  <p:clrMapOvr>
+    <a:masterClrMapping/>
+  </p:clrMapOvr>
+</p:sld>
+</file>
+
+<file path=ppt/slides/slide22.xml><?xml version="1.0" encoding="utf-8"?>
+<p:sld xmlns:a="http://schemas.openxmlformats.org/drawingml/2006/main" xmlns:r="http://schemas.openxmlformats.org/officeDocument/2006/relationships" xmlns:p="http://schemas.openxmlformats.org/presentationml/2006/main">
+  <p:cSld>
+    <p:spTree>
+      <p:nvGrpSpPr>
+        <p:cNvPr id="1" name=""/>
+        <p:cNvGrpSpPr/>
+        <p:nvPr/>
+      </p:nvGrpSpPr>
+      <p:grpSpPr>
+        <a:xfrm>
+          <a:off x="0" y="0"/>
+          <a:ext cx="0" cy="0"/>
+          <a:chOff x="0" y="0"/>
+          <a:chExt cx="0" cy="0"/>
+        </a:xfrm>
+      </p:grpSpPr>
+      <p:sp>
+        <p:nvSpPr>
+          <p:cNvPr id="2" name="Slide Number Placeholder 1">
+            <a:extLst>
+              <a:ext uri="{FF2B5EF4-FFF2-40B4-BE49-F238E27FC236}">
+                <a16:creationId xmlns:a16="http://schemas.microsoft.com/office/drawing/2014/main" id="{24FC9460-2865-D30C-40AF-F8E6EAC5F815}"/>
+              </a:ext>
+            </a:extLst>
+          </p:cNvPr>
+          <p:cNvSpPr>
+            <a:spLocks noGrp="1"/>
+          </p:cNvSpPr>
+          <p:nvPr>
+            <p:ph type="sldNum" sz="quarter" idx="12"/>
+          </p:nvPr>
+        </p:nvSpPr>
+        <p:spPr/>
+        <p:txBody>
+          <a:bodyPr/>
+          <a:lstStyle/>
+          <a:p>
+            <a:fld id="{9EA0BE3B-158A-4EDF-80DC-E394A0D1600F}" type="slidenum">
+              <a:rPr lang="en-US" smtClean="0"/>
+              <a:pPr/>
+              <a:t>22</a:t>
+            </a:fld>
+            <a:endParaRPr lang="en-US" dirty="0"/>
+          </a:p>
+        </p:txBody>
+      </p:sp>
+      <p:sp>
+        <p:nvSpPr>
+          <p:cNvPr id="3" name="Title 2">
+            <a:extLst>
+              <a:ext uri="{FF2B5EF4-FFF2-40B4-BE49-F238E27FC236}">
+                <a16:creationId xmlns:a16="http://schemas.microsoft.com/office/drawing/2014/main" id="{4DEFFF60-C902-ACC5-D0B8-D258155EF183}"/>
+              </a:ext>
+            </a:extLst>
+          </p:cNvPr>
+          <p:cNvSpPr>
+            <a:spLocks noGrp="1"/>
+          </p:cNvSpPr>
+          <p:nvPr>
+            <p:ph type="title"/>
+          </p:nvPr>
+        </p:nvSpPr>
+        <p:spPr/>
+        <p:txBody>
+          <a:bodyPr/>
+          <a:lstStyle/>
+          <a:p>
+            <a:r>
+              <a:rPr lang="en-US" dirty="0"/>
+              <a:t>Result and Discussion</a:t>
+            </a:r>
+          </a:p>
+        </p:txBody>
+      </p:sp>
+      <p:pic>
+        <p:nvPicPr>
+          <p:cNvPr id="6" name="Picture 5">
+            <a:extLst>
+              <a:ext uri="{FF2B5EF4-FFF2-40B4-BE49-F238E27FC236}">
+                <a16:creationId xmlns:a16="http://schemas.microsoft.com/office/drawing/2014/main" id="{D4F3EC60-38CB-B4E2-DBC8-463F1A2938AF}"/>
+              </a:ext>
+            </a:extLst>
+          </p:cNvPr>
+          <p:cNvPicPr>
+            <a:picLocks noChangeAspect="1"/>
+          </p:cNvPicPr>
+          <p:nvPr/>
+        </p:nvPicPr>
+        <p:blipFill>
+          <a:blip r:embed="rId2"/>
+          <a:stretch>
+            <a:fillRect/>
+          </a:stretch>
+        </p:blipFill>
+        <p:spPr>
+          <a:xfrm>
+            <a:off x="1661706" y="1601285"/>
+            <a:ext cx="5820587" cy="762106"/>
+          </a:xfrm>
+          <a:prstGeom prst="rect">
+            <a:avLst/>
+          </a:prstGeom>
+        </p:spPr>
+      </p:pic>
+      <p:sp>
+        <p:nvSpPr>
+          <p:cNvPr id="7" name="TextBox 6">
+            <a:extLst>
+              <a:ext uri="{FF2B5EF4-FFF2-40B4-BE49-F238E27FC236}">
+                <a16:creationId xmlns:a16="http://schemas.microsoft.com/office/drawing/2014/main" id="{C9FABD5E-F982-A89E-3B18-073460B1C3EB}"/>
+              </a:ext>
+            </a:extLst>
+          </p:cNvPr>
+          <p:cNvSpPr txBox="1"/>
+          <p:nvPr/>
+        </p:nvSpPr>
+        <p:spPr>
+          <a:xfrm>
+            <a:off x="235077" y="967536"/>
+            <a:ext cx="5426935" cy="430887"/>
+          </a:xfrm>
+          <a:prstGeom prst="rect">
+            <a:avLst/>
+          </a:prstGeom>
+          <a:noFill/>
+        </p:spPr>
+        <p:txBody>
+          <a:bodyPr wrap="none" rtlCol="0">
+            <a:spAutoFit/>
+          </a:bodyPr>
+          <a:lstStyle/>
+          <a:p>
+            <a:r>
+              <a:rPr lang="en-US" sz="2200" dirty="0">
+                <a:latin typeface="Arial" panose="020B0604020202020204" pitchFamily="34" charset="0"/>
+                <a:cs typeface="Arial" panose="020B0604020202020204" pitchFamily="34" charset="0"/>
+              </a:rPr>
+              <a:t>Accuracy of the model with Augment Data</a:t>
+            </a:r>
+          </a:p>
+        </p:txBody>
+      </p:sp>
+      <p:sp>
+        <p:nvSpPr>
+          <p:cNvPr id="8" name="TextBox 7">
+            <a:extLst>
+              <a:ext uri="{FF2B5EF4-FFF2-40B4-BE49-F238E27FC236}">
+                <a16:creationId xmlns:a16="http://schemas.microsoft.com/office/drawing/2014/main" id="{322A8F4B-026E-40E7-2379-64FE6D88F683}"/>
+              </a:ext>
+            </a:extLst>
+          </p:cNvPr>
+          <p:cNvSpPr txBox="1"/>
+          <p:nvPr/>
+        </p:nvSpPr>
+        <p:spPr>
+          <a:xfrm>
+            <a:off x="235077" y="2584398"/>
+            <a:ext cx="5490606" cy="430887"/>
+          </a:xfrm>
+          <a:prstGeom prst="rect">
+            <a:avLst/>
+          </a:prstGeom>
+          <a:noFill/>
+        </p:spPr>
+        <p:txBody>
+          <a:bodyPr wrap="none" rtlCol="0">
+            <a:spAutoFit/>
+          </a:bodyPr>
+          <a:lstStyle/>
+          <a:p>
+            <a:r>
+              <a:rPr lang="en-US" sz="2200" dirty="0">
+                <a:latin typeface="Arial" panose="020B0604020202020204" pitchFamily="34" charset="0"/>
+                <a:cs typeface="Arial" panose="020B0604020202020204" pitchFamily="34" charset="0"/>
+              </a:rPr>
+              <a:t>Accuracy of the model with Metadata Data</a:t>
+            </a:r>
+          </a:p>
+        </p:txBody>
+      </p:sp>
+      <p:pic>
+        <p:nvPicPr>
+          <p:cNvPr id="10" name="Picture 9">
+            <a:extLst>
+              <a:ext uri="{FF2B5EF4-FFF2-40B4-BE49-F238E27FC236}">
+                <a16:creationId xmlns:a16="http://schemas.microsoft.com/office/drawing/2014/main" id="{8E827C5A-A511-4B66-4DB7-59DB9AF81993}"/>
+              </a:ext>
+            </a:extLst>
+          </p:cNvPr>
+          <p:cNvPicPr>
+            <a:picLocks noChangeAspect="1"/>
+          </p:cNvPicPr>
+          <p:nvPr/>
+        </p:nvPicPr>
+        <p:blipFill>
+          <a:blip r:embed="rId3"/>
+          <a:stretch>
+            <a:fillRect/>
+          </a:stretch>
+        </p:blipFill>
+        <p:spPr>
+          <a:xfrm>
+            <a:off x="761467" y="3267679"/>
+            <a:ext cx="7621064" cy="1867161"/>
+          </a:xfrm>
+          <a:prstGeom prst="rect">
+            <a:avLst/>
+          </a:prstGeom>
+        </p:spPr>
+      </p:pic>
+    </p:spTree>
+    <p:extLst>
+      <p:ext uri="{BB962C8B-B14F-4D97-AF65-F5344CB8AC3E}">
+        <p14:creationId xmlns:p14="http://schemas.microsoft.com/office/powerpoint/2010/main" val="2263945491"/>
+      </p:ext>
+    </p:extLst>
+  </p:cSld>
+  <p:clrMapOvr>
+    <a:masterClrMapping/>
+  </p:clrMapOvr>
+</p:sld>
+</file>
+
+<file path=ppt/slides/slide23.xml><?xml version="1.0" encoding="utf-8"?>
+<p:sld xmlns:a="http://schemas.openxmlformats.org/drawingml/2006/main" xmlns:r="http://schemas.openxmlformats.org/officeDocument/2006/relationships" xmlns:p="http://schemas.openxmlformats.org/presentationml/2006/main">
+  <p:cSld>
+    <p:spTree>
+      <p:nvGrpSpPr>
+        <p:cNvPr id="1" name=""/>
+        <p:cNvGrpSpPr/>
+        <p:nvPr/>
+      </p:nvGrpSpPr>
+      <p:grpSpPr>
+        <a:xfrm>
+          <a:off x="0" y="0"/>
+          <a:ext cx="0" cy="0"/>
+          <a:chOff x="0" y="0"/>
+          <a:chExt cx="0" cy="0"/>
+        </a:xfrm>
+      </p:grpSpPr>
+      <p:sp>
+        <p:nvSpPr>
+          <p:cNvPr id="2" name="Slide Number Placeholder 1">
+            <a:extLst>
+              <a:ext uri="{FF2B5EF4-FFF2-40B4-BE49-F238E27FC236}">
+                <a16:creationId xmlns:a16="http://schemas.microsoft.com/office/drawing/2014/main" id="{37F59A54-ED9E-C945-8D6E-33D430E8E653}"/>
+              </a:ext>
+            </a:extLst>
+          </p:cNvPr>
+          <p:cNvSpPr>
+            <a:spLocks noGrp="1"/>
+          </p:cNvSpPr>
+          <p:nvPr>
+            <p:ph type="sldNum" sz="quarter" idx="12"/>
+          </p:nvPr>
+        </p:nvSpPr>
+        <p:spPr/>
+        <p:txBody>
+          <a:bodyPr/>
+          <a:lstStyle/>
+          <a:p>
+            <a:fld id="{9EA0BE3B-158A-4EDF-80DC-E394A0D1600F}" type="slidenum">
+              <a:rPr lang="en-US" smtClean="0"/>
+              <a:pPr/>
+              <a:t>23</a:t>
+            </a:fld>
+            <a:endParaRPr lang="en-US" dirty="0"/>
+          </a:p>
+        </p:txBody>
+      </p:sp>
+      <p:sp>
+        <p:nvSpPr>
+          <p:cNvPr id="5" name="Title 2">
+            <a:extLst>
+              <a:ext uri="{FF2B5EF4-FFF2-40B4-BE49-F238E27FC236}">
+                <a16:creationId xmlns:a16="http://schemas.microsoft.com/office/drawing/2014/main" id="{769118B6-A2C7-80A0-366E-A0493590B9E3}"/>
+              </a:ext>
+            </a:extLst>
+          </p:cNvPr>
+          <p:cNvSpPr>
+            <a:spLocks noGrp="1"/>
+          </p:cNvSpPr>
+          <p:nvPr>
+            <p:ph type="title"/>
+          </p:nvPr>
+        </p:nvSpPr>
+        <p:spPr>
+          <a:xfrm>
+            <a:off x="234950" y="79375"/>
+            <a:ext cx="8674100" cy="450850"/>
+          </a:xfrm>
+        </p:spPr>
+        <p:txBody>
+          <a:bodyPr/>
+          <a:lstStyle/>
+          <a:p>
+            <a:r>
+              <a:rPr lang="en-US" dirty="0"/>
+              <a:t>Result and Discussion</a:t>
+            </a:r>
+          </a:p>
+        </p:txBody>
+      </p:sp>
+      <p:pic>
+        <p:nvPicPr>
+          <p:cNvPr id="10" name="Picture 9">
+            <a:extLst>
+              <a:ext uri="{FF2B5EF4-FFF2-40B4-BE49-F238E27FC236}">
+                <a16:creationId xmlns:a16="http://schemas.microsoft.com/office/drawing/2014/main" id="{616471F5-FBC7-2E29-7228-974C71C5BE5D}"/>
+              </a:ext>
+            </a:extLst>
+          </p:cNvPr>
+          <p:cNvPicPr>
+            <a:picLocks noChangeAspect="1"/>
+          </p:cNvPicPr>
+          <p:nvPr/>
+        </p:nvPicPr>
+        <p:blipFill>
+          <a:blip r:embed="rId2"/>
+          <a:stretch>
+            <a:fillRect/>
+          </a:stretch>
+        </p:blipFill>
+        <p:spPr>
+          <a:xfrm>
+            <a:off x="491319" y="1214652"/>
+            <a:ext cx="8417731" cy="4913194"/>
+          </a:xfrm>
+          <a:prstGeom prst="rect">
+            <a:avLst/>
+          </a:prstGeom>
+        </p:spPr>
+      </p:pic>
+      <p:sp>
+        <p:nvSpPr>
+          <p:cNvPr id="11" name="TextBox 10">
+            <a:extLst>
+              <a:ext uri="{FF2B5EF4-FFF2-40B4-BE49-F238E27FC236}">
+                <a16:creationId xmlns:a16="http://schemas.microsoft.com/office/drawing/2014/main" id="{3949AE1A-C2F8-6498-25E3-4A40EA4EED70}"/>
+              </a:ext>
+            </a:extLst>
+          </p:cNvPr>
+          <p:cNvSpPr txBox="1"/>
+          <p:nvPr/>
+        </p:nvSpPr>
+        <p:spPr>
+          <a:xfrm>
+            <a:off x="234950" y="783765"/>
+            <a:ext cx="3074881" cy="430887"/>
+          </a:xfrm>
+          <a:prstGeom prst="rect">
+            <a:avLst/>
+          </a:prstGeom>
+          <a:noFill/>
+        </p:spPr>
+        <p:txBody>
+          <a:bodyPr wrap="none" rtlCol="0">
+            <a:spAutoFit/>
+          </a:bodyPr>
+          <a:lstStyle/>
+          <a:p>
+            <a:r>
+              <a:rPr lang="en-US" sz="2200" dirty="0">
+                <a:latin typeface="Arial" panose="020B0604020202020204" pitchFamily="34" charset="0"/>
+                <a:cs typeface="Arial" panose="020B0604020202020204" pitchFamily="34" charset="0"/>
+              </a:rPr>
+              <a:t>F1-score of the models</a:t>
+            </a:r>
+          </a:p>
+        </p:txBody>
+      </p:sp>
+    </p:spTree>
+    <p:extLst>
+      <p:ext uri="{BB962C8B-B14F-4D97-AF65-F5344CB8AC3E}">
+        <p14:creationId xmlns:p14="http://schemas.microsoft.com/office/powerpoint/2010/main" val="1686661527"/>
+      </p:ext>
+    </p:extLst>
+  </p:cSld>
+  <p:clrMapOvr>
+    <a:masterClrMapping/>
+  </p:clrMapOvr>
+</p:sld>
+</file>
+
+<file path=ppt/slides/slide24.xml><?xml version="1.0" encoding="utf-8"?>
+<p:sld xmlns:a="http://schemas.openxmlformats.org/drawingml/2006/main" xmlns:r="http://schemas.openxmlformats.org/officeDocument/2006/relationships" xmlns:p="http://schemas.openxmlformats.org/presentationml/2006/main">
+  <p:cSld>
+    <p:spTree>
+      <p:nvGrpSpPr>
+        <p:cNvPr id="1" name=""/>
+        <p:cNvGrpSpPr/>
+        <p:nvPr/>
+      </p:nvGrpSpPr>
+      <p:grpSpPr>
+        <a:xfrm>
+          <a:off x="0" y="0"/>
+          <a:ext cx="0" cy="0"/>
+          <a:chOff x="0" y="0"/>
+          <a:chExt cx="0" cy="0"/>
+        </a:xfrm>
+      </p:grpSpPr>
+      <p:sp>
+        <p:nvSpPr>
+          <p:cNvPr id="2" name="Slide Number Placeholder 1">
+            <a:extLst>
+              <a:ext uri="{FF2B5EF4-FFF2-40B4-BE49-F238E27FC236}">
+                <a16:creationId xmlns:a16="http://schemas.microsoft.com/office/drawing/2014/main" id="{37F59A54-ED9E-C945-8D6E-33D430E8E653}"/>
+              </a:ext>
+            </a:extLst>
+          </p:cNvPr>
+          <p:cNvSpPr>
+            <a:spLocks noGrp="1"/>
+          </p:cNvSpPr>
+          <p:nvPr>
+            <p:ph type="sldNum" sz="quarter" idx="12"/>
+          </p:nvPr>
+        </p:nvSpPr>
+        <p:spPr/>
+        <p:txBody>
+          <a:bodyPr/>
+          <a:lstStyle/>
+          <a:p>
+            <a:fld id="{9EA0BE3B-158A-4EDF-80DC-E394A0D1600F}" type="slidenum">
+              <a:rPr lang="en-US" smtClean="0"/>
+              <a:pPr/>
+              <a:t>24</a:t>
+            </a:fld>
+            <a:endParaRPr lang="en-US" dirty="0"/>
+          </a:p>
+        </p:txBody>
+      </p:sp>
+      <p:sp>
+        <p:nvSpPr>
+          <p:cNvPr id="5" name="Title 2">
+            <a:extLst>
+              <a:ext uri="{FF2B5EF4-FFF2-40B4-BE49-F238E27FC236}">
+                <a16:creationId xmlns:a16="http://schemas.microsoft.com/office/drawing/2014/main" id="{769118B6-A2C7-80A0-366E-A0493590B9E3}"/>
+              </a:ext>
+            </a:extLst>
+          </p:cNvPr>
+          <p:cNvSpPr>
+            <a:spLocks noGrp="1"/>
+          </p:cNvSpPr>
+          <p:nvPr>
+            <p:ph type="title"/>
+          </p:nvPr>
+        </p:nvSpPr>
+        <p:spPr>
+          <a:xfrm>
+            <a:off x="234950" y="79375"/>
+            <a:ext cx="8674100" cy="450850"/>
+          </a:xfrm>
+        </p:spPr>
+        <p:txBody>
+          <a:bodyPr/>
+          <a:lstStyle/>
+          <a:p>
+            <a:r>
+              <a:rPr lang="en-US" dirty="0"/>
+              <a:t>Result and Discussion</a:t>
+            </a:r>
+          </a:p>
+        </p:txBody>
+      </p:sp>
+      <p:sp>
+        <p:nvSpPr>
+          <p:cNvPr id="11" name="TextBox 10">
+            <a:extLst>
+              <a:ext uri="{FF2B5EF4-FFF2-40B4-BE49-F238E27FC236}">
+                <a16:creationId xmlns:a16="http://schemas.microsoft.com/office/drawing/2014/main" id="{3949AE1A-C2F8-6498-25E3-4A40EA4EED70}"/>
+              </a:ext>
+            </a:extLst>
+          </p:cNvPr>
+          <p:cNvSpPr txBox="1"/>
+          <p:nvPr/>
+        </p:nvSpPr>
+        <p:spPr>
+          <a:xfrm>
+            <a:off x="234950" y="783765"/>
+            <a:ext cx="3528530" cy="430887"/>
+          </a:xfrm>
+          <a:prstGeom prst="rect">
+            <a:avLst/>
+          </a:prstGeom>
+          <a:noFill/>
+        </p:spPr>
+        <p:txBody>
+          <a:bodyPr wrap="none" rtlCol="0">
+            <a:spAutoFit/>
+          </a:bodyPr>
+          <a:lstStyle/>
+          <a:p>
+            <a:r>
+              <a:rPr lang="en-US" sz="2200" dirty="0">
+                <a:latin typeface="Arial" panose="020B0604020202020204" pitchFamily="34" charset="0"/>
+                <a:cs typeface="Arial" panose="020B0604020202020204" pitchFamily="34" charset="0"/>
+              </a:rPr>
+              <a:t>Recall-score of the models</a:t>
+            </a:r>
+          </a:p>
+        </p:txBody>
+      </p:sp>
+      <p:pic>
+        <p:nvPicPr>
+          <p:cNvPr id="7" name="Picture 6">
+            <a:extLst>
+              <a:ext uri="{FF2B5EF4-FFF2-40B4-BE49-F238E27FC236}">
+                <a16:creationId xmlns:a16="http://schemas.microsoft.com/office/drawing/2014/main" id="{08D8E401-CC8F-7A48-C51E-B94E8B85C7BD}"/>
+              </a:ext>
+            </a:extLst>
+          </p:cNvPr>
+          <p:cNvPicPr>
+            <a:picLocks noChangeAspect="1"/>
+          </p:cNvPicPr>
+          <p:nvPr/>
+        </p:nvPicPr>
+        <p:blipFill>
+          <a:blip r:embed="rId2"/>
+          <a:stretch>
+            <a:fillRect/>
+          </a:stretch>
+        </p:blipFill>
+        <p:spPr>
+          <a:xfrm>
+            <a:off x="791570" y="1214652"/>
+            <a:ext cx="7779224" cy="4956197"/>
+          </a:xfrm>
+          <a:prstGeom prst="rect">
+            <a:avLst/>
+          </a:prstGeom>
+        </p:spPr>
+      </p:pic>
+    </p:spTree>
+    <p:extLst>
+      <p:ext uri="{BB962C8B-B14F-4D97-AF65-F5344CB8AC3E}">
+        <p14:creationId xmlns:p14="http://schemas.microsoft.com/office/powerpoint/2010/main" val="3704037038"/>
+      </p:ext>
+    </p:extLst>
+  </p:cSld>
+  <p:clrMapOvr>
+    <a:masterClrMapping/>
+  </p:clrMapOvr>
+</p:sld>
+</file>
+
+<file path=ppt/slides/slide25.xml><?xml version="1.0" encoding="utf-8"?>
+<p:sld xmlns:a="http://schemas.openxmlformats.org/drawingml/2006/main" xmlns:r="http://schemas.openxmlformats.org/officeDocument/2006/relationships" xmlns:p="http://schemas.openxmlformats.org/presentationml/2006/main">
+  <p:cSld>
+    <p:spTree>
+      <p:nvGrpSpPr>
+        <p:cNvPr id="1" name=""/>
+        <p:cNvGrpSpPr/>
+        <p:nvPr/>
+      </p:nvGrpSpPr>
+      <p:grpSpPr>
+        <a:xfrm>
+          <a:off x="0" y="0"/>
+          <a:ext cx="0" cy="0"/>
+          <a:chOff x="0" y="0"/>
+          <a:chExt cx="0" cy="0"/>
+        </a:xfrm>
+      </p:grpSpPr>
+      <p:sp>
+        <p:nvSpPr>
+          <p:cNvPr id="2" name="Slide Number Placeholder 1">
+            <a:extLst>
+              <a:ext uri="{FF2B5EF4-FFF2-40B4-BE49-F238E27FC236}">
+                <a16:creationId xmlns:a16="http://schemas.microsoft.com/office/drawing/2014/main" id="{1DEFA8EC-8599-F870-EE53-2FBFD975B5CB}"/>
+              </a:ext>
+            </a:extLst>
+          </p:cNvPr>
+          <p:cNvSpPr>
+            <a:spLocks noGrp="1"/>
+          </p:cNvSpPr>
+          <p:nvPr>
+            <p:ph type="sldNum" sz="quarter" idx="12"/>
+          </p:nvPr>
+        </p:nvSpPr>
+        <p:spPr/>
+        <p:txBody>
+          <a:bodyPr/>
+          <a:lstStyle/>
+          <a:p>
+            <a:fld id="{9EA0BE3B-158A-4EDF-80DC-E394A0D1600F}" type="slidenum">
+              <a:rPr lang="en-US" smtClean="0"/>
+              <a:pPr/>
+              <a:t>25</a:t>
+            </a:fld>
+            <a:endParaRPr lang="en-US" dirty="0"/>
+          </a:p>
+        </p:txBody>
+      </p:sp>
+      <p:sp>
+        <p:nvSpPr>
+          <p:cNvPr id="3" name="Title 2">
+            <a:extLst>
+              <a:ext uri="{FF2B5EF4-FFF2-40B4-BE49-F238E27FC236}">
+                <a16:creationId xmlns:a16="http://schemas.microsoft.com/office/drawing/2014/main" id="{B0AD1A38-C283-0208-23D4-92340E85E211}"/>
+              </a:ext>
+            </a:extLst>
+          </p:cNvPr>
+          <p:cNvSpPr>
+            <a:spLocks noGrp="1"/>
+          </p:cNvSpPr>
+          <p:nvPr>
+            <p:ph type="title"/>
+          </p:nvPr>
+        </p:nvSpPr>
+        <p:spPr/>
+        <p:txBody>
+          <a:bodyPr/>
+          <a:lstStyle/>
+          <a:p>
+            <a:r>
+              <a:rPr lang="en-US" dirty="0"/>
+              <a:t>Result and Discussion</a:t>
+            </a:r>
+          </a:p>
+        </p:txBody>
+      </p:sp>
+      <p:pic>
+        <p:nvPicPr>
+          <p:cNvPr id="6" name="Picture 5">
+            <a:extLst>
+              <a:ext uri="{FF2B5EF4-FFF2-40B4-BE49-F238E27FC236}">
+                <a16:creationId xmlns:a16="http://schemas.microsoft.com/office/drawing/2014/main" id="{6E96E58E-33D0-3F93-2322-4ACD95F93E16}"/>
+              </a:ext>
+            </a:extLst>
+          </p:cNvPr>
+          <p:cNvPicPr>
+            <a:picLocks noChangeAspect="1"/>
+          </p:cNvPicPr>
+          <p:nvPr/>
+        </p:nvPicPr>
+        <p:blipFill>
+          <a:blip r:embed="rId2"/>
+          <a:stretch>
+            <a:fillRect/>
+          </a:stretch>
+        </p:blipFill>
+        <p:spPr>
+          <a:xfrm>
+            <a:off x="366575" y="2155356"/>
+            <a:ext cx="8410850" cy="3167266"/>
+          </a:xfrm>
+          <a:prstGeom prst="rect">
+            <a:avLst/>
+          </a:prstGeom>
+        </p:spPr>
+      </p:pic>
+      <p:sp>
+        <p:nvSpPr>
+          <p:cNvPr id="7" name="TextBox 6">
+            <a:extLst>
+              <a:ext uri="{FF2B5EF4-FFF2-40B4-BE49-F238E27FC236}">
+                <a16:creationId xmlns:a16="http://schemas.microsoft.com/office/drawing/2014/main" id="{41EB52D3-A3CA-C043-C28E-556739568ECD}"/>
+              </a:ext>
+            </a:extLst>
+          </p:cNvPr>
+          <p:cNvSpPr txBox="1"/>
+          <p:nvPr/>
+        </p:nvSpPr>
+        <p:spPr>
+          <a:xfrm>
+            <a:off x="576144" y="1296543"/>
+            <a:ext cx="5335115" cy="430887"/>
+          </a:xfrm>
+          <a:prstGeom prst="rect">
+            <a:avLst/>
+          </a:prstGeom>
+          <a:noFill/>
+        </p:spPr>
+        <p:txBody>
+          <a:bodyPr wrap="none" rtlCol="0">
+            <a:spAutoFit/>
+          </a:bodyPr>
+          <a:lstStyle/>
+          <a:p>
+            <a:r>
+              <a:rPr lang="en-US" sz="2200" dirty="0">
+                <a:latin typeface="Arial" panose="020B0604020202020204" pitchFamily="34" charset="0"/>
+                <a:cs typeface="Arial" panose="020B0604020202020204" pitchFamily="34" charset="0"/>
+              </a:rPr>
+              <a:t>Performance of the mobile based models</a:t>
+            </a:r>
+          </a:p>
+        </p:txBody>
+      </p:sp>
+    </p:spTree>
+    <p:extLst>
+      <p:ext uri="{BB962C8B-B14F-4D97-AF65-F5344CB8AC3E}">
+        <p14:creationId xmlns:p14="http://schemas.microsoft.com/office/powerpoint/2010/main" val="762375156"/>
+      </p:ext>
+    </p:extLst>
+  </p:cSld>
+  <p:clrMapOvr>
+    <a:masterClrMapping/>
+  </p:clrMapOvr>
+</p:sld>
+</file>
+
+<file path=ppt/slides/slide26.xml><?xml version="1.0" encoding="utf-8"?>
+<p:sld xmlns:a="http://schemas.openxmlformats.org/drawingml/2006/main" xmlns:r="http://schemas.openxmlformats.org/officeDocument/2006/relationships" xmlns:p="http://schemas.openxmlformats.org/presentationml/2006/main">
+  <p:cSld>
+    <p:spTree>
+      <p:nvGrpSpPr>
+        <p:cNvPr id="1" name=""/>
+        <p:cNvGrpSpPr/>
+        <p:nvPr/>
+      </p:nvGrpSpPr>
+      <p:grpSpPr>
+        <a:xfrm>
+          <a:off x="0" y="0"/>
+          <a:ext cx="0" cy="0"/>
+          <a:chOff x="0" y="0"/>
+          <a:chExt cx="0" cy="0"/>
+        </a:xfrm>
+      </p:grpSpPr>
+      <p:sp>
+        <p:nvSpPr>
+          <p:cNvPr id="2" name="Slide Number Placeholder 1">
+            <a:extLst>
+              <a:ext uri="{FF2B5EF4-FFF2-40B4-BE49-F238E27FC236}">
+                <a16:creationId xmlns:a16="http://schemas.microsoft.com/office/drawing/2014/main" id="{056F4471-7DA2-F5AF-3BDE-B910074B52A0}"/>
+              </a:ext>
+            </a:extLst>
+          </p:cNvPr>
+          <p:cNvSpPr>
+            <a:spLocks noGrp="1"/>
+          </p:cNvSpPr>
+          <p:nvPr>
+            <p:ph type="sldNum" sz="quarter" idx="12"/>
+          </p:nvPr>
+        </p:nvSpPr>
+        <p:spPr/>
+        <p:txBody>
+          <a:bodyPr/>
+          <a:lstStyle/>
+          <a:p>
+            <a:fld id="{9EA0BE3B-158A-4EDF-80DC-E394A0D1600F}" type="slidenum">
+              <a:rPr lang="en-US" smtClean="0"/>
+              <a:pPr/>
+              <a:t>26</a:t>
+            </a:fld>
+            <a:endParaRPr lang="en-US" dirty="0"/>
+          </a:p>
+        </p:txBody>
+      </p:sp>
+      <p:sp>
+        <p:nvSpPr>
+          <p:cNvPr id="5" name="Title 2">
+            <a:extLst>
+              <a:ext uri="{FF2B5EF4-FFF2-40B4-BE49-F238E27FC236}">
+                <a16:creationId xmlns:a16="http://schemas.microsoft.com/office/drawing/2014/main" id="{52D2A919-67F6-B6C6-32A0-279257CC1A6A}"/>
+              </a:ext>
+            </a:extLst>
+          </p:cNvPr>
+          <p:cNvSpPr>
+            <a:spLocks noGrp="1"/>
+          </p:cNvSpPr>
+          <p:nvPr>
+            <p:ph type="title"/>
+          </p:nvPr>
+        </p:nvSpPr>
+        <p:spPr>
+          <a:xfrm>
+            <a:off x="234950" y="79375"/>
+            <a:ext cx="8674100" cy="450850"/>
+          </a:xfrm>
+        </p:spPr>
+        <p:txBody>
+          <a:bodyPr/>
+          <a:lstStyle/>
+          <a:p>
+            <a:r>
+              <a:rPr lang="en-US" dirty="0"/>
+              <a:t>Result and Discussion</a:t>
+            </a:r>
+          </a:p>
+        </p:txBody>
+      </p:sp>
+      <p:pic>
+        <p:nvPicPr>
+          <p:cNvPr id="7" name="Picture 6">
+            <a:extLst>
+              <a:ext uri="{FF2B5EF4-FFF2-40B4-BE49-F238E27FC236}">
+                <a16:creationId xmlns:a16="http://schemas.microsoft.com/office/drawing/2014/main" id="{78F51AAD-3125-F7C1-51CA-B53F2E41B96A}"/>
+              </a:ext>
+            </a:extLst>
+          </p:cNvPr>
+          <p:cNvPicPr>
+            <a:picLocks noChangeAspect="1"/>
+          </p:cNvPicPr>
+          <p:nvPr/>
+        </p:nvPicPr>
+        <p:blipFill>
+          <a:blip r:embed="rId2"/>
+          <a:stretch>
+            <a:fillRect/>
+          </a:stretch>
+        </p:blipFill>
+        <p:spPr>
+          <a:xfrm>
+            <a:off x="678056" y="2218884"/>
+            <a:ext cx="7787887" cy="3062799"/>
+          </a:xfrm>
+          <a:prstGeom prst="rect">
+            <a:avLst/>
+          </a:prstGeom>
+        </p:spPr>
+      </p:pic>
+      <p:sp>
+        <p:nvSpPr>
+          <p:cNvPr id="8" name="TextBox 7">
+            <a:extLst>
+              <a:ext uri="{FF2B5EF4-FFF2-40B4-BE49-F238E27FC236}">
+                <a16:creationId xmlns:a16="http://schemas.microsoft.com/office/drawing/2014/main" id="{5F138FB2-502A-34DD-D980-4DCFF2E91CCF}"/>
+              </a:ext>
+            </a:extLst>
+          </p:cNvPr>
+          <p:cNvSpPr txBox="1"/>
+          <p:nvPr/>
+        </p:nvSpPr>
+        <p:spPr>
+          <a:xfrm>
+            <a:off x="576144" y="1296543"/>
+            <a:ext cx="7999049" cy="430887"/>
+          </a:xfrm>
+          <a:prstGeom prst="rect">
+            <a:avLst/>
+          </a:prstGeom>
+          <a:noFill/>
+        </p:spPr>
+        <p:txBody>
+          <a:bodyPr wrap="none" rtlCol="0">
+            <a:spAutoFit/>
+          </a:bodyPr>
+          <a:lstStyle/>
+          <a:p>
+            <a:pPr algn="ctr"/>
+            <a:r>
+              <a:rPr lang="en-US" sz="2200" dirty="0">
+                <a:latin typeface="Arial" panose="020B0604020202020204" pitchFamily="34" charset="0"/>
+                <a:cs typeface="Arial" panose="020B0604020202020204" pitchFamily="34" charset="0"/>
+              </a:rPr>
+              <a:t>Performance of the MobileNetV3Large in different construction</a:t>
+            </a:r>
+          </a:p>
+        </p:txBody>
+      </p:sp>
+    </p:spTree>
+    <p:extLst>
+      <p:ext uri="{BB962C8B-B14F-4D97-AF65-F5344CB8AC3E}">
+        <p14:creationId xmlns:p14="http://schemas.microsoft.com/office/powerpoint/2010/main" val="2325647775"/>
+      </p:ext>
+    </p:extLst>
+  </p:cSld>
+  <p:clrMapOvr>
+    <a:masterClrMapping/>
+  </p:clrMapOvr>
+</p:sld>
+</file>
+
+<file path=ppt/slides/slide27.xml><?xml version="1.0" encoding="utf-8"?>
+<p:sld xmlns:a="http://schemas.openxmlformats.org/drawingml/2006/main" xmlns:r="http://schemas.openxmlformats.org/officeDocument/2006/relationships" xmlns:p="http://schemas.openxmlformats.org/presentationml/2006/main">
+  <p:cSld>
+    <p:spTree>
+      <p:nvGrpSpPr>
+        <p:cNvPr id="1" name=""/>
+        <p:cNvGrpSpPr/>
+        <p:nvPr/>
+      </p:nvGrpSpPr>
+      <p:grpSpPr>
+        <a:xfrm>
+          <a:off x="0" y="0"/>
+          <a:ext cx="0" cy="0"/>
+          <a:chOff x="0" y="0"/>
+          <a:chExt cx="0" cy="0"/>
+        </a:xfrm>
+      </p:grpSpPr>
+      <p:sp>
+        <p:nvSpPr>
+          <p:cNvPr id="2" name="Slide Number Placeholder 1">
+            <a:extLst>
+              <a:ext uri="{FF2B5EF4-FFF2-40B4-BE49-F238E27FC236}">
+                <a16:creationId xmlns:a16="http://schemas.microsoft.com/office/drawing/2014/main" id="{B407B177-6AC6-8EFD-247E-A073913C17F1}"/>
+              </a:ext>
+            </a:extLst>
+          </p:cNvPr>
+          <p:cNvSpPr>
+            <a:spLocks noGrp="1"/>
+          </p:cNvSpPr>
+          <p:nvPr>
+            <p:ph type="sldNum" sz="quarter" idx="12"/>
+          </p:nvPr>
+        </p:nvSpPr>
+        <p:spPr/>
+        <p:txBody>
+          <a:bodyPr/>
+          <a:lstStyle/>
+          <a:p>
+            <a:fld id="{9EA0BE3B-158A-4EDF-80DC-E394A0D1600F}" type="slidenum">
+              <a:rPr lang="en-US" smtClean="0"/>
+              <a:pPr/>
+              <a:t>27</a:t>
+            </a:fld>
+            <a:endParaRPr lang="en-US" dirty="0"/>
+          </a:p>
+        </p:txBody>
+      </p:sp>
+      <p:sp>
+        <p:nvSpPr>
+          <p:cNvPr id="3" name="Title 2">
+            <a:extLst>
+              <a:ext uri="{FF2B5EF4-FFF2-40B4-BE49-F238E27FC236}">
+                <a16:creationId xmlns:a16="http://schemas.microsoft.com/office/drawing/2014/main" id="{25F9E6AC-4172-0EBF-82A8-D0F7CAC8A2CD}"/>
+              </a:ext>
+            </a:extLst>
+          </p:cNvPr>
+          <p:cNvSpPr>
+            <a:spLocks noGrp="1"/>
+          </p:cNvSpPr>
+          <p:nvPr>
+            <p:ph type="title"/>
+          </p:nvPr>
+        </p:nvSpPr>
+        <p:spPr/>
+        <p:txBody>
+          <a:bodyPr/>
+          <a:lstStyle/>
+          <a:p>
+            <a:r>
+              <a:rPr lang="en-US" dirty="0"/>
+              <a:t>Result and Discussion</a:t>
+            </a:r>
+          </a:p>
+        </p:txBody>
+      </p:sp>
+      <p:pic>
+        <p:nvPicPr>
+          <p:cNvPr id="6" name="Picture 5">
+            <a:extLst>
+              <a:ext uri="{FF2B5EF4-FFF2-40B4-BE49-F238E27FC236}">
+                <a16:creationId xmlns:a16="http://schemas.microsoft.com/office/drawing/2014/main" id="{A7831417-91F2-47DE-ACEF-955B5383F465}"/>
+              </a:ext>
+            </a:extLst>
+          </p:cNvPr>
+          <p:cNvPicPr>
+            <a:picLocks noChangeAspect="1"/>
+          </p:cNvPicPr>
+          <p:nvPr/>
+        </p:nvPicPr>
+        <p:blipFill>
+          <a:blip r:embed="rId2"/>
+          <a:stretch>
+            <a:fillRect/>
+          </a:stretch>
+        </p:blipFill>
+        <p:spPr>
+          <a:xfrm>
+            <a:off x="2783558" y="1628736"/>
+            <a:ext cx="3576884" cy="2127221"/>
+          </a:xfrm>
+          <a:prstGeom prst="rect">
+            <a:avLst/>
+          </a:prstGeom>
+        </p:spPr>
+      </p:pic>
+      <p:pic>
+        <p:nvPicPr>
+          <p:cNvPr id="8" name="Picture 7">
+            <a:extLst>
+              <a:ext uri="{FF2B5EF4-FFF2-40B4-BE49-F238E27FC236}">
+                <a16:creationId xmlns:a16="http://schemas.microsoft.com/office/drawing/2014/main" id="{63D9EA92-65B7-F8E0-4405-61929AFE7E41}"/>
+              </a:ext>
+            </a:extLst>
+          </p:cNvPr>
+          <p:cNvPicPr>
+            <a:picLocks noChangeAspect="1"/>
+          </p:cNvPicPr>
+          <p:nvPr/>
+        </p:nvPicPr>
+        <p:blipFill>
+          <a:blip r:embed="rId3"/>
+          <a:stretch>
+            <a:fillRect/>
+          </a:stretch>
+        </p:blipFill>
+        <p:spPr>
+          <a:xfrm>
+            <a:off x="299789" y="3962847"/>
+            <a:ext cx="8624994" cy="1798093"/>
+          </a:xfrm>
+          <a:prstGeom prst="rect">
+            <a:avLst/>
+          </a:prstGeom>
+        </p:spPr>
+      </p:pic>
+      <p:sp>
+        <p:nvSpPr>
+          <p:cNvPr id="9" name="TextBox 8">
+            <a:extLst>
+              <a:ext uri="{FF2B5EF4-FFF2-40B4-BE49-F238E27FC236}">
+                <a16:creationId xmlns:a16="http://schemas.microsoft.com/office/drawing/2014/main" id="{31529975-63A7-80C9-9F99-2D134093A381}"/>
+              </a:ext>
+            </a:extLst>
+          </p:cNvPr>
+          <p:cNvSpPr txBox="1"/>
+          <p:nvPr/>
+        </p:nvSpPr>
+        <p:spPr>
+          <a:xfrm>
+            <a:off x="376892" y="1094404"/>
+            <a:ext cx="7925568" cy="430887"/>
+          </a:xfrm>
+          <a:prstGeom prst="rect">
+            <a:avLst/>
+          </a:prstGeom>
+          <a:noFill/>
+        </p:spPr>
+        <p:txBody>
+          <a:bodyPr wrap="none" rtlCol="0">
+            <a:spAutoFit/>
+          </a:bodyPr>
+          <a:lstStyle/>
+          <a:p>
+            <a:pPr algn="ctr"/>
+            <a:r>
+              <a:rPr lang="en-US" sz="2200" dirty="0">
+                <a:latin typeface="Arial" panose="020B0604020202020204" pitchFamily="34" charset="0"/>
+                <a:cs typeface="Arial" panose="020B0604020202020204" pitchFamily="34" charset="0"/>
+              </a:rPr>
+              <a:t>Performance of the MobileNetV3Large – the best construction</a:t>
+            </a:r>
+          </a:p>
+        </p:txBody>
+      </p:sp>
+    </p:spTree>
+    <p:extLst>
+      <p:ext uri="{BB962C8B-B14F-4D97-AF65-F5344CB8AC3E}">
+        <p14:creationId xmlns:p14="http://schemas.microsoft.com/office/powerpoint/2010/main" val="2019793400"/>
+      </p:ext>
+    </p:extLst>
+  </p:cSld>
+  <p:clrMapOvr>
+    <a:masterClrMapping/>
+  </p:clrMapOvr>
+</p:sld>
+</file>
+
+<file path=ppt/slides/slide28.xml><?xml version="1.0" encoding="utf-8"?>
+<p:sld xmlns:a="http://schemas.openxmlformats.org/drawingml/2006/main" xmlns:r="http://schemas.openxmlformats.org/officeDocument/2006/relationships" xmlns:p="http://schemas.openxmlformats.org/presentationml/2006/main">
+  <p:cSld>
+    <p:spTree>
+      <p:nvGrpSpPr>
+        <p:cNvPr id="1" name=""/>
+        <p:cNvGrpSpPr/>
+        <p:nvPr/>
+      </p:nvGrpSpPr>
+      <p:grpSpPr>
+        <a:xfrm>
+          <a:off x="0" y="0"/>
+          <a:ext cx="0" cy="0"/>
+          <a:chOff x="0" y="0"/>
+          <a:chExt cx="0" cy="0"/>
+        </a:xfrm>
+      </p:grpSpPr>
+      <p:sp>
+        <p:nvSpPr>
+          <p:cNvPr id="2" name="Slide Number Placeholder 1">
+            <a:extLst>
+              <a:ext uri="{FF2B5EF4-FFF2-40B4-BE49-F238E27FC236}">
+                <a16:creationId xmlns:a16="http://schemas.microsoft.com/office/drawing/2014/main" id="{CCEF5EB2-101E-37ED-950C-CC9F0BA73E21}"/>
+              </a:ext>
+            </a:extLst>
+          </p:cNvPr>
+          <p:cNvSpPr>
+            <a:spLocks noGrp="1"/>
+          </p:cNvSpPr>
+          <p:nvPr>
+            <p:ph type="sldNum" sz="quarter" idx="12"/>
+          </p:nvPr>
+        </p:nvSpPr>
+        <p:spPr/>
+        <p:txBody>
+          <a:bodyPr/>
+          <a:lstStyle/>
+          <a:p>
+            <a:fld id="{9EA0BE3B-158A-4EDF-80DC-E394A0D1600F}" type="slidenum">
+              <a:rPr lang="en-US" smtClean="0"/>
+              <a:pPr/>
+              <a:t>28</a:t>
+            </a:fld>
+            <a:endParaRPr lang="en-US" dirty="0"/>
+          </a:p>
+        </p:txBody>
+      </p:sp>
+      <p:sp>
+        <p:nvSpPr>
+          <p:cNvPr id="3" name="Title 2">
+            <a:extLst>
+              <a:ext uri="{FF2B5EF4-FFF2-40B4-BE49-F238E27FC236}">
+                <a16:creationId xmlns:a16="http://schemas.microsoft.com/office/drawing/2014/main" id="{CBFDDC36-397B-ABD0-5140-1BC9B40FD573}"/>
+              </a:ext>
+            </a:extLst>
+          </p:cNvPr>
+          <p:cNvSpPr>
+            <a:spLocks noGrp="1"/>
+          </p:cNvSpPr>
+          <p:nvPr>
+            <p:ph type="title"/>
+          </p:nvPr>
+        </p:nvSpPr>
+        <p:spPr/>
+        <p:txBody>
+          <a:bodyPr/>
+          <a:lstStyle/>
+          <a:p>
+            <a:r>
+              <a:rPr lang="en-US" dirty="0"/>
+              <a:t>Conclusion</a:t>
+            </a:r>
+          </a:p>
+        </p:txBody>
+      </p:sp>
+      <p:sp>
+        <p:nvSpPr>
+          <p:cNvPr id="4" name="Content Placeholder 3">
+            <a:extLst>
+              <a:ext uri="{FF2B5EF4-FFF2-40B4-BE49-F238E27FC236}">
+                <a16:creationId xmlns:a16="http://schemas.microsoft.com/office/drawing/2014/main" id="{0D45E0A3-56C8-4174-B223-D4BBCC20C489}"/>
+              </a:ext>
+            </a:extLst>
+          </p:cNvPr>
+          <p:cNvSpPr>
+            <a:spLocks noGrp="1"/>
+          </p:cNvSpPr>
+          <p:nvPr>
+            <p:ph sz="quarter" idx="13"/>
+          </p:nvPr>
+        </p:nvSpPr>
+        <p:spPr/>
+        <p:txBody>
+          <a:bodyPr/>
+          <a:lstStyle/>
+          <a:p>
+            <a:pPr algn="just"/>
+            <a:r>
+              <a:rPr lang="en-US" dirty="0"/>
+              <a:t>Metadata improves the model performance but also reduces the balance of the model. </a:t>
+            </a:r>
+          </a:p>
+          <a:p>
+            <a:pPr algn="just"/>
+            <a:r>
+              <a:rPr lang="en-US" dirty="0"/>
+              <a:t>The new weight loss function improve the model performance as well as make the model classify in a balanced way.</a:t>
+            </a:r>
+          </a:p>
+          <a:p>
+            <a:pPr algn="just"/>
+            <a:r>
+              <a:rPr lang="en-US" dirty="0"/>
+              <a:t>Augmented data make the model become more biased.</a:t>
+            </a:r>
+          </a:p>
+          <a:p>
+            <a:pPr algn="just"/>
+            <a:r>
+              <a:rPr lang="en-US" dirty="0"/>
+              <a:t>The combination of mobile-based mobile and Soft Attention has an outstanding performance on HAM100000. </a:t>
+            </a:r>
+          </a:p>
+        </p:txBody>
+      </p:sp>
+    </p:spTree>
+    <p:extLst>
+      <p:ext uri="{BB962C8B-B14F-4D97-AF65-F5344CB8AC3E}">
+        <p14:creationId xmlns:p14="http://schemas.microsoft.com/office/powerpoint/2010/main" val="209470748"/>
+      </p:ext>
+    </p:extLst>
+  </p:cSld>
+  <p:clrMapOvr>
+    <a:masterClrMapping/>
+  </p:clrMapOvr>
+</p:sld>
+</file>
+
+<file path=ppt/slides/slide29.xml><?xml version="1.0" encoding="utf-8"?>
+<p:sld xmlns:a="http://schemas.openxmlformats.org/drawingml/2006/main" xmlns:r="http://schemas.openxmlformats.org/officeDocument/2006/relationships" xmlns:p="http://schemas.openxmlformats.org/presentationml/2006/main">
+  <p:cSld>
+    <p:spTree>
+      <p:nvGrpSpPr>
+        <p:cNvPr id="1" name=""/>
+        <p:cNvGrpSpPr/>
+        <p:nvPr/>
+      </p:nvGrpSpPr>
+      <p:grpSpPr>
+        <a:xfrm>
+          <a:off x="0" y="0"/>
+          <a:ext cx="0" cy="0"/>
+          <a:chOff x="0" y="0"/>
+          <a:chExt cx="0" cy="0"/>
+        </a:xfrm>
+      </p:grpSpPr>
+      <p:sp>
+        <p:nvSpPr>
+          <p:cNvPr id="2" name="Slide Number Placeholder 1">
+            <a:extLst>
+              <a:ext uri="{FF2B5EF4-FFF2-40B4-BE49-F238E27FC236}">
+                <a16:creationId xmlns:a16="http://schemas.microsoft.com/office/drawing/2014/main" id="{DA37B5C8-2095-4D2D-97FE-E4E8D89379E1}"/>
+              </a:ext>
+            </a:extLst>
+          </p:cNvPr>
+          <p:cNvSpPr>
+            <a:spLocks noGrp="1"/>
+          </p:cNvSpPr>
+          <p:nvPr>
+            <p:ph type="sldNum" sz="quarter" idx="12"/>
+          </p:nvPr>
+        </p:nvSpPr>
+        <p:spPr/>
+        <p:txBody>
+          <a:bodyPr/>
+          <a:lstStyle/>
+          <a:p>
+            <a:fld id="{9EA0BE3B-158A-4EDF-80DC-E394A0D1600F}" type="slidenum">
+              <a:rPr lang="en-US" smtClean="0"/>
+              <a:pPr/>
+              <a:t>29</a:t>
+            </a:fld>
+            <a:endParaRPr lang="en-US" dirty="0"/>
+          </a:p>
+        </p:txBody>
+      </p:sp>
+      <p:sp>
+        <p:nvSpPr>
+          <p:cNvPr id="3" name="Title 10">
+            <a:extLst>
+              <a:ext uri="{FF2B5EF4-FFF2-40B4-BE49-F238E27FC236}">
+                <a16:creationId xmlns:a16="http://schemas.microsoft.com/office/drawing/2014/main" id="{F78B3876-6ECC-4098-BDD1-C48CE4B42721}"/>
+              </a:ext>
+            </a:extLst>
+          </p:cNvPr>
+          <p:cNvSpPr txBox="1">
+            <a:spLocks/>
+          </p:cNvSpPr>
+          <p:nvPr/>
+        </p:nvSpPr>
+        <p:spPr>
+          <a:xfrm>
+            <a:off x="4181094" y="3021991"/>
+            <a:ext cx="4197975" cy="814017"/>
+          </a:xfrm>
+          <a:prstGeom prst="rect">
+            <a:avLst/>
+          </a:prstGeom>
+        </p:spPr>
+        <p:txBody>
+          <a:bodyPr/>
+          <a:lstStyle>
+            <a:lvl1pPr algn="l" defTabSz="914400" rtl="0" eaLnBrk="1" latinLnBrk="0" hangingPunct="1">
+              <a:lnSpc>
+                <a:spcPct val="90000"/>
+              </a:lnSpc>
+              <a:spcBef>
+                <a:spcPct val="0"/>
+              </a:spcBef>
+              <a:buNone/>
+              <a:defRPr sz="6000" b="1" kern="1200">
+                <a:solidFill>
+                  <a:srgbClr val="C00000"/>
+                </a:solidFill>
+                <a:latin typeface="Lato" panose="020F0502020204030203" pitchFamily="34" charset="0"/>
+                <a:ea typeface="Lato" panose="020F0502020204030203" pitchFamily="34" charset="0"/>
+                <a:cs typeface="Lato" panose="020F0502020204030203" pitchFamily="34" charset="0"/>
+              </a:defRPr>
+            </a:lvl1pPr>
+          </a:lstStyle>
+          <a:p>
+            <a:r>
+              <a:rPr lang="en-US" sz="4800" dirty="0"/>
+              <a:t>THANK YOU !</a:t>
+            </a:r>
+          </a:p>
+        </p:txBody>
+      </p:sp>
+    </p:spTree>
+    <p:extLst>
+      <p:ext uri="{BB962C8B-B14F-4D97-AF65-F5344CB8AC3E}">
+        <p14:creationId xmlns:p14="http://schemas.microsoft.com/office/powerpoint/2010/main" val="2830535683"/>
       </p:ext>
     </p:extLst>
   </p:cSld>
@@ -4959,17 +8622,20 @@
                 <a:latin typeface="Arial" panose="020B0604020202020204" pitchFamily="34" charset="0"/>
                 <a:cs typeface="Arial" panose="020B0604020202020204" pitchFamily="34" charset="0"/>
               </a:rPr>
-              <a:t>Analyzing the effect of metadata on the skin lesion classification model which is formed by </a:t>
-            </a:r>
-          </a:p>
-          <a:p>
-            <a:pPr algn="just"/>
+              <a:t>Analyzing the effect of metadata on the skin lesion classification model which is formed by the combination of Soft Attention and Backbone Model</a:t>
+            </a:r>
+          </a:p>
+          <a:p>
+            <a:pPr marL="285750" indent="-285750" algn="just">
+              <a:buFont typeface="Arial" panose="020B0604020202020204" pitchFamily="34" charset="0"/>
+              <a:buChar char="•"/>
+            </a:pPr>
             <a:r>
               <a:rPr lang="en-US" sz="2500" dirty="0">
                 <a:latin typeface="Arial" panose="020B0604020202020204" pitchFamily="34" charset="0"/>
                 <a:cs typeface="Arial" panose="020B0604020202020204" pitchFamily="34" charset="0"/>
               </a:rPr>
-              <a:t>the combination of Soft Attention and Backbone Model</a:t>
+              <a:t>Finding out a method to make the model classify in a balanced way between classes</a:t>
             </a:r>
           </a:p>
           <a:p>
@@ -4978,24 +8644,18 @@
               <a:buChar char="•"/>
             </a:pPr>
             <a:r>
+              <a:rPr lang="en-US" sz="2500">
+                <a:latin typeface="Arial" panose="020B0604020202020204" pitchFamily="34" charset="0"/>
+                <a:cs typeface="Arial" panose="020B0604020202020204" pitchFamily="34" charset="0"/>
+              </a:rPr>
+              <a:t>Constructing </a:t>
+            </a:r>
+            <a:r>
               <a:rPr lang="en-US" sz="2500" dirty="0">
                 <a:latin typeface="Arial" panose="020B0604020202020204" pitchFamily="34" charset="0"/>
                 <a:cs typeface="Arial" panose="020B0604020202020204" pitchFamily="34" charset="0"/>
               </a:rPr>
-              <a:t>Find out a method to make the model classify in a balanced way between classes</a:t>
-            </a:r>
-          </a:p>
-          <a:p>
-            <a:pPr marL="285750" indent="-285750" algn="just">
-              <a:buFont typeface="Arial" panose="020B0604020202020204" pitchFamily="34" charset="0"/>
-              <a:buChar char="•"/>
-            </a:pPr>
-            <a:r>
-              <a:rPr lang="en-US" sz="2500" dirty="0">
-                <a:latin typeface="Arial" panose="020B0604020202020204" pitchFamily="34" charset="0"/>
-                <a:cs typeface="Arial" panose="020B0604020202020204" pitchFamily="34" charset="0"/>
-              </a:rPr>
-              <a:t>Construct an optimized model that can be used on the mobile phone. </a:t>
+              <a:t>an optimized model that can be used on the mobile phone. </a:t>
             </a:r>
           </a:p>
           <a:p>

--- a/VietNamese Publish Paper/Báo cáo/HUST PPT Template 2021 ( Blue 3X4).pptx
+++ b/VietNamese Publish Paper/Báo cáo/HUST PPT Template 2021 ( Blue 3X4).pptx
@@ -5,41 +5,39 @@
     <p:sldMasterId id="2147483658" r:id="rId1"/>
   </p:sldMasterIdLst>
   <p:notesMasterIdLst>
-    <p:notesMasterId r:id="rId31"/>
+    <p:notesMasterId r:id="rId29"/>
   </p:notesMasterIdLst>
   <p:handoutMasterIdLst>
-    <p:handoutMasterId r:id="rId32"/>
+    <p:handoutMasterId r:id="rId30"/>
   </p:handoutMasterIdLst>
   <p:sldIdLst>
-    <p:sldId id="259" r:id="rId2"/>
-    <p:sldId id="256" r:id="rId3"/>
-    <p:sldId id="257" r:id="rId4"/>
-    <p:sldId id="265" r:id="rId5"/>
-    <p:sldId id="270" r:id="rId6"/>
-    <p:sldId id="280" r:id="rId7"/>
-    <p:sldId id="271" r:id="rId8"/>
-    <p:sldId id="272" r:id="rId9"/>
-    <p:sldId id="273" r:id="rId10"/>
-    <p:sldId id="274" r:id="rId11"/>
-    <p:sldId id="275" r:id="rId12"/>
-    <p:sldId id="276" r:id="rId13"/>
-    <p:sldId id="281" r:id="rId14"/>
-    <p:sldId id="277" r:id="rId15"/>
-    <p:sldId id="282" r:id="rId16"/>
-    <p:sldId id="278" r:id="rId17"/>
-    <p:sldId id="283" r:id="rId18"/>
-    <p:sldId id="286" r:id="rId19"/>
-    <p:sldId id="279" r:id="rId20"/>
-    <p:sldId id="284" r:id="rId21"/>
-    <p:sldId id="285" r:id="rId22"/>
-    <p:sldId id="287" r:id="rId23"/>
-    <p:sldId id="288" r:id="rId24"/>
-    <p:sldId id="289" r:id="rId25"/>
-    <p:sldId id="290" r:id="rId26"/>
-    <p:sldId id="291" r:id="rId27"/>
-    <p:sldId id="292" r:id="rId28"/>
-    <p:sldId id="293" r:id="rId29"/>
-    <p:sldId id="269" r:id="rId30"/>
+    <p:sldId id="257" r:id="rId2"/>
+    <p:sldId id="265" r:id="rId3"/>
+    <p:sldId id="270" r:id="rId4"/>
+    <p:sldId id="280" r:id="rId5"/>
+    <p:sldId id="271" r:id="rId6"/>
+    <p:sldId id="272" r:id="rId7"/>
+    <p:sldId id="273" r:id="rId8"/>
+    <p:sldId id="274" r:id="rId9"/>
+    <p:sldId id="275" r:id="rId10"/>
+    <p:sldId id="277" r:id="rId11"/>
+    <p:sldId id="276" r:id="rId12"/>
+    <p:sldId id="281" r:id="rId13"/>
+    <p:sldId id="282" r:id="rId14"/>
+    <p:sldId id="278" r:id="rId15"/>
+    <p:sldId id="283" r:id="rId16"/>
+    <p:sldId id="286" r:id="rId17"/>
+    <p:sldId id="279" r:id="rId18"/>
+    <p:sldId id="284" r:id="rId19"/>
+    <p:sldId id="285" r:id="rId20"/>
+    <p:sldId id="287" r:id="rId21"/>
+    <p:sldId id="288" r:id="rId22"/>
+    <p:sldId id="289" r:id="rId23"/>
+    <p:sldId id="290" r:id="rId24"/>
+    <p:sldId id="291" r:id="rId25"/>
+    <p:sldId id="292" r:id="rId26"/>
+    <p:sldId id="293" r:id="rId27"/>
+    <p:sldId id="269" r:id="rId28"/>
   </p:sldIdLst>
   <p:sldSz cx="9144000" cy="6858000" type="screen4x3"/>
   <p:notesSz cx="6858000" cy="9144000"/>
@@ -1425,7 +1423,7 @@
           <a:p>
             <a:fld id="{48B45424-6BAC-416C-8F6C-5F9DE854A36B}" type="datetimeFigureOut">
               <a:rPr lang="en-US" smtClean="0"/>
-              <a:t>6/5/2022</a:t>
+              <a:t>6/7/2022</a:t>
             </a:fld>
             <a:endParaRPr lang="en-US"/>
           </a:p>
@@ -1603,7 +1601,7 @@
           <a:p>
             <a:fld id="{6B733702-C25A-40B9-9167-54BAA79B29B0}" type="datetimeFigureOut">
               <a:rPr lang="en-US" smtClean="0"/>
-              <a:t>6/5/2022</a:t>
+              <a:t>6/7/2022</a:t>
             </a:fld>
             <a:endParaRPr lang="en-US"/>
           </a:p>
@@ -1873,141 +1871,6 @@
 
 <file path=ppt/slideLayouts/slideLayout1.xml><?xml version="1.0" encoding="utf-8"?>
 <p:sldLayout xmlns:a="http://schemas.openxmlformats.org/drawingml/2006/main" xmlns:r="http://schemas.openxmlformats.org/officeDocument/2006/relationships" xmlns:p="http://schemas.openxmlformats.org/presentationml/2006/main" userDrawn="1">
-  <p:cSld name="Custom Layout">
-    <p:bg>
-      <p:bgPr>
-        <a:blipFill dpi="0" rotWithShape="1">
-          <a:blip r:embed="rId2">
-            <a:lum/>
-          </a:blip>
-          <a:srcRect/>
-          <a:stretch>
-            <a:fillRect/>
-          </a:stretch>
-        </a:blipFill>
-        <a:effectLst/>
-      </p:bgPr>
-    </p:bg>
-    <p:spTree>
-      <p:nvGrpSpPr>
-        <p:cNvPr id="1" name=""/>
-        <p:cNvGrpSpPr/>
-        <p:nvPr/>
-      </p:nvGrpSpPr>
-      <p:grpSpPr>
-        <a:xfrm>
-          <a:off x="0" y="0"/>
-          <a:ext cx="0" cy="0"/>
-          <a:chOff x="0" y="0"/>
-          <a:chExt cx="0" cy="0"/>
-        </a:xfrm>
-      </p:grpSpPr>
-    </p:spTree>
-    <p:extLst>
-      <p:ext uri="{BB962C8B-B14F-4D97-AF65-F5344CB8AC3E}">
-        <p14:creationId xmlns:p14="http://schemas.microsoft.com/office/powerpoint/2010/main" val="2315980256"/>
-      </p:ext>
-    </p:extLst>
-  </p:cSld>
-  <p:clrMapOvr>
-    <a:masterClrMapping/>
-  </p:clrMapOvr>
-</p:sldLayout>
-</file>
-
-<file path=ppt/slideLayouts/slideLayout2.xml><?xml version="1.0" encoding="utf-8"?>
-<p:sldLayout xmlns:a="http://schemas.openxmlformats.org/drawingml/2006/main" xmlns:r="http://schemas.openxmlformats.org/officeDocument/2006/relationships" xmlns:p="http://schemas.openxmlformats.org/presentationml/2006/main" userDrawn="1">
-  <p:cSld name="1_Title Slide">
-    <p:bg>
-      <p:bgPr>
-        <a:blipFill dpi="0" rotWithShape="1">
-          <a:blip r:embed="rId2">
-            <a:lum/>
-          </a:blip>
-          <a:srcRect/>
-          <a:stretch>
-            <a:fillRect/>
-          </a:stretch>
-        </a:blipFill>
-        <a:effectLst/>
-      </p:bgPr>
-    </p:bg>
-    <p:spTree>
-      <p:nvGrpSpPr>
-        <p:cNvPr id="1" name=""/>
-        <p:cNvGrpSpPr/>
-        <p:nvPr/>
-      </p:nvGrpSpPr>
-      <p:grpSpPr>
-        <a:xfrm>
-          <a:off x="0" y="0"/>
-          <a:ext cx="0" cy="0"/>
-          <a:chOff x="0" y="0"/>
-          <a:chExt cx="0" cy="0"/>
-        </a:xfrm>
-      </p:grpSpPr>
-      <p:sp>
-        <p:nvSpPr>
-          <p:cNvPr id="3" name="Title 6">
-            <a:extLst>
-              <a:ext uri="{FF2B5EF4-FFF2-40B4-BE49-F238E27FC236}">
-                <a16:creationId xmlns:a16="http://schemas.microsoft.com/office/drawing/2014/main" id="{C5DD3B49-F775-49FC-ACAD-45B074D1C945}"/>
-              </a:ext>
-            </a:extLst>
-          </p:cNvPr>
-          <p:cNvSpPr>
-            <a:spLocks noGrp="1"/>
-          </p:cNvSpPr>
-          <p:nvPr>
-            <p:ph type="title" hasCustomPrompt="1"/>
-          </p:nvPr>
-        </p:nvSpPr>
-        <p:spPr>
-          <a:xfrm>
-            <a:off x="2380488" y="2365248"/>
-            <a:ext cx="4383024" cy="2127504"/>
-          </a:xfrm>
-          <a:prstGeom prst="rect">
-            <a:avLst/>
-          </a:prstGeom>
-        </p:spPr>
-        <p:txBody>
-          <a:bodyPr/>
-          <a:lstStyle>
-            <a:lvl1pPr algn="ctr">
-              <a:defRPr sz="4800" b="1">
-                <a:solidFill>
-                  <a:schemeClr val="bg1"/>
-                </a:solidFill>
-                <a:latin typeface="Lato" panose="020F0502020204030203" pitchFamily="34" charset="0"/>
-                <a:ea typeface="Lato" panose="020F0502020204030203" pitchFamily="34" charset="0"/>
-                <a:cs typeface="Lato" panose="020F0502020204030203" pitchFamily="34" charset="0"/>
-              </a:defRPr>
-            </a:lvl1pPr>
-          </a:lstStyle>
-          <a:p>
-            <a:r>
-              <a:rPr lang="en-US" dirty="0"/>
-              <a:t>CLICK TO EDIT MASTER TITLE STYLE</a:t>
-            </a:r>
-          </a:p>
-        </p:txBody>
-      </p:sp>
-    </p:spTree>
-    <p:extLst>
-      <p:ext uri="{BB962C8B-B14F-4D97-AF65-F5344CB8AC3E}">
-        <p14:creationId xmlns:p14="http://schemas.microsoft.com/office/powerpoint/2010/main" val="678804056"/>
-      </p:ext>
-    </p:extLst>
-  </p:cSld>
-  <p:clrMapOvr>
-    <a:masterClrMapping/>
-  </p:clrMapOvr>
-</p:sldLayout>
-</file>
-
-<file path=ppt/slideLayouts/slideLayout3.xml><?xml version="1.0" encoding="utf-8"?>
-<p:sldLayout xmlns:a="http://schemas.openxmlformats.org/drawingml/2006/main" xmlns:r="http://schemas.openxmlformats.org/officeDocument/2006/relationships" xmlns:p="http://schemas.openxmlformats.org/presentationml/2006/main" userDrawn="1">
   <p:cSld name="1_Title and Content">
     <p:bg>
       <p:bgPr>
@@ -2050,7 +1913,7 @@
 </p:sldLayout>
 </file>
 
-<file path=ppt/slideLayouts/slideLayout4.xml><?xml version="1.0" encoding="utf-8"?>
+<file path=ppt/slideLayouts/slideLayout2.xml><?xml version="1.0" encoding="utf-8"?>
 <p:sldLayout xmlns:a="http://schemas.openxmlformats.org/drawingml/2006/main" xmlns:r="http://schemas.openxmlformats.org/officeDocument/2006/relationships" xmlns:p="http://schemas.openxmlformats.org/presentationml/2006/main" userDrawn="1">
   <p:cSld name="1_Section Header">
     <p:bg>
@@ -2126,7 +1989,7 @@
             <a:fld id="{F70EAA40-3A53-4A3D-924A-D38F1059C7D5}" type="datetime1">
               <a:rPr lang="en-US" smtClean="0"/>
               <a:pPr/>
-              <a:t>6/5/2022</a:t>
+              <a:t>6/7/2022</a:t>
             </a:fld>
             <a:endParaRPr lang="en-US"/>
           </a:p>
@@ -2390,7 +2253,7 @@
 </p:sldLayout>
 </file>
 
-<file path=ppt/slideLayouts/slideLayout5.xml><?xml version="1.0" encoding="utf-8"?>
+<file path=ppt/slideLayouts/slideLayout3.xml><?xml version="1.0" encoding="utf-8"?>
 <p:sldLayout xmlns:a="http://schemas.openxmlformats.org/drawingml/2006/main" xmlns:r="http://schemas.openxmlformats.org/officeDocument/2006/relationships" xmlns:p="http://schemas.openxmlformats.org/presentationml/2006/main" userDrawn="1">
   <p:cSld name="1_Content with Caption">
     <p:bg>
@@ -2466,7 +2329,7 @@
             <a:fld id="{F70EAA40-3A53-4A3D-924A-D38F1059C7D5}" type="datetime1">
               <a:rPr lang="en-US" smtClean="0"/>
               <a:pPr/>
-              <a:t>6/5/2022</a:t>
+              <a:t>6/7/2022</a:t>
             </a:fld>
             <a:endParaRPr lang="en-US"/>
           </a:p>
@@ -2588,7 +2451,7 @@
     <p:bg>
       <p:bgPr>
         <a:blipFill dpi="0" rotWithShape="1">
-          <a:blip r:embed="rId7">
+          <a:blip r:embed="rId5">
             <a:lum/>
           </a:blip>
           <a:srcRect/>
@@ -2622,11 +2485,9 @@
   </p:cSld>
   <p:clrMap bg1="lt1" tx1="dk1" bg2="lt2" tx2="dk2" accent1="accent1" accent2="accent2" accent3="accent3" accent4="accent4" accent5="accent5" accent6="accent6" hlink="hlink" folHlink="folHlink"/>
   <p:sldLayoutIdLst>
-    <p:sldLayoutId id="2147483670" r:id="rId1"/>
-    <p:sldLayoutId id="2147483671" r:id="rId2"/>
-    <p:sldLayoutId id="2147483672" r:id="rId3"/>
-    <p:sldLayoutId id="2147483673" r:id="rId4"/>
-    <p:sldLayoutId id="2147483678" r:id="rId5"/>
+    <p:sldLayoutId id="2147483672" r:id="rId1"/>
+    <p:sldLayoutId id="2147483673" r:id="rId2"/>
+    <p:sldLayoutId id="2147483678" r:id="rId3"/>
   </p:sldLayoutIdLst>
   <p:hf hdr="0" ftr="0" dt="0"/>
   <p:txStyles>
@@ -2915,20 +2776,6 @@
 <file path=ppt/slides/slide1.xml><?xml version="1.0" encoding="utf-8"?>
 <p:sld xmlns:a="http://schemas.openxmlformats.org/drawingml/2006/main" xmlns:r="http://schemas.openxmlformats.org/officeDocument/2006/relationships" xmlns:p="http://schemas.openxmlformats.org/presentationml/2006/main">
   <p:cSld>
-    <p:bg>
-      <p:bgPr>
-        <a:blipFill dpi="0" rotWithShape="1">
-          <a:blip r:embed="rId2">
-            <a:lum/>
-          </a:blip>
-          <a:srcRect/>
-          <a:stretch>
-            <a:fillRect/>
-          </a:stretch>
-        </a:blipFill>
-        <a:effectLst/>
-      </p:bgPr>
-    </p:bg>
     <p:spTree>
       <p:nvGrpSpPr>
         <p:cNvPr id="1" name=""/>
@@ -2943,10 +2790,229 @@
           <a:chExt cx="0" cy="0"/>
         </a:xfrm>
       </p:grpSpPr>
+      <p:pic>
+        <p:nvPicPr>
+          <p:cNvPr id="10" name="Picture 3" descr="Text&#10;&#10;Description automatically generated">
+            <a:extLst>
+              <a:ext uri="{FF2B5EF4-FFF2-40B4-BE49-F238E27FC236}">
+                <a16:creationId xmlns:a16="http://schemas.microsoft.com/office/drawing/2014/main" id="{67FB4AA9-E9AF-4CE0-A0DC-99D795289003}"/>
+              </a:ext>
+            </a:extLst>
+          </p:cNvPr>
+          <p:cNvPicPr>
+            <a:picLocks noChangeAspect="1"/>
+          </p:cNvPicPr>
+          <p:nvPr/>
+        </p:nvPicPr>
+        <p:blipFill>
+          <a:blip r:embed="rId2">
+            <a:extLst>
+              <a:ext uri="{28A0092B-C50C-407E-A947-70E740481C1C}">
+                <a14:useLocalDpi xmlns:a14="http://schemas.microsoft.com/office/drawing/2010/main" val="0"/>
+              </a:ext>
+            </a:extLst>
+          </a:blip>
+          <a:stretch>
+            <a:fillRect/>
+          </a:stretch>
+        </p:blipFill>
+        <p:spPr>
+          <a:xfrm>
+            <a:off x="413012" y="317038"/>
+            <a:ext cx="2576374" cy="936215"/>
+          </a:xfrm>
+          <a:prstGeom prst="rect">
+            <a:avLst/>
+          </a:prstGeom>
+        </p:spPr>
+      </p:pic>
+      <p:sp>
+        <p:nvSpPr>
+          <p:cNvPr id="11" name="Title 6">
+            <a:extLst>
+              <a:ext uri="{FF2B5EF4-FFF2-40B4-BE49-F238E27FC236}">
+                <a16:creationId xmlns:a16="http://schemas.microsoft.com/office/drawing/2014/main" id="{FF8BDF70-CFA6-4031-86B7-31F910D8115D}"/>
+              </a:ext>
+            </a:extLst>
+          </p:cNvPr>
+          <p:cNvSpPr txBox="1">
+            <a:spLocks/>
+          </p:cNvSpPr>
+          <p:nvPr/>
+        </p:nvSpPr>
+        <p:spPr>
+          <a:xfrm>
+            <a:off x="413012" y="2421636"/>
+            <a:ext cx="7584576" cy="1331924"/>
+          </a:xfrm>
+          <a:prstGeom prst="rect">
+            <a:avLst/>
+          </a:prstGeom>
+        </p:spPr>
+        <p:txBody>
+          <a:bodyPr/>
+          <a:lstStyle>
+            <a:lvl1pPr algn="l" defTabSz="914400" rtl="0" eaLnBrk="1" latinLnBrk="0" hangingPunct="1">
+              <a:lnSpc>
+                <a:spcPct val="90000"/>
+              </a:lnSpc>
+              <a:spcBef>
+                <a:spcPct val="0"/>
+              </a:spcBef>
+              <a:buNone/>
+              <a:defRPr sz="5400" b="1" kern="1200">
+                <a:solidFill>
+                  <a:srgbClr val="C00000"/>
+                </a:solidFill>
+                <a:latin typeface="Lato" panose="020F0502020204030203" pitchFamily="34" charset="0"/>
+                <a:ea typeface="Lato" panose="020F0502020204030203" pitchFamily="34" charset="0"/>
+                <a:cs typeface="Lato" panose="020F0502020204030203" pitchFamily="34" charset="0"/>
+              </a:defRPr>
+            </a:lvl1pPr>
+          </a:lstStyle>
+          <a:p>
+            <a:r>
+              <a:rPr lang="en-US" sz="3000" dirty="0">
+                <a:latin typeface="Arial" panose="020B0604020202020204" pitchFamily="34" charset="0"/>
+                <a:cs typeface="Arial" panose="020B0604020202020204" pitchFamily="34" charset="0"/>
+              </a:rPr>
+              <a:t>DIAGNOSIS SUPPORT OF SKIN LESION CLASSIFICATION USING CNN AND SOFT ATTENTION</a:t>
+            </a:r>
+          </a:p>
+        </p:txBody>
+      </p:sp>
+      <p:sp>
+        <p:nvSpPr>
+          <p:cNvPr id="12" name="Title 6">
+            <a:extLst>
+              <a:ext uri="{FF2B5EF4-FFF2-40B4-BE49-F238E27FC236}">
+                <a16:creationId xmlns:a16="http://schemas.microsoft.com/office/drawing/2014/main" id="{A4ACF486-B7D8-4A5A-B633-83527A2F99E2}"/>
+              </a:ext>
+            </a:extLst>
+          </p:cNvPr>
+          <p:cNvSpPr txBox="1">
+            <a:spLocks/>
+          </p:cNvSpPr>
+          <p:nvPr/>
+        </p:nvSpPr>
+        <p:spPr>
+          <a:xfrm>
+            <a:off x="413012" y="3567622"/>
+            <a:ext cx="7342482" cy="1331924"/>
+          </a:xfrm>
+          <a:prstGeom prst="rect">
+            <a:avLst/>
+          </a:prstGeom>
+        </p:spPr>
+        <p:txBody>
+          <a:bodyPr/>
+          <a:lstStyle>
+            <a:lvl1pPr algn="l" defTabSz="914400" rtl="0" eaLnBrk="1" latinLnBrk="0" hangingPunct="1">
+              <a:lnSpc>
+                <a:spcPct val="90000"/>
+              </a:lnSpc>
+              <a:spcBef>
+                <a:spcPct val="0"/>
+              </a:spcBef>
+              <a:buNone/>
+              <a:defRPr sz="5400" b="1" kern="1200">
+                <a:solidFill>
+                  <a:srgbClr val="C00000"/>
+                </a:solidFill>
+                <a:latin typeface="Lato" panose="020F0502020204030203" pitchFamily="34" charset="0"/>
+                <a:ea typeface="Lato" panose="020F0502020204030203" pitchFamily="34" charset="0"/>
+                <a:cs typeface="Lato" panose="020F0502020204030203" pitchFamily="34" charset="0"/>
+              </a:defRPr>
+            </a:lvl1pPr>
+          </a:lstStyle>
+          <a:p>
+            <a:endParaRPr lang="en-US" sz="2800" b="0" dirty="0"/>
+          </a:p>
+          <a:p>
+            <a:r>
+              <a:rPr lang="en-US" sz="2400" b="0" dirty="0" err="1"/>
+              <a:t>Đỗ</a:t>
+            </a:r>
+            <a:r>
+              <a:rPr lang="en-US" sz="2400" b="0" dirty="0"/>
+              <a:t> </a:t>
+            </a:r>
+            <a:r>
+              <a:rPr lang="en-US" sz="2400" b="0" dirty="0" err="1"/>
+              <a:t>Hoàng</a:t>
+            </a:r>
+            <a:r>
+              <a:rPr lang="en-US" sz="2400" b="0" dirty="0"/>
+              <a:t> </a:t>
+            </a:r>
+            <a:r>
+              <a:rPr lang="en-US" sz="2400" b="0" dirty="0" err="1"/>
+              <a:t>Khôi</a:t>
+            </a:r>
+            <a:r>
+              <a:rPr lang="en-US" sz="2400" b="0" dirty="0"/>
+              <a:t> – 20200332 – CTTT </a:t>
+            </a:r>
+            <a:r>
+              <a:rPr lang="en-US" sz="2400" b="0" dirty="0" err="1"/>
+              <a:t>Điện</a:t>
+            </a:r>
+            <a:r>
+              <a:rPr lang="en-US" sz="2400" b="0" dirty="0"/>
+              <a:t> </a:t>
+            </a:r>
+            <a:r>
+              <a:rPr lang="en-US" sz="2400" b="0" dirty="0" err="1"/>
+              <a:t>tử</a:t>
+            </a:r>
+            <a:r>
+              <a:rPr lang="en-US" sz="2400" b="0" dirty="0"/>
+              <a:t> 01</a:t>
+            </a:r>
+            <a:r>
+              <a:rPr lang="en-US" sz="2800" b="0" dirty="0"/>
+              <a:t>.</a:t>
+            </a:r>
+          </a:p>
+          <a:p>
+            <a:r>
+              <a:rPr lang="en-US" sz="2400" b="0" dirty="0"/>
+              <a:t>TS. </a:t>
+            </a:r>
+            <a:r>
+              <a:rPr lang="en-US" sz="2400" b="0" dirty="0" err="1"/>
+              <a:t>Nguyễn</a:t>
+            </a:r>
+            <a:r>
+              <a:rPr lang="en-US" sz="2400" b="0" dirty="0"/>
+              <a:t> </a:t>
+            </a:r>
+            <a:r>
+              <a:rPr lang="en-US" sz="2400" b="0" dirty="0" err="1"/>
+              <a:t>Việt</a:t>
+            </a:r>
+            <a:r>
+              <a:rPr lang="en-US" sz="2400" b="0" dirty="0"/>
+              <a:t> </a:t>
+            </a:r>
+            <a:r>
+              <a:rPr lang="en-US" sz="2400" b="0" dirty="0" err="1"/>
+              <a:t>Dũng</a:t>
+            </a:r>
+            <a:endParaRPr lang="en-US" sz="2400" b="0" dirty="0"/>
+          </a:p>
+          <a:p>
+            <a:endParaRPr lang="en-US" sz="2800" b="0" dirty="0"/>
+          </a:p>
+          <a:p>
+            <a:endParaRPr lang="en-US" sz="2800" b="0" dirty="0"/>
+          </a:p>
+        </p:txBody>
+      </p:sp>
     </p:spTree>
     <p:extLst>
       <p:ext uri="{BB962C8B-B14F-4D97-AF65-F5344CB8AC3E}">
-        <p14:creationId xmlns:p14="http://schemas.microsoft.com/office/powerpoint/2010/main" val="2066355306"/>
+        <p14:creationId xmlns:p14="http://schemas.microsoft.com/office/powerpoint/2010/main" val="743172911"/>
       </p:ext>
     </p:extLst>
   </p:cSld>
@@ -3026,17 +3092,17 @@
           <a:p>
             <a:r>
               <a:rPr lang="en-US" dirty="0"/>
-              <a:t>Model Schema</a:t>
+              <a:t>Model Schema – Backbone Model</a:t>
             </a:r>
           </a:p>
         </p:txBody>
       </p:sp>
       <p:pic>
         <p:nvPicPr>
-          <p:cNvPr id="4" name="Picture 3" descr="Chart, waterfall chart&#10;&#10;Description automatically generated">
-            <a:extLst>
-              <a:ext uri="{FF2B5EF4-FFF2-40B4-BE49-F238E27FC236}">
-                <a16:creationId xmlns:a16="http://schemas.microsoft.com/office/drawing/2014/main" id="{015DCF05-9FEF-0B8D-C9F8-E6F2C8809660}"/>
+          <p:cNvPr id="5" name="Picture 4">
+            <a:extLst>
+              <a:ext uri="{FF2B5EF4-FFF2-40B4-BE49-F238E27FC236}">
+                <a16:creationId xmlns:a16="http://schemas.microsoft.com/office/drawing/2014/main" id="{BD9ED20D-E1F7-F75F-557D-6EB3355D8404}"/>
               </a:ext>
             </a:extLst>
           </p:cNvPr>
@@ -3046,21 +3112,15 @@
           <p:nvPr/>
         </p:nvPicPr>
         <p:blipFill>
-          <a:blip r:embed="rId2">
-            <a:extLst>
-              <a:ext uri="{28A0092B-C50C-407E-A947-70E740481C1C}">
-                <a14:useLocalDpi xmlns:a14="http://schemas.microsoft.com/office/drawing/2010/main" val="0"/>
-              </a:ext>
-            </a:extLst>
-          </a:blip>
+          <a:blip r:embed="rId2"/>
           <a:stretch>
             <a:fillRect/>
           </a:stretch>
         </p:blipFill>
         <p:spPr>
           <a:xfrm>
-            <a:off x="341194" y="1462622"/>
-            <a:ext cx="8567729" cy="3932756"/>
+            <a:off x="759248" y="1154966"/>
+            <a:ext cx="7625503" cy="4548068"/>
           </a:xfrm>
           <a:prstGeom prst="rect">
             <a:avLst/>
@@ -3070,7 +3130,7 @@
     </p:spTree>
     <p:extLst>
       <p:ext uri="{BB962C8B-B14F-4D97-AF65-F5344CB8AC3E}">
-        <p14:creationId xmlns:p14="http://schemas.microsoft.com/office/powerpoint/2010/main" val="790054199"/>
+        <p14:creationId xmlns:p14="http://schemas.microsoft.com/office/powerpoint/2010/main" val="615783838"/>
       </p:ext>
     </p:extLst>
   </p:cSld>
@@ -3122,124 +3182,6 @@
               <a:rPr lang="en-US" smtClean="0"/>
               <a:pPr/>
               <a:t>11</a:t>
-            </a:fld>
-            <a:endParaRPr lang="en-US" dirty="0"/>
-          </a:p>
-        </p:txBody>
-      </p:sp>
-      <p:sp>
-        <p:nvSpPr>
-          <p:cNvPr id="3" name="Title 2">
-            <a:extLst>
-              <a:ext uri="{FF2B5EF4-FFF2-40B4-BE49-F238E27FC236}">
-                <a16:creationId xmlns:a16="http://schemas.microsoft.com/office/drawing/2014/main" id="{9EF27CAA-32BA-4E6B-B8C0-1A481E08E81D}"/>
-              </a:ext>
-            </a:extLst>
-          </p:cNvPr>
-          <p:cNvSpPr>
-            <a:spLocks noGrp="1"/>
-          </p:cNvSpPr>
-          <p:nvPr>
-            <p:ph type="title"/>
-          </p:nvPr>
-        </p:nvSpPr>
-        <p:spPr/>
-        <p:txBody>
-          <a:bodyPr/>
-          <a:lstStyle/>
-          <a:p>
-            <a:r>
-              <a:rPr lang="en-US" dirty="0"/>
-              <a:t>Model Schema – Input Schema</a:t>
-            </a:r>
-          </a:p>
-        </p:txBody>
-      </p:sp>
-      <p:pic>
-        <p:nvPicPr>
-          <p:cNvPr id="5" name="Picture 4">
-            <a:extLst>
-              <a:ext uri="{FF2B5EF4-FFF2-40B4-BE49-F238E27FC236}">
-                <a16:creationId xmlns:a16="http://schemas.microsoft.com/office/drawing/2014/main" id="{EDBFE46A-3095-9155-044B-FDA086DA8309}"/>
-              </a:ext>
-            </a:extLst>
-          </p:cNvPr>
-          <p:cNvPicPr>
-            <a:picLocks noChangeAspect="1"/>
-          </p:cNvPicPr>
-          <p:nvPr/>
-        </p:nvPicPr>
-        <p:blipFill>
-          <a:blip r:embed="rId2"/>
-          <a:stretch>
-            <a:fillRect/>
-          </a:stretch>
-        </p:blipFill>
-        <p:spPr>
-          <a:xfrm>
-            <a:off x="235077" y="2070372"/>
-            <a:ext cx="8570794" cy="2717256"/>
-          </a:xfrm>
-          <a:prstGeom prst="rect">
-            <a:avLst/>
-          </a:prstGeom>
-        </p:spPr>
-      </p:pic>
-    </p:spTree>
-    <p:extLst>
-      <p:ext uri="{BB962C8B-B14F-4D97-AF65-F5344CB8AC3E}">
-        <p14:creationId xmlns:p14="http://schemas.microsoft.com/office/powerpoint/2010/main" val="1285258047"/>
-      </p:ext>
-    </p:extLst>
-  </p:cSld>
-  <p:clrMapOvr>
-    <a:masterClrMapping/>
-  </p:clrMapOvr>
-</p:sld>
-</file>
-
-<file path=ppt/slides/slide12.xml><?xml version="1.0" encoding="utf-8"?>
-<p:sld xmlns:a="http://schemas.openxmlformats.org/drawingml/2006/main" xmlns:r="http://schemas.openxmlformats.org/officeDocument/2006/relationships" xmlns:p="http://schemas.openxmlformats.org/presentationml/2006/main">
-  <p:cSld>
-    <p:spTree>
-      <p:nvGrpSpPr>
-        <p:cNvPr id="1" name=""/>
-        <p:cNvGrpSpPr/>
-        <p:nvPr/>
-      </p:nvGrpSpPr>
-      <p:grpSpPr>
-        <a:xfrm>
-          <a:off x="0" y="0"/>
-          <a:ext cx="0" cy="0"/>
-          <a:chOff x="0" y="0"/>
-          <a:chExt cx="0" cy="0"/>
-        </a:xfrm>
-      </p:grpSpPr>
-      <p:sp>
-        <p:nvSpPr>
-          <p:cNvPr id="2" name="Slide Number Placeholder 1">
-            <a:extLst>
-              <a:ext uri="{FF2B5EF4-FFF2-40B4-BE49-F238E27FC236}">
-                <a16:creationId xmlns:a16="http://schemas.microsoft.com/office/drawing/2014/main" id="{A7101F79-2CBF-4392-B538-B0B5700DB4C6}"/>
-              </a:ext>
-            </a:extLst>
-          </p:cNvPr>
-          <p:cNvSpPr>
-            <a:spLocks noGrp="1"/>
-          </p:cNvSpPr>
-          <p:nvPr>
-            <p:ph type="sldNum" sz="quarter" idx="12"/>
-          </p:nvPr>
-        </p:nvSpPr>
-        <p:spPr/>
-        <p:txBody>
-          <a:bodyPr/>
-          <a:lstStyle/>
-          <a:p>
-            <a:fld id="{9EA0BE3B-158A-4EDF-80DC-E394A0D1600F}" type="slidenum">
-              <a:rPr lang="en-US" smtClean="0"/>
-              <a:pPr/>
-              <a:t>12</a:t>
             </a:fld>
             <a:endParaRPr lang="en-US" dirty="0"/>
           </a:p>
@@ -3346,7 +3288,7 @@
 </p:sld>
 </file>
 
-<file path=ppt/slides/slide13.xml><?xml version="1.0" encoding="utf-8"?>
+<file path=ppt/slides/slide12.xml><?xml version="1.0" encoding="utf-8"?>
 <p:sld xmlns:a="http://schemas.openxmlformats.org/drawingml/2006/main" xmlns:r="http://schemas.openxmlformats.org/officeDocument/2006/relationships" xmlns:p="http://schemas.openxmlformats.org/presentationml/2006/main">
   <p:cSld>
     <p:spTree>
@@ -3387,7 +3329,7 @@
             <a:fld id="{9EA0BE3B-158A-4EDF-80DC-E394A0D1600F}" type="slidenum">
               <a:rPr lang="en-US" smtClean="0"/>
               <a:pPr/>
-              <a:t>13</a:t>
+              <a:t>12</a:t>
             </a:fld>
             <a:endParaRPr lang="en-US" dirty="0"/>
           </a:p>
@@ -3464,7 +3406,7 @@
 </p:sld>
 </file>
 
-<file path=ppt/slides/slide14.xml><?xml version="1.0" encoding="utf-8"?>
+<file path=ppt/slides/slide13.xml><?xml version="1.0" encoding="utf-8"?>
 <p:sld xmlns:a="http://schemas.openxmlformats.org/drawingml/2006/main" xmlns:r="http://schemas.openxmlformats.org/officeDocument/2006/relationships" xmlns:p="http://schemas.openxmlformats.org/presentationml/2006/main">
   <p:cSld>
     <p:spTree>
@@ -3505,125 +3447,7 @@
             <a:fld id="{9EA0BE3B-158A-4EDF-80DC-E394A0D1600F}" type="slidenum">
               <a:rPr lang="en-US" smtClean="0"/>
               <a:pPr/>
-              <a:t>14</a:t>
-            </a:fld>
-            <a:endParaRPr lang="en-US" dirty="0"/>
-          </a:p>
-        </p:txBody>
-      </p:sp>
-      <p:sp>
-        <p:nvSpPr>
-          <p:cNvPr id="3" name="Title 2">
-            <a:extLst>
-              <a:ext uri="{FF2B5EF4-FFF2-40B4-BE49-F238E27FC236}">
-                <a16:creationId xmlns:a16="http://schemas.microsoft.com/office/drawing/2014/main" id="{9EF27CAA-32BA-4E6B-B8C0-1A481E08E81D}"/>
-              </a:ext>
-            </a:extLst>
-          </p:cNvPr>
-          <p:cNvSpPr>
-            <a:spLocks noGrp="1"/>
-          </p:cNvSpPr>
-          <p:nvPr>
-            <p:ph type="title"/>
-          </p:nvPr>
-        </p:nvSpPr>
-        <p:spPr/>
-        <p:txBody>
-          <a:bodyPr/>
-          <a:lstStyle/>
-          <a:p>
-            <a:r>
-              <a:rPr lang="en-US" dirty="0"/>
-              <a:t>Model Schema – Backbone Model</a:t>
-            </a:r>
-          </a:p>
-        </p:txBody>
-      </p:sp>
-      <p:pic>
-        <p:nvPicPr>
-          <p:cNvPr id="5" name="Picture 4">
-            <a:extLst>
-              <a:ext uri="{FF2B5EF4-FFF2-40B4-BE49-F238E27FC236}">
-                <a16:creationId xmlns:a16="http://schemas.microsoft.com/office/drawing/2014/main" id="{BD9ED20D-E1F7-F75F-557D-6EB3355D8404}"/>
-              </a:ext>
-            </a:extLst>
-          </p:cNvPr>
-          <p:cNvPicPr>
-            <a:picLocks noChangeAspect="1"/>
-          </p:cNvPicPr>
-          <p:nvPr/>
-        </p:nvPicPr>
-        <p:blipFill>
-          <a:blip r:embed="rId2"/>
-          <a:stretch>
-            <a:fillRect/>
-          </a:stretch>
-        </p:blipFill>
-        <p:spPr>
-          <a:xfrm>
-            <a:off x="759248" y="1154966"/>
-            <a:ext cx="7625503" cy="4548068"/>
-          </a:xfrm>
-          <a:prstGeom prst="rect">
-            <a:avLst/>
-          </a:prstGeom>
-        </p:spPr>
-      </p:pic>
-    </p:spTree>
-    <p:extLst>
-      <p:ext uri="{BB962C8B-B14F-4D97-AF65-F5344CB8AC3E}">
-        <p14:creationId xmlns:p14="http://schemas.microsoft.com/office/powerpoint/2010/main" val="615783838"/>
-      </p:ext>
-    </p:extLst>
-  </p:cSld>
-  <p:clrMapOvr>
-    <a:masterClrMapping/>
-  </p:clrMapOvr>
-</p:sld>
-</file>
-
-<file path=ppt/slides/slide15.xml><?xml version="1.0" encoding="utf-8"?>
-<p:sld xmlns:a="http://schemas.openxmlformats.org/drawingml/2006/main" xmlns:r="http://schemas.openxmlformats.org/officeDocument/2006/relationships" xmlns:p="http://schemas.openxmlformats.org/presentationml/2006/main">
-  <p:cSld>
-    <p:spTree>
-      <p:nvGrpSpPr>
-        <p:cNvPr id="1" name=""/>
-        <p:cNvGrpSpPr/>
-        <p:nvPr/>
-      </p:nvGrpSpPr>
-      <p:grpSpPr>
-        <a:xfrm>
-          <a:off x="0" y="0"/>
-          <a:ext cx="0" cy="0"/>
-          <a:chOff x="0" y="0"/>
-          <a:chExt cx="0" cy="0"/>
-        </a:xfrm>
-      </p:grpSpPr>
-      <p:sp>
-        <p:nvSpPr>
-          <p:cNvPr id="2" name="Slide Number Placeholder 1">
-            <a:extLst>
-              <a:ext uri="{FF2B5EF4-FFF2-40B4-BE49-F238E27FC236}">
-                <a16:creationId xmlns:a16="http://schemas.microsoft.com/office/drawing/2014/main" id="{A7101F79-2CBF-4392-B538-B0B5700DB4C6}"/>
-              </a:ext>
-            </a:extLst>
-          </p:cNvPr>
-          <p:cNvSpPr>
-            <a:spLocks noGrp="1"/>
-          </p:cNvSpPr>
-          <p:nvPr>
-            <p:ph type="sldNum" sz="quarter" idx="12"/>
-          </p:nvPr>
-        </p:nvSpPr>
-        <p:spPr/>
-        <p:txBody>
-          <a:bodyPr/>
-          <a:lstStyle/>
-          <a:p>
-            <a:fld id="{9EA0BE3B-158A-4EDF-80DC-E394A0D1600F}" type="slidenum">
-              <a:rPr lang="en-US" smtClean="0"/>
-              <a:pPr/>
-              <a:t>15</a:t>
+              <a:t>13</a:t>
             </a:fld>
             <a:endParaRPr lang="en-US" dirty="0"/>
           </a:p>
@@ -3706,7 +3530,7 @@
 </p:sld>
 </file>
 
-<file path=ppt/slides/slide16.xml><?xml version="1.0" encoding="utf-8"?>
+<file path=ppt/slides/slide14.xml><?xml version="1.0" encoding="utf-8"?>
 <p:sld xmlns:a="http://schemas.openxmlformats.org/drawingml/2006/main" xmlns:r="http://schemas.openxmlformats.org/officeDocument/2006/relationships" xmlns:p="http://schemas.openxmlformats.org/presentationml/2006/main">
   <p:cSld>
     <p:spTree>
@@ -3747,7 +3571,7 @@
             <a:fld id="{9EA0BE3B-158A-4EDF-80DC-E394A0D1600F}" type="slidenum">
               <a:rPr lang="en-US" smtClean="0"/>
               <a:pPr/>
-              <a:t>16</a:t>
+              <a:t>14</a:t>
             </a:fld>
             <a:endParaRPr lang="en-US" dirty="0"/>
           </a:p>
@@ -3811,8 +3635,8 @@
           </a:prstGeom>
         </p:spPr>
       </p:pic>
-      <mc:AlternateContent xmlns:mc="http://schemas.openxmlformats.org/markup-compatibility/2006">
-        <mc:Choice xmlns:a14="http://schemas.microsoft.com/office/drawing/2010/main" Requires="a14">
+      <mc:AlternateContent xmlns:mc="http://schemas.openxmlformats.org/markup-compatibility/2006" xmlns:a14="http://schemas.microsoft.com/office/drawing/2010/main">
+        <mc:Choice Requires="a14">
           <p:sp>
             <p:nvSpPr>
               <p:cNvPr id="6" name="TextBox 5">
@@ -4509,7 +4333,7 @@
             </p:txBody>
           </p:sp>
         </mc:Choice>
-        <mc:Fallback>
+        <mc:Fallback xmlns="">
           <p:sp>
             <p:nvSpPr>
               <p:cNvPr id="6" name="TextBox 5">
@@ -4567,7 +4391,7 @@
 </p:sld>
 </file>
 
-<file path=ppt/slides/slide17.xml><?xml version="1.0" encoding="utf-8"?>
+<file path=ppt/slides/slide15.xml><?xml version="1.0" encoding="utf-8"?>
 <p:sld xmlns:a="http://schemas.openxmlformats.org/drawingml/2006/main" xmlns:r="http://schemas.openxmlformats.org/officeDocument/2006/relationships" xmlns:p="http://schemas.openxmlformats.org/presentationml/2006/main">
   <p:cSld>
     <p:spTree>
@@ -4608,7 +4432,7 @@
             <a:fld id="{9EA0BE3B-158A-4EDF-80DC-E394A0D1600F}" type="slidenum">
               <a:rPr lang="en-US" smtClean="0"/>
               <a:pPr/>
-              <a:t>17</a:t>
+              <a:t>15</a:t>
             </a:fld>
             <a:endParaRPr lang="en-US" dirty="0"/>
           </a:p>
@@ -4672,8 +4496,8 @@
           </a:prstGeom>
         </p:spPr>
       </p:pic>
-      <mc:AlternateContent xmlns:mc="http://schemas.openxmlformats.org/markup-compatibility/2006">
-        <mc:Choice xmlns:a14="http://schemas.microsoft.com/office/drawing/2010/main" Requires="a14">
+      <mc:AlternateContent xmlns:mc="http://schemas.openxmlformats.org/markup-compatibility/2006" xmlns:a14="http://schemas.microsoft.com/office/drawing/2010/main">
+        <mc:Choice Requires="a14">
           <p:sp>
             <p:nvSpPr>
               <p:cNvPr id="6" name="TextBox 5">
@@ -5098,7 +4922,7 @@
             </p:txBody>
           </p:sp>
         </mc:Choice>
-        <mc:Fallback>
+        <mc:Fallback xmlns="">
           <p:sp>
             <p:nvSpPr>
               <p:cNvPr id="6" name="TextBox 5">
@@ -5156,7 +4980,7 @@
 </p:sld>
 </file>
 
-<file path=ppt/slides/slide18.xml><?xml version="1.0" encoding="utf-8"?>
+<file path=ppt/slides/slide16.xml><?xml version="1.0" encoding="utf-8"?>
 <p:sld xmlns:a="http://schemas.openxmlformats.org/drawingml/2006/main" xmlns:r="http://schemas.openxmlformats.org/officeDocument/2006/relationships" xmlns:p="http://schemas.openxmlformats.org/presentationml/2006/main">
   <p:cSld>
     <p:spTree>
@@ -5197,7 +5021,7 @@
             <a:fld id="{9EA0BE3B-158A-4EDF-80DC-E394A0D1600F}" type="slidenum">
               <a:rPr lang="en-US" smtClean="0"/>
               <a:pPr/>
-              <a:t>18</a:t>
+              <a:t>16</a:t>
             </a:fld>
             <a:endParaRPr lang="en-US" dirty="0"/>
           </a:p>
@@ -5506,7 +5330,7 @@
 </p:sld>
 </file>
 
-<file path=ppt/slides/slide19.xml><?xml version="1.0" encoding="utf-8"?>
+<file path=ppt/slides/slide17.xml><?xml version="1.0" encoding="utf-8"?>
 <p:sld xmlns:a="http://schemas.openxmlformats.org/drawingml/2006/main" xmlns:r="http://schemas.openxmlformats.org/officeDocument/2006/relationships" xmlns:p="http://schemas.openxmlformats.org/presentationml/2006/main">
   <p:cSld>
     <p:spTree>
@@ -5547,7 +5371,7 @@
             <a:fld id="{9EA0BE3B-158A-4EDF-80DC-E394A0D1600F}" type="slidenum">
               <a:rPr lang="en-US" smtClean="0"/>
               <a:pPr/>
-              <a:t>19</a:t>
+              <a:t>17</a:t>
             </a:fld>
             <a:endParaRPr lang="en-US" dirty="0"/>
           </a:p>
@@ -5624,51 +5448,7 @@
 </p:sld>
 </file>
 
-<file path=ppt/slides/slide2.xml><?xml version="1.0" encoding="utf-8"?>
-<p:sld xmlns:a="http://schemas.openxmlformats.org/drawingml/2006/main" xmlns:r="http://schemas.openxmlformats.org/officeDocument/2006/relationships" xmlns:p="http://schemas.openxmlformats.org/presentationml/2006/main">
-  <p:cSld>
-    <p:bg>
-      <p:bgPr>
-        <a:blipFill dpi="0" rotWithShape="1">
-          <a:blip r:embed="rId2">
-            <a:lum/>
-          </a:blip>
-          <a:srcRect/>
-          <a:stretch>
-            <a:fillRect/>
-          </a:stretch>
-        </a:blipFill>
-        <a:effectLst/>
-      </p:bgPr>
-    </p:bg>
-    <p:spTree>
-      <p:nvGrpSpPr>
-        <p:cNvPr id="1" name=""/>
-        <p:cNvGrpSpPr/>
-        <p:nvPr/>
-      </p:nvGrpSpPr>
-      <p:grpSpPr>
-        <a:xfrm>
-          <a:off x="0" y="0"/>
-          <a:ext cx="0" cy="0"/>
-          <a:chOff x="0" y="0"/>
-          <a:chExt cx="0" cy="0"/>
-        </a:xfrm>
-      </p:grpSpPr>
-    </p:spTree>
-    <p:extLst>
-      <p:ext uri="{BB962C8B-B14F-4D97-AF65-F5344CB8AC3E}">
-        <p14:creationId xmlns:p14="http://schemas.microsoft.com/office/powerpoint/2010/main" val="1234004128"/>
-      </p:ext>
-    </p:extLst>
-  </p:cSld>
-  <p:clrMapOvr>
-    <a:masterClrMapping/>
-  </p:clrMapOvr>
-</p:sld>
-</file>
-
-<file path=ppt/slides/slide20.xml><?xml version="1.0" encoding="utf-8"?>
+<file path=ppt/slides/slide18.xml><?xml version="1.0" encoding="utf-8"?>
 <p:sld xmlns:a="http://schemas.openxmlformats.org/drawingml/2006/main" xmlns:r="http://schemas.openxmlformats.org/officeDocument/2006/relationships" xmlns:p="http://schemas.openxmlformats.org/presentationml/2006/main">
   <p:cSld>
     <p:spTree>
@@ -5709,7 +5489,7 @@
             <a:fld id="{9EA0BE3B-158A-4EDF-80DC-E394A0D1600F}" type="slidenum">
               <a:rPr lang="en-US" smtClean="0"/>
               <a:pPr/>
-              <a:t>20</a:t>
+              <a:t>18</a:t>
             </a:fld>
             <a:endParaRPr lang="en-US" dirty="0"/>
           </a:p>
@@ -5871,7 +5651,7 @@
 </p:sld>
 </file>
 
-<file path=ppt/slides/slide21.xml><?xml version="1.0" encoding="utf-8"?>
+<file path=ppt/slides/slide19.xml><?xml version="1.0" encoding="utf-8"?>
 <p:sld xmlns:a="http://schemas.openxmlformats.org/drawingml/2006/main" xmlns:r="http://schemas.openxmlformats.org/officeDocument/2006/relationships" xmlns:p="http://schemas.openxmlformats.org/presentationml/2006/main">
   <p:cSld>
     <p:spTree>
@@ -5912,7 +5692,7 @@
             <a:fld id="{9EA0BE3B-158A-4EDF-80DC-E394A0D1600F}" type="slidenum">
               <a:rPr lang="en-US" smtClean="0"/>
               <a:pPr/>
-              <a:t>21</a:t>
+              <a:t>19</a:t>
             </a:fld>
             <a:endParaRPr lang="en-US" dirty="0"/>
           </a:p>
@@ -5989,7 +5769,7 @@
 </p:sld>
 </file>
 
-<file path=ppt/slides/slide22.xml><?xml version="1.0" encoding="utf-8"?>
+<file path=ppt/slides/slide2.xml><?xml version="1.0" encoding="utf-8"?>
 <p:sld xmlns:a="http://schemas.openxmlformats.org/drawingml/2006/main" xmlns:r="http://schemas.openxmlformats.org/officeDocument/2006/relationships" xmlns:p="http://schemas.openxmlformats.org/presentationml/2006/main">
   <p:cSld>
     <p:spTree>
@@ -6011,7 +5791,7 @@
           <p:cNvPr id="2" name="Slide Number Placeholder 1">
             <a:extLst>
               <a:ext uri="{FF2B5EF4-FFF2-40B4-BE49-F238E27FC236}">
-                <a16:creationId xmlns:a16="http://schemas.microsoft.com/office/drawing/2014/main" id="{24FC9460-2865-D30C-40AF-F8E6EAC5F815}"/>
+                <a16:creationId xmlns:a16="http://schemas.microsoft.com/office/drawing/2014/main" id="{A7101F79-2CBF-4392-B538-B0B5700DB4C6}"/>
               </a:ext>
             </a:extLst>
           </p:cNvPr>
@@ -6030,7 +5810,272 @@
             <a:fld id="{9EA0BE3B-158A-4EDF-80DC-E394A0D1600F}" type="slidenum">
               <a:rPr lang="en-US" smtClean="0"/>
               <a:pPr/>
-              <a:t>22</a:t>
+              <a:t>2</a:t>
+            </a:fld>
+            <a:endParaRPr lang="en-US" dirty="0"/>
+          </a:p>
+        </p:txBody>
+      </p:sp>
+      <p:sp>
+        <p:nvSpPr>
+          <p:cNvPr id="3" name="Title 2">
+            <a:extLst>
+              <a:ext uri="{FF2B5EF4-FFF2-40B4-BE49-F238E27FC236}">
+                <a16:creationId xmlns:a16="http://schemas.microsoft.com/office/drawing/2014/main" id="{9EF27CAA-32BA-4E6B-B8C0-1A481E08E81D}"/>
+              </a:ext>
+            </a:extLst>
+          </p:cNvPr>
+          <p:cNvSpPr>
+            <a:spLocks noGrp="1"/>
+          </p:cNvSpPr>
+          <p:nvPr>
+            <p:ph type="title"/>
+          </p:nvPr>
+        </p:nvSpPr>
+        <p:spPr/>
+        <p:txBody>
+          <a:bodyPr/>
+          <a:lstStyle/>
+          <a:p>
+            <a:r>
+              <a:rPr lang="en-US" dirty="0"/>
+              <a:t>Problem Statement</a:t>
+            </a:r>
+          </a:p>
+        </p:txBody>
+      </p:sp>
+      <p:sp>
+        <p:nvSpPr>
+          <p:cNvPr id="7" name="Oval 6">
+            <a:extLst>
+              <a:ext uri="{FF2B5EF4-FFF2-40B4-BE49-F238E27FC236}">
+                <a16:creationId xmlns:a16="http://schemas.microsoft.com/office/drawing/2014/main" id="{A2629779-9614-FE93-E3F4-3C7340F5D4A0}"/>
+              </a:ext>
+            </a:extLst>
+          </p:cNvPr>
+          <p:cNvSpPr/>
+          <p:nvPr/>
+        </p:nvSpPr>
+        <p:spPr>
+          <a:xfrm>
+            <a:off x="518613" y="2123938"/>
+            <a:ext cx="3234521" cy="3210636"/>
+          </a:xfrm>
+          <a:prstGeom prst="ellipse">
+            <a:avLst/>
+          </a:prstGeom>
+        </p:spPr>
+        <p:style>
+          <a:lnRef idx="2">
+            <a:schemeClr val="accent1">
+              <a:shade val="50000"/>
+            </a:schemeClr>
+          </a:lnRef>
+          <a:fillRef idx="1">
+            <a:schemeClr val="accent1"/>
+          </a:fillRef>
+          <a:effectRef idx="0">
+            <a:schemeClr val="accent1"/>
+          </a:effectRef>
+          <a:fontRef idx="minor">
+            <a:schemeClr val="lt1"/>
+          </a:fontRef>
+        </p:style>
+        <p:txBody>
+          <a:bodyPr rtlCol="0" anchor="ctr"/>
+          <a:lstStyle/>
+          <a:p>
+            <a:pPr algn="ctr"/>
+            <a:r>
+              <a:rPr lang="en-US" sz="3500" dirty="0">
+                <a:latin typeface="Arial" panose="020B0604020202020204" pitchFamily="34" charset="0"/>
+                <a:cs typeface="Arial" panose="020B0604020202020204" pitchFamily="34" charset="0"/>
+              </a:rPr>
+              <a:t>9,500</a:t>
+            </a:r>
+            <a:r>
+              <a:rPr lang="en-US" dirty="0">
+                <a:latin typeface="Arial" panose="020B0604020202020204" pitchFamily="34" charset="0"/>
+                <a:cs typeface="Arial" panose="020B0604020202020204" pitchFamily="34" charset="0"/>
+              </a:rPr>
+              <a:t> </a:t>
+            </a:r>
+          </a:p>
+          <a:p>
+            <a:pPr algn="ctr"/>
+            <a:r>
+              <a:rPr lang="en-US" dirty="0">
+                <a:latin typeface="Arial" panose="020B0604020202020204" pitchFamily="34" charset="0"/>
+                <a:cs typeface="Arial" panose="020B0604020202020204" pitchFamily="34" charset="0"/>
+              </a:rPr>
+              <a:t>people are diagnosed with skin cancer each day in the US</a:t>
+            </a:r>
+          </a:p>
+        </p:txBody>
+      </p:sp>
+      <p:sp>
+        <p:nvSpPr>
+          <p:cNvPr id="9" name="Oval 8">
+            <a:extLst>
+              <a:ext uri="{FF2B5EF4-FFF2-40B4-BE49-F238E27FC236}">
+                <a16:creationId xmlns:a16="http://schemas.microsoft.com/office/drawing/2014/main" id="{18565DDE-1E97-A241-87CC-C2ACC3A3C89F}"/>
+              </a:ext>
+            </a:extLst>
+          </p:cNvPr>
+          <p:cNvSpPr/>
+          <p:nvPr/>
+        </p:nvSpPr>
+        <p:spPr>
+          <a:xfrm>
+            <a:off x="5322627" y="2106878"/>
+            <a:ext cx="3234521" cy="3210636"/>
+          </a:xfrm>
+          <a:prstGeom prst="ellipse">
+            <a:avLst/>
+          </a:prstGeom>
+        </p:spPr>
+        <p:style>
+          <a:lnRef idx="2">
+            <a:schemeClr val="accent1">
+              <a:shade val="50000"/>
+            </a:schemeClr>
+          </a:lnRef>
+          <a:fillRef idx="1">
+            <a:schemeClr val="accent1"/>
+          </a:fillRef>
+          <a:effectRef idx="0">
+            <a:schemeClr val="accent1"/>
+          </a:effectRef>
+          <a:fontRef idx="minor">
+            <a:schemeClr val="lt1"/>
+          </a:fontRef>
+        </p:style>
+        <p:txBody>
+          <a:bodyPr rtlCol="0" anchor="ctr"/>
+          <a:lstStyle/>
+          <a:p>
+            <a:pPr algn="ctr"/>
+            <a:r>
+              <a:rPr lang="en-US" sz="3500" dirty="0">
+                <a:latin typeface="Arial" panose="020B0604020202020204" pitchFamily="34" charset="0"/>
+                <a:cs typeface="Arial" panose="020B0604020202020204" pitchFamily="34" charset="0"/>
+              </a:rPr>
+              <a:t>3,600,000</a:t>
+            </a:r>
+            <a:r>
+              <a:rPr lang="en-US" dirty="0">
+                <a:latin typeface="Arial" panose="020B0604020202020204" pitchFamily="34" charset="0"/>
+                <a:cs typeface="Arial" panose="020B0604020202020204" pitchFamily="34" charset="0"/>
+              </a:rPr>
+              <a:t> </a:t>
+            </a:r>
+          </a:p>
+          <a:p>
+            <a:pPr algn="ctr"/>
+            <a:r>
+              <a:rPr lang="en-US" dirty="0">
+                <a:latin typeface="Arial" panose="020B0604020202020204" pitchFamily="34" charset="0"/>
+                <a:cs typeface="Arial" panose="020B0604020202020204" pitchFamily="34" charset="0"/>
+              </a:rPr>
+              <a:t>People are diagnosed with basal cell skin each year.</a:t>
+            </a:r>
+          </a:p>
+        </p:txBody>
+      </p:sp>
+      <p:sp>
+        <p:nvSpPr>
+          <p:cNvPr id="6" name="TextBox 5">
+            <a:extLst>
+              <a:ext uri="{FF2B5EF4-FFF2-40B4-BE49-F238E27FC236}">
+                <a16:creationId xmlns:a16="http://schemas.microsoft.com/office/drawing/2014/main" id="{D9BE08AA-0C9B-0E9E-6F22-7D37E3493387}"/>
+              </a:ext>
+            </a:extLst>
+          </p:cNvPr>
+          <p:cNvSpPr txBox="1"/>
+          <p:nvPr/>
+        </p:nvSpPr>
+        <p:spPr>
+          <a:xfrm>
+            <a:off x="1201003" y="1078173"/>
+            <a:ext cx="6755642" cy="861774"/>
+          </a:xfrm>
+          <a:prstGeom prst="rect">
+            <a:avLst/>
+          </a:prstGeom>
+          <a:noFill/>
+        </p:spPr>
+        <p:txBody>
+          <a:bodyPr wrap="square" rtlCol="0">
+            <a:spAutoFit/>
+          </a:bodyPr>
+          <a:lstStyle/>
+          <a:p>
+            <a:pPr algn="ctr"/>
+            <a:r>
+              <a:rPr lang="en-US" sz="2500" dirty="0">
+                <a:latin typeface="Arial" panose="020B0604020202020204" pitchFamily="34" charset="0"/>
+                <a:cs typeface="Arial" panose="020B0604020202020204" pitchFamily="34" charset="0"/>
+              </a:rPr>
+              <a:t>AMERICAN CANCER SOCIETY 2022 STATISTICS</a:t>
+            </a:r>
+          </a:p>
+        </p:txBody>
+      </p:sp>
+    </p:spTree>
+    <p:extLst>
+      <p:ext uri="{BB962C8B-B14F-4D97-AF65-F5344CB8AC3E}">
+        <p14:creationId xmlns:p14="http://schemas.microsoft.com/office/powerpoint/2010/main" val="292364014"/>
+      </p:ext>
+    </p:extLst>
+  </p:cSld>
+  <p:clrMapOvr>
+    <a:masterClrMapping/>
+  </p:clrMapOvr>
+</p:sld>
+</file>
+
+<file path=ppt/slides/slide20.xml><?xml version="1.0" encoding="utf-8"?>
+<p:sld xmlns:a="http://schemas.openxmlformats.org/drawingml/2006/main" xmlns:r="http://schemas.openxmlformats.org/officeDocument/2006/relationships" xmlns:p="http://schemas.openxmlformats.org/presentationml/2006/main">
+  <p:cSld>
+    <p:spTree>
+      <p:nvGrpSpPr>
+        <p:cNvPr id="1" name=""/>
+        <p:cNvGrpSpPr/>
+        <p:nvPr/>
+      </p:nvGrpSpPr>
+      <p:grpSpPr>
+        <a:xfrm>
+          <a:off x="0" y="0"/>
+          <a:ext cx="0" cy="0"/>
+          <a:chOff x="0" y="0"/>
+          <a:chExt cx="0" cy="0"/>
+        </a:xfrm>
+      </p:grpSpPr>
+      <p:sp>
+        <p:nvSpPr>
+          <p:cNvPr id="2" name="Slide Number Placeholder 1">
+            <a:extLst>
+              <a:ext uri="{FF2B5EF4-FFF2-40B4-BE49-F238E27FC236}">
+                <a16:creationId xmlns:a16="http://schemas.microsoft.com/office/drawing/2014/main" id="{24FC9460-2865-D30C-40AF-F8E6EAC5F815}"/>
+              </a:ext>
+            </a:extLst>
+          </p:cNvPr>
+          <p:cNvSpPr>
+            <a:spLocks noGrp="1"/>
+          </p:cNvSpPr>
+          <p:nvPr>
+            <p:ph type="sldNum" sz="quarter" idx="12"/>
+          </p:nvPr>
+        </p:nvSpPr>
+        <p:spPr/>
+        <p:txBody>
+          <a:bodyPr/>
+          <a:lstStyle/>
+          <a:p>
+            <a:fld id="{9EA0BE3B-158A-4EDF-80DC-E394A0D1600F}" type="slidenum">
+              <a:rPr lang="en-US" smtClean="0"/>
+              <a:pPr/>
+              <a:t>20</a:t>
             </a:fld>
             <a:endParaRPr lang="en-US" dirty="0"/>
           </a:p>
@@ -6213,7 +6258,7 @@
 </p:sld>
 </file>
 
-<file path=ppt/slides/slide23.xml><?xml version="1.0" encoding="utf-8"?>
+<file path=ppt/slides/slide21.xml><?xml version="1.0" encoding="utf-8"?>
 <p:sld xmlns:a="http://schemas.openxmlformats.org/drawingml/2006/main" xmlns:r="http://schemas.openxmlformats.org/officeDocument/2006/relationships" xmlns:p="http://schemas.openxmlformats.org/presentationml/2006/main">
   <p:cSld>
     <p:spTree>
@@ -6254,7 +6299,7 @@
             <a:fld id="{9EA0BE3B-158A-4EDF-80DC-E394A0D1600F}" type="slidenum">
               <a:rPr lang="en-US" smtClean="0"/>
               <a:pPr/>
-              <a:t>23</a:t>
+              <a:t>21</a:t>
             </a:fld>
             <a:endParaRPr lang="en-US" dirty="0"/>
           </a:p>
@@ -6374,7 +6419,7 @@
 </p:sld>
 </file>
 
-<file path=ppt/slides/slide24.xml><?xml version="1.0" encoding="utf-8"?>
+<file path=ppt/slides/slide22.xml><?xml version="1.0" encoding="utf-8"?>
 <p:sld xmlns:a="http://schemas.openxmlformats.org/drawingml/2006/main" xmlns:r="http://schemas.openxmlformats.org/officeDocument/2006/relationships" xmlns:p="http://schemas.openxmlformats.org/presentationml/2006/main">
   <p:cSld>
     <p:spTree>
@@ -6415,7 +6460,7 @@
             <a:fld id="{9EA0BE3B-158A-4EDF-80DC-E394A0D1600F}" type="slidenum">
               <a:rPr lang="en-US" smtClean="0"/>
               <a:pPr/>
-              <a:t>24</a:t>
+              <a:t>22</a:t>
             </a:fld>
             <a:endParaRPr lang="en-US" dirty="0"/>
           </a:p>
@@ -6535,7 +6580,7 @@
 </p:sld>
 </file>
 
-<file path=ppt/slides/slide25.xml><?xml version="1.0" encoding="utf-8"?>
+<file path=ppt/slides/slide23.xml><?xml version="1.0" encoding="utf-8"?>
 <p:sld xmlns:a="http://schemas.openxmlformats.org/drawingml/2006/main" xmlns:r="http://schemas.openxmlformats.org/officeDocument/2006/relationships" xmlns:p="http://schemas.openxmlformats.org/presentationml/2006/main">
   <p:cSld>
     <p:spTree>
@@ -6576,7 +6621,7 @@
             <a:fld id="{9EA0BE3B-158A-4EDF-80DC-E394A0D1600F}" type="slidenum">
               <a:rPr lang="en-US" smtClean="0"/>
               <a:pPr/>
-              <a:t>25</a:t>
+              <a:t>23</a:t>
             </a:fld>
             <a:endParaRPr lang="en-US" dirty="0"/>
           </a:p>
@@ -6682,6 +6727,355 @@
     <p:extLst>
       <p:ext uri="{BB962C8B-B14F-4D97-AF65-F5344CB8AC3E}">
         <p14:creationId xmlns:p14="http://schemas.microsoft.com/office/powerpoint/2010/main" val="762375156"/>
+      </p:ext>
+    </p:extLst>
+  </p:cSld>
+  <p:clrMapOvr>
+    <a:masterClrMapping/>
+  </p:clrMapOvr>
+</p:sld>
+</file>
+
+<file path=ppt/slides/slide24.xml><?xml version="1.0" encoding="utf-8"?>
+<p:sld xmlns:a="http://schemas.openxmlformats.org/drawingml/2006/main" xmlns:r="http://schemas.openxmlformats.org/officeDocument/2006/relationships" xmlns:p="http://schemas.openxmlformats.org/presentationml/2006/main">
+  <p:cSld>
+    <p:spTree>
+      <p:nvGrpSpPr>
+        <p:cNvPr id="1" name=""/>
+        <p:cNvGrpSpPr/>
+        <p:nvPr/>
+      </p:nvGrpSpPr>
+      <p:grpSpPr>
+        <a:xfrm>
+          <a:off x="0" y="0"/>
+          <a:ext cx="0" cy="0"/>
+          <a:chOff x="0" y="0"/>
+          <a:chExt cx="0" cy="0"/>
+        </a:xfrm>
+      </p:grpSpPr>
+      <p:sp>
+        <p:nvSpPr>
+          <p:cNvPr id="2" name="Slide Number Placeholder 1">
+            <a:extLst>
+              <a:ext uri="{FF2B5EF4-FFF2-40B4-BE49-F238E27FC236}">
+                <a16:creationId xmlns:a16="http://schemas.microsoft.com/office/drawing/2014/main" id="{056F4471-7DA2-F5AF-3BDE-B910074B52A0}"/>
+              </a:ext>
+            </a:extLst>
+          </p:cNvPr>
+          <p:cNvSpPr>
+            <a:spLocks noGrp="1"/>
+          </p:cNvSpPr>
+          <p:nvPr>
+            <p:ph type="sldNum" sz="quarter" idx="12"/>
+          </p:nvPr>
+        </p:nvSpPr>
+        <p:spPr/>
+        <p:txBody>
+          <a:bodyPr/>
+          <a:lstStyle/>
+          <a:p>
+            <a:fld id="{9EA0BE3B-158A-4EDF-80DC-E394A0D1600F}" type="slidenum">
+              <a:rPr lang="en-US" smtClean="0"/>
+              <a:pPr/>
+              <a:t>24</a:t>
+            </a:fld>
+            <a:endParaRPr lang="en-US" dirty="0"/>
+          </a:p>
+        </p:txBody>
+      </p:sp>
+      <p:sp>
+        <p:nvSpPr>
+          <p:cNvPr id="5" name="Title 2">
+            <a:extLst>
+              <a:ext uri="{FF2B5EF4-FFF2-40B4-BE49-F238E27FC236}">
+                <a16:creationId xmlns:a16="http://schemas.microsoft.com/office/drawing/2014/main" id="{52D2A919-67F6-B6C6-32A0-279257CC1A6A}"/>
+              </a:ext>
+            </a:extLst>
+          </p:cNvPr>
+          <p:cNvSpPr>
+            <a:spLocks noGrp="1"/>
+          </p:cNvSpPr>
+          <p:nvPr>
+            <p:ph type="title"/>
+          </p:nvPr>
+        </p:nvSpPr>
+        <p:spPr>
+          <a:xfrm>
+            <a:off x="234950" y="79375"/>
+            <a:ext cx="8674100" cy="450850"/>
+          </a:xfrm>
+        </p:spPr>
+        <p:txBody>
+          <a:bodyPr/>
+          <a:lstStyle/>
+          <a:p>
+            <a:r>
+              <a:rPr lang="en-US" dirty="0"/>
+              <a:t>Result and Discussion</a:t>
+            </a:r>
+          </a:p>
+        </p:txBody>
+      </p:sp>
+      <p:pic>
+        <p:nvPicPr>
+          <p:cNvPr id="7" name="Picture 6">
+            <a:extLst>
+              <a:ext uri="{FF2B5EF4-FFF2-40B4-BE49-F238E27FC236}">
+                <a16:creationId xmlns:a16="http://schemas.microsoft.com/office/drawing/2014/main" id="{78F51AAD-3125-F7C1-51CA-B53F2E41B96A}"/>
+              </a:ext>
+            </a:extLst>
+          </p:cNvPr>
+          <p:cNvPicPr>
+            <a:picLocks noChangeAspect="1"/>
+          </p:cNvPicPr>
+          <p:nvPr/>
+        </p:nvPicPr>
+        <p:blipFill>
+          <a:blip r:embed="rId2"/>
+          <a:stretch>
+            <a:fillRect/>
+          </a:stretch>
+        </p:blipFill>
+        <p:spPr>
+          <a:xfrm>
+            <a:off x="678056" y="2218884"/>
+            <a:ext cx="7787887" cy="3062799"/>
+          </a:xfrm>
+          <a:prstGeom prst="rect">
+            <a:avLst/>
+          </a:prstGeom>
+        </p:spPr>
+      </p:pic>
+      <p:sp>
+        <p:nvSpPr>
+          <p:cNvPr id="8" name="TextBox 7">
+            <a:extLst>
+              <a:ext uri="{FF2B5EF4-FFF2-40B4-BE49-F238E27FC236}">
+                <a16:creationId xmlns:a16="http://schemas.microsoft.com/office/drawing/2014/main" id="{5F138FB2-502A-34DD-D980-4DCFF2E91CCF}"/>
+              </a:ext>
+            </a:extLst>
+          </p:cNvPr>
+          <p:cNvSpPr txBox="1"/>
+          <p:nvPr/>
+        </p:nvSpPr>
+        <p:spPr>
+          <a:xfrm>
+            <a:off x="576144" y="1296543"/>
+            <a:ext cx="7999049" cy="430887"/>
+          </a:xfrm>
+          <a:prstGeom prst="rect">
+            <a:avLst/>
+          </a:prstGeom>
+          <a:noFill/>
+        </p:spPr>
+        <p:txBody>
+          <a:bodyPr wrap="none" rtlCol="0">
+            <a:spAutoFit/>
+          </a:bodyPr>
+          <a:lstStyle/>
+          <a:p>
+            <a:pPr algn="ctr"/>
+            <a:r>
+              <a:rPr lang="en-US" sz="2200" dirty="0">
+                <a:latin typeface="Arial" panose="020B0604020202020204" pitchFamily="34" charset="0"/>
+                <a:cs typeface="Arial" panose="020B0604020202020204" pitchFamily="34" charset="0"/>
+              </a:rPr>
+              <a:t>Performance of the MobileNetV3Large in different construction</a:t>
+            </a:r>
+          </a:p>
+        </p:txBody>
+      </p:sp>
+    </p:spTree>
+    <p:extLst>
+      <p:ext uri="{BB962C8B-B14F-4D97-AF65-F5344CB8AC3E}">
+        <p14:creationId xmlns:p14="http://schemas.microsoft.com/office/powerpoint/2010/main" val="2325647775"/>
+      </p:ext>
+    </p:extLst>
+  </p:cSld>
+  <p:clrMapOvr>
+    <a:masterClrMapping/>
+  </p:clrMapOvr>
+</p:sld>
+</file>
+
+<file path=ppt/slides/slide25.xml><?xml version="1.0" encoding="utf-8"?>
+<p:sld xmlns:a="http://schemas.openxmlformats.org/drawingml/2006/main" xmlns:r="http://schemas.openxmlformats.org/officeDocument/2006/relationships" xmlns:p="http://schemas.openxmlformats.org/presentationml/2006/main">
+  <p:cSld>
+    <p:spTree>
+      <p:nvGrpSpPr>
+        <p:cNvPr id="1" name=""/>
+        <p:cNvGrpSpPr/>
+        <p:nvPr/>
+      </p:nvGrpSpPr>
+      <p:grpSpPr>
+        <a:xfrm>
+          <a:off x="0" y="0"/>
+          <a:ext cx="0" cy="0"/>
+          <a:chOff x="0" y="0"/>
+          <a:chExt cx="0" cy="0"/>
+        </a:xfrm>
+      </p:grpSpPr>
+      <p:sp>
+        <p:nvSpPr>
+          <p:cNvPr id="2" name="Slide Number Placeholder 1">
+            <a:extLst>
+              <a:ext uri="{FF2B5EF4-FFF2-40B4-BE49-F238E27FC236}">
+                <a16:creationId xmlns:a16="http://schemas.microsoft.com/office/drawing/2014/main" id="{B407B177-6AC6-8EFD-247E-A073913C17F1}"/>
+              </a:ext>
+            </a:extLst>
+          </p:cNvPr>
+          <p:cNvSpPr>
+            <a:spLocks noGrp="1"/>
+          </p:cNvSpPr>
+          <p:nvPr>
+            <p:ph type="sldNum" sz="quarter" idx="12"/>
+          </p:nvPr>
+        </p:nvSpPr>
+        <p:spPr/>
+        <p:txBody>
+          <a:bodyPr/>
+          <a:lstStyle/>
+          <a:p>
+            <a:fld id="{9EA0BE3B-158A-4EDF-80DC-E394A0D1600F}" type="slidenum">
+              <a:rPr lang="en-US" smtClean="0"/>
+              <a:pPr/>
+              <a:t>25</a:t>
+            </a:fld>
+            <a:endParaRPr lang="en-US" dirty="0"/>
+          </a:p>
+        </p:txBody>
+      </p:sp>
+      <p:sp>
+        <p:nvSpPr>
+          <p:cNvPr id="3" name="Title 2">
+            <a:extLst>
+              <a:ext uri="{FF2B5EF4-FFF2-40B4-BE49-F238E27FC236}">
+                <a16:creationId xmlns:a16="http://schemas.microsoft.com/office/drawing/2014/main" id="{25F9E6AC-4172-0EBF-82A8-D0F7CAC8A2CD}"/>
+              </a:ext>
+            </a:extLst>
+          </p:cNvPr>
+          <p:cNvSpPr>
+            <a:spLocks noGrp="1"/>
+          </p:cNvSpPr>
+          <p:nvPr>
+            <p:ph type="title"/>
+          </p:nvPr>
+        </p:nvSpPr>
+        <p:spPr/>
+        <p:txBody>
+          <a:bodyPr/>
+          <a:lstStyle/>
+          <a:p>
+            <a:r>
+              <a:rPr lang="en-US" dirty="0"/>
+              <a:t>Result and Discussion</a:t>
+            </a:r>
+          </a:p>
+        </p:txBody>
+      </p:sp>
+      <p:pic>
+        <p:nvPicPr>
+          <p:cNvPr id="6" name="Picture 5">
+            <a:extLst>
+              <a:ext uri="{FF2B5EF4-FFF2-40B4-BE49-F238E27FC236}">
+                <a16:creationId xmlns:a16="http://schemas.microsoft.com/office/drawing/2014/main" id="{A7831417-91F2-47DE-ACEF-955B5383F465}"/>
+              </a:ext>
+            </a:extLst>
+          </p:cNvPr>
+          <p:cNvPicPr>
+            <a:picLocks noChangeAspect="1"/>
+          </p:cNvPicPr>
+          <p:nvPr/>
+        </p:nvPicPr>
+        <p:blipFill>
+          <a:blip r:embed="rId2"/>
+          <a:stretch>
+            <a:fillRect/>
+          </a:stretch>
+        </p:blipFill>
+        <p:spPr>
+          <a:xfrm>
+            <a:off x="2783558" y="1628736"/>
+            <a:ext cx="3576884" cy="2127221"/>
+          </a:xfrm>
+          <a:prstGeom prst="rect">
+            <a:avLst/>
+          </a:prstGeom>
+        </p:spPr>
+      </p:pic>
+      <p:pic>
+        <p:nvPicPr>
+          <p:cNvPr id="8" name="Picture 7">
+            <a:extLst>
+              <a:ext uri="{FF2B5EF4-FFF2-40B4-BE49-F238E27FC236}">
+                <a16:creationId xmlns:a16="http://schemas.microsoft.com/office/drawing/2014/main" id="{63D9EA92-65B7-F8E0-4405-61929AFE7E41}"/>
+              </a:ext>
+            </a:extLst>
+          </p:cNvPr>
+          <p:cNvPicPr>
+            <a:picLocks noChangeAspect="1"/>
+          </p:cNvPicPr>
+          <p:nvPr/>
+        </p:nvPicPr>
+        <p:blipFill>
+          <a:blip r:embed="rId3"/>
+          <a:stretch>
+            <a:fillRect/>
+          </a:stretch>
+        </p:blipFill>
+        <p:spPr>
+          <a:xfrm>
+            <a:off x="299789" y="3962847"/>
+            <a:ext cx="8624994" cy="1798093"/>
+          </a:xfrm>
+          <a:prstGeom prst="rect">
+            <a:avLst/>
+          </a:prstGeom>
+        </p:spPr>
+      </p:pic>
+      <p:sp>
+        <p:nvSpPr>
+          <p:cNvPr id="9" name="TextBox 8">
+            <a:extLst>
+              <a:ext uri="{FF2B5EF4-FFF2-40B4-BE49-F238E27FC236}">
+                <a16:creationId xmlns:a16="http://schemas.microsoft.com/office/drawing/2014/main" id="{31529975-63A7-80C9-9F99-2D134093A381}"/>
+              </a:ext>
+            </a:extLst>
+          </p:cNvPr>
+          <p:cNvSpPr txBox="1"/>
+          <p:nvPr/>
+        </p:nvSpPr>
+        <p:spPr>
+          <a:xfrm>
+            <a:off x="376892" y="1094404"/>
+            <a:ext cx="7925568" cy="430887"/>
+          </a:xfrm>
+          <a:prstGeom prst="rect">
+            <a:avLst/>
+          </a:prstGeom>
+          <a:noFill/>
+        </p:spPr>
+        <p:txBody>
+          <a:bodyPr wrap="none" rtlCol="0">
+            <a:spAutoFit/>
+          </a:bodyPr>
+          <a:lstStyle/>
+          <a:p>
+            <a:pPr algn="ctr"/>
+            <a:r>
+              <a:rPr lang="en-US" sz="2200" dirty="0">
+                <a:latin typeface="Arial" panose="020B0604020202020204" pitchFamily="34" charset="0"/>
+                <a:cs typeface="Arial" panose="020B0604020202020204" pitchFamily="34" charset="0"/>
+              </a:rPr>
+              <a:t>Performance of the MobileNetV3Large – the best construction</a:t>
+            </a:r>
+          </a:p>
+        </p:txBody>
+      </p:sp>
+    </p:spTree>
+    <p:extLst>
+      <p:ext uri="{BB962C8B-B14F-4D97-AF65-F5344CB8AC3E}">
+        <p14:creationId xmlns:p14="http://schemas.microsoft.com/office/powerpoint/2010/main" val="2019793400"/>
       </p:ext>
     </p:extLst>
   </p:cSld>
@@ -6713,7 +7107,7 @@
           <p:cNvPr id="2" name="Slide Number Placeholder 1">
             <a:extLst>
               <a:ext uri="{FF2B5EF4-FFF2-40B4-BE49-F238E27FC236}">
-                <a16:creationId xmlns:a16="http://schemas.microsoft.com/office/drawing/2014/main" id="{056F4471-7DA2-F5AF-3BDE-B910074B52A0}"/>
+                <a16:creationId xmlns:a16="http://schemas.microsoft.com/office/drawing/2014/main" id="{CCEF5EB2-101E-37ED-950C-CC9F0BA73E21}"/>
               </a:ext>
             </a:extLst>
           </p:cNvPr>
@@ -6740,10 +7134,10 @@
       </p:sp>
       <p:sp>
         <p:nvSpPr>
-          <p:cNvPr id="5" name="Title 2">
-            <a:extLst>
-              <a:ext uri="{FF2B5EF4-FFF2-40B4-BE49-F238E27FC236}">
-                <a16:creationId xmlns:a16="http://schemas.microsoft.com/office/drawing/2014/main" id="{52D2A919-67F6-B6C6-32A0-279257CC1A6A}"/>
+          <p:cNvPr id="3" name="Title 2">
+            <a:extLst>
+              <a:ext uri="{FF2B5EF4-FFF2-40B4-BE49-F238E27FC236}">
+                <a16:creationId xmlns:a16="http://schemas.microsoft.com/office/drawing/2014/main" id="{CBFDDC36-397B-ABD0-5140-1BC9B40FD573}"/>
               </a:ext>
             </a:extLst>
           </p:cNvPr>
@@ -6754,88 +7148,64 @@
             <p:ph type="title"/>
           </p:nvPr>
         </p:nvSpPr>
-        <p:spPr>
-          <a:xfrm>
-            <a:off x="234950" y="79375"/>
-            <a:ext cx="8674100" cy="450850"/>
-          </a:xfrm>
-        </p:spPr>
+        <p:spPr/>
         <p:txBody>
           <a:bodyPr/>
           <a:lstStyle/>
           <a:p>
             <a:r>
               <a:rPr lang="en-US" dirty="0"/>
-              <a:t>Result and Discussion</a:t>
+              <a:t>Conclusion</a:t>
             </a:r>
           </a:p>
         </p:txBody>
       </p:sp>
-      <p:pic>
-        <p:nvPicPr>
-          <p:cNvPr id="7" name="Picture 6">
-            <a:extLst>
-              <a:ext uri="{FF2B5EF4-FFF2-40B4-BE49-F238E27FC236}">
-                <a16:creationId xmlns:a16="http://schemas.microsoft.com/office/drawing/2014/main" id="{78F51AAD-3125-F7C1-51CA-B53F2E41B96A}"/>
-              </a:ext>
-            </a:extLst>
-          </p:cNvPr>
-          <p:cNvPicPr>
-            <a:picLocks noChangeAspect="1"/>
-          </p:cNvPicPr>
-          <p:nvPr/>
-        </p:nvPicPr>
-        <p:blipFill>
-          <a:blip r:embed="rId2"/>
-          <a:stretch>
-            <a:fillRect/>
-          </a:stretch>
-        </p:blipFill>
-        <p:spPr>
-          <a:xfrm>
-            <a:off x="678056" y="2218884"/>
-            <a:ext cx="7787887" cy="3062799"/>
-          </a:xfrm>
-          <a:prstGeom prst="rect">
-            <a:avLst/>
-          </a:prstGeom>
-        </p:spPr>
-      </p:pic>
       <p:sp>
         <p:nvSpPr>
-          <p:cNvPr id="8" name="TextBox 7">
-            <a:extLst>
-              <a:ext uri="{FF2B5EF4-FFF2-40B4-BE49-F238E27FC236}">
-                <a16:creationId xmlns:a16="http://schemas.microsoft.com/office/drawing/2014/main" id="{5F138FB2-502A-34DD-D980-4DCFF2E91CCF}"/>
-              </a:ext>
-            </a:extLst>
-          </p:cNvPr>
-          <p:cNvSpPr txBox="1"/>
-          <p:nvPr/>
+          <p:cNvPr id="4" name="Content Placeholder 3">
+            <a:extLst>
+              <a:ext uri="{FF2B5EF4-FFF2-40B4-BE49-F238E27FC236}">
+                <a16:creationId xmlns:a16="http://schemas.microsoft.com/office/drawing/2014/main" id="{0D45E0A3-56C8-4174-B223-D4BBCC20C489}"/>
+              </a:ext>
+            </a:extLst>
+          </p:cNvPr>
+          <p:cNvSpPr>
+            <a:spLocks noGrp="1"/>
+          </p:cNvSpPr>
+          <p:nvPr>
+            <p:ph sz="quarter" idx="13"/>
+          </p:nvPr>
         </p:nvSpPr>
-        <p:spPr>
-          <a:xfrm>
-            <a:off x="576144" y="1296543"/>
-            <a:ext cx="7999049" cy="430887"/>
-          </a:xfrm>
-          <a:prstGeom prst="rect">
-            <a:avLst/>
-          </a:prstGeom>
-          <a:noFill/>
-        </p:spPr>
+        <p:spPr/>
         <p:txBody>
-          <a:bodyPr wrap="none" rtlCol="0">
-            <a:spAutoFit/>
-          </a:bodyPr>
+          <a:bodyPr/>
           <a:lstStyle/>
           <a:p>
-            <a:pPr algn="ctr"/>
-            <a:r>
-              <a:rPr lang="en-US" sz="2200" dirty="0">
-                <a:latin typeface="Arial" panose="020B0604020202020204" pitchFamily="34" charset="0"/>
-                <a:cs typeface="Arial" panose="020B0604020202020204" pitchFamily="34" charset="0"/>
-              </a:rPr>
-              <a:t>Performance of the MobileNetV3Large in different construction</a:t>
+            <a:pPr algn="just"/>
+            <a:r>
+              <a:rPr lang="en-US" dirty="0"/>
+              <a:t>Metadata improves the model performance but also reduces the balance of the model. </a:t>
+            </a:r>
+          </a:p>
+          <a:p>
+            <a:pPr algn="just"/>
+            <a:r>
+              <a:rPr lang="en-US" dirty="0"/>
+              <a:t>The new weight loss function improve the model performance as well as make the model classify in a balanced way.</a:t>
+            </a:r>
+          </a:p>
+          <a:p>
+            <a:pPr algn="just"/>
+            <a:r>
+              <a:rPr lang="en-US" dirty="0"/>
+              <a:t>Augmented data make the model become more biased.</a:t>
+            </a:r>
+          </a:p>
+          <a:p>
+            <a:pPr algn="just"/>
+            <a:r>
+              <a:rPr lang="en-US" dirty="0"/>
+              <a:t>The combination of mobile-based mobile and Soft Attention has an outstanding performance on HAM100000. </a:t>
             </a:r>
           </a:p>
         </p:txBody>
@@ -6843,7 +7213,7 @@
     </p:spTree>
     <p:extLst>
       <p:ext uri="{BB962C8B-B14F-4D97-AF65-F5344CB8AC3E}">
-        <p14:creationId xmlns:p14="http://schemas.microsoft.com/office/powerpoint/2010/main" val="2325647775"/>
+        <p14:creationId xmlns:p14="http://schemas.microsoft.com/office/powerpoint/2010/main" val="209470748"/>
       </p:ext>
     </p:extLst>
   </p:cSld>
@@ -6875,7 +7245,7 @@
           <p:cNvPr id="2" name="Slide Number Placeholder 1">
             <a:extLst>
               <a:ext uri="{FF2B5EF4-FFF2-40B4-BE49-F238E27FC236}">
-                <a16:creationId xmlns:a16="http://schemas.microsoft.com/office/drawing/2014/main" id="{B407B177-6AC6-8EFD-247E-A073913C17F1}"/>
+                <a16:creationId xmlns:a16="http://schemas.microsoft.com/office/drawing/2014/main" id="{DA37B5C8-2095-4D2D-97FE-E4E8D89379E1}"/>
               </a:ext>
             </a:extLst>
           </p:cNvPr>
@@ -6895,331 +7265,6 @@
               <a:rPr lang="en-US" smtClean="0"/>
               <a:pPr/>
               <a:t>27</a:t>
-            </a:fld>
-            <a:endParaRPr lang="en-US" dirty="0"/>
-          </a:p>
-        </p:txBody>
-      </p:sp>
-      <p:sp>
-        <p:nvSpPr>
-          <p:cNvPr id="3" name="Title 2">
-            <a:extLst>
-              <a:ext uri="{FF2B5EF4-FFF2-40B4-BE49-F238E27FC236}">
-                <a16:creationId xmlns:a16="http://schemas.microsoft.com/office/drawing/2014/main" id="{25F9E6AC-4172-0EBF-82A8-D0F7CAC8A2CD}"/>
-              </a:ext>
-            </a:extLst>
-          </p:cNvPr>
-          <p:cNvSpPr>
-            <a:spLocks noGrp="1"/>
-          </p:cNvSpPr>
-          <p:nvPr>
-            <p:ph type="title"/>
-          </p:nvPr>
-        </p:nvSpPr>
-        <p:spPr/>
-        <p:txBody>
-          <a:bodyPr/>
-          <a:lstStyle/>
-          <a:p>
-            <a:r>
-              <a:rPr lang="en-US" dirty="0"/>
-              <a:t>Result and Discussion</a:t>
-            </a:r>
-          </a:p>
-        </p:txBody>
-      </p:sp>
-      <p:pic>
-        <p:nvPicPr>
-          <p:cNvPr id="6" name="Picture 5">
-            <a:extLst>
-              <a:ext uri="{FF2B5EF4-FFF2-40B4-BE49-F238E27FC236}">
-                <a16:creationId xmlns:a16="http://schemas.microsoft.com/office/drawing/2014/main" id="{A7831417-91F2-47DE-ACEF-955B5383F465}"/>
-              </a:ext>
-            </a:extLst>
-          </p:cNvPr>
-          <p:cNvPicPr>
-            <a:picLocks noChangeAspect="1"/>
-          </p:cNvPicPr>
-          <p:nvPr/>
-        </p:nvPicPr>
-        <p:blipFill>
-          <a:blip r:embed="rId2"/>
-          <a:stretch>
-            <a:fillRect/>
-          </a:stretch>
-        </p:blipFill>
-        <p:spPr>
-          <a:xfrm>
-            <a:off x="2783558" y="1628736"/>
-            <a:ext cx="3576884" cy="2127221"/>
-          </a:xfrm>
-          <a:prstGeom prst="rect">
-            <a:avLst/>
-          </a:prstGeom>
-        </p:spPr>
-      </p:pic>
-      <p:pic>
-        <p:nvPicPr>
-          <p:cNvPr id="8" name="Picture 7">
-            <a:extLst>
-              <a:ext uri="{FF2B5EF4-FFF2-40B4-BE49-F238E27FC236}">
-                <a16:creationId xmlns:a16="http://schemas.microsoft.com/office/drawing/2014/main" id="{63D9EA92-65B7-F8E0-4405-61929AFE7E41}"/>
-              </a:ext>
-            </a:extLst>
-          </p:cNvPr>
-          <p:cNvPicPr>
-            <a:picLocks noChangeAspect="1"/>
-          </p:cNvPicPr>
-          <p:nvPr/>
-        </p:nvPicPr>
-        <p:blipFill>
-          <a:blip r:embed="rId3"/>
-          <a:stretch>
-            <a:fillRect/>
-          </a:stretch>
-        </p:blipFill>
-        <p:spPr>
-          <a:xfrm>
-            <a:off x="299789" y="3962847"/>
-            <a:ext cx="8624994" cy="1798093"/>
-          </a:xfrm>
-          <a:prstGeom prst="rect">
-            <a:avLst/>
-          </a:prstGeom>
-        </p:spPr>
-      </p:pic>
-      <p:sp>
-        <p:nvSpPr>
-          <p:cNvPr id="9" name="TextBox 8">
-            <a:extLst>
-              <a:ext uri="{FF2B5EF4-FFF2-40B4-BE49-F238E27FC236}">
-                <a16:creationId xmlns:a16="http://schemas.microsoft.com/office/drawing/2014/main" id="{31529975-63A7-80C9-9F99-2D134093A381}"/>
-              </a:ext>
-            </a:extLst>
-          </p:cNvPr>
-          <p:cNvSpPr txBox="1"/>
-          <p:nvPr/>
-        </p:nvSpPr>
-        <p:spPr>
-          <a:xfrm>
-            <a:off x="376892" y="1094404"/>
-            <a:ext cx="7925568" cy="430887"/>
-          </a:xfrm>
-          <a:prstGeom prst="rect">
-            <a:avLst/>
-          </a:prstGeom>
-          <a:noFill/>
-        </p:spPr>
-        <p:txBody>
-          <a:bodyPr wrap="none" rtlCol="0">
-            <a:spAutoFit/>
-          </a:bodyPr>
-          <a:lstStyle/>
-          <a:p>
-            <a:pPr algn="ctr"/>
-            <a:r>
-              <a:rPr lang="en-US" sz="2200" dirty="0">
-                <a:latin typeface="Arial" panose="020B0604020202020204" pitchFamily="34" charset="0"/>
-                <a:cs typeface="Arial" panose="020B0604020202020204" pitchFamily="34" charset="0"/>
-              </a:rPr>
-              <a:t>Performance of the MobileNetV3Large – the best construction</a:t>
-            </a:r>
-          </a:p>
-        </p:txBody>
-      </p:sp>
-    </p:spTree>
-    <p:extLst>
-      <p:ext uri="{BB962C8B-B14F-4D97-AF65-F5344CB8AC3E}">
-        <p14:creationId xmlns:p14="http://schemas.microsoft.com/office/powerpoint/2010/main" val="2019793400"/>
-      </p:ext>
-    </p:extLst>
-  </p:cSld>
-  <p:clrMapOvr>
-    <a:masterClrMapping/>
-  </p:clrMapOvr>
-</p:sld>
-</file>
-
-<file path=ppt/slides/slide28.xml><?xml version="1.0" encoding="utf-8"?>
-<p:sld xmlns:a="http://schemas.openxmlformats.org/drawingml/2006/main" xmlns:r="http://schemas.openxmlformats.org/officeDocument/2006/relationships" xmlns:p="http://schemas.openxmlformats.org/presentationml/2006/main">
-  <p:cSld>
-    <p:spTree>
-      <p:nvGrpSpPr>
-        <p:cNvPr id="1" name=""/>
-        <p:cNvGrpSpPr/>
-        <p:nvPr/>
-      </p:nvGrpSpPr>
-      <p:grpSpPr>
-        <a:xfrm>
-          <a:off x="0" y="0"/>
-          <a:ext cx="0" cy="0"/>
-          <a:chOff x="0" y="0"/>
-          <a:chExt cx="0" cy="0"/>
-        </a:xfrm>
-      </p:grpSpPr>
-      <p:sp>
-        <p:nvSpPr>
-          <p:cNvPr id="2" name="Slide Number Placeholder 1">
-            <a:extLst>
-              <a:ext uri="{FF2B5EF4-FFF2-40B4-BE49-F238E27FC236}">
-                <a16:creationId xmlns:a16="http://schemas.microsoft.com/office/drawing/2014/main" id="{CCEF5EB2-101E-37ED-950C-CC9F0BA73E21}"/>
-              </a:ext>
-            </a:extLst>
-          </p:cNvPr>
-          <p:cNvSpPr>
-            <a:spLocks noGrp="1"/>
-          </p:cNvSpPr>
-          <p:nvPr>
-            <p:ph type="sldNum" sz="quarter" idx="12"/>
-          </p:nvPr>
-        </p:nvSpPr>
-        <p:spPr/>
-        <p:txBody>
-          <a:bodyPr/>
-          <a:lstStyle/>
-          <a:p>
-            <a:fld id="{9EA0BE3B-158A-4EDF-80DC-E394A0D1600F}" type="slidenum">
-              <a:rPr lang="en-US" smtClean="0"/>
-              <a:pPr/>
-              <a:t>28</a:t>
-            </a:fld>
-            <a:endParaRPr lang="en-US" dirty="0"/>
-          </a:p>
-        </p:txBody>
-      </p:sp>
-      <p:sp>
-        <p:nvSpPr>
-          <p:cNvPr id="3" name="Title 2">
-            <a:extLst>
-              <a:ext uri="{FF2B5EF4-FFF2-40B4-BE49-F238E27FC236}">
-                <a16:creationId xmlns:a16="http://schemas.microsoft.com/office/drawing/2014/main" id="{CBFDDC36-397B-ABD0-5140-1BC9B40FD573}"/>
-              </a:ext>
-            </a:extLst>
-          </p:cNvPr>
-          <p:cNvSpPr>
-            <a:spLocks noGrp="1"/>
-          </p:cNvSpPr>
-          <p:nvPr>
-            <p:ph type="title"/>
-          </p:nvPr>
-        </p:nvSpPr>
-        <p:spPr/>
-        <p:txBody>
-          <a:bodyPr/>
-          <a:lstStyle/>
-          <a:p>
-            <a:r>
-              <a:rPr lang="en-US" dirty="0"/>
-              <a:t>Conclusion</a:t>
-            </a:r>
-          </a:p>
-        </p:txBody>
-      </p:sp>
-      <p:sp>
-        <p:nvSpPr>
-          <p:cNvPr id="4" name="Content Placeholder 3">
-            <a:extLst>
-              <a:ext uri="{FF2B5EF4-FFF2-40B4-BE49-F238E27FC236}">
-                <a16:creationId xmlns:a16="http://schemas.microsoft.com/office/drawing/2014/main" id="{0D45E0A3-56C8-4174-B223-D4BBCC20C489}"/>
-              </a:ext>
-            </a:extLst>
-          </p:cNvPr>
-          <p:cNvSpPr>
-            <a:spLocks noGrp="1"/>
-          </p:cNvSpPr>
-          <p:nvPr>
-            <p:ph sz="quarter" idx="13"/>
-          </p:nvPr>
-        </p:nvSpPr>
-        <p:spPr/>
-        <p:txBody>
-          <a:bodyPr/>
-          <a:lstStyle/>
-          <a:p>
-            <a:pPr algn="just"/>
-            <a:r>
-              <a:rPr lang="en-US" dirty="0"/>
-              <a:t>Metadata improves the model performance but also reduces the balance of the model. </a:t>
-            </a:r>
-          </a:p>
-          <a:p>
-            <a:pPr algn="just"/>
-            <a:r>
-              <a:rPr lang="en-US" dirty="0"/>
-              <a:t>The new weight loss function improve the model performance as well as make the model classify in a balanced way.</a:t>
-            </a:r>
-          </a:p>
-          <a:p>
-            <a:pPr algn="just"/>
-            <a:r>
-              <a:rPr lang="en-US" dirty="0"/>
-              <a:t>Augmented data make the model become more biased.</a:t>
-            </a:r>
-          </a:p>
-          <a:p>
-            <a:pPr algn="just"/>
-            <a:r>
-              <a:rPr lang="en-US" dirty="0"/>
-              <a:t>The combination of mobile-based mobile and Soft Attention has an outstanding performance on HAM100000. </a:t>
-            </a:r>
-          </a:p>
-        </p:txBody>
-      </p:sp>
-    </p:spTree>
-    <p:extLst>
-      <p:ext uri="{BB962C8B-B14F-4D97-AF65-F5344CB8AC3E}">
-        <p14:creationId xmlns:p14="http://schemas.microsoft.com/office/powerpoint/2010/main" val="209470748"/>
-      </p:ext>
-    </p:extLst>
-  </p:cSld>
-  <p:clrMapOvr>
-    <a:masterClrMapping/>
-  </p:clrMapOvr>
-</p:sld>
-</file>
-
-<file path=ppt/slides/slide29.xml><?xml version="1.0" encoding="utf-8"?>
-<p:sld xmlns:a="http://schemas.openxmlformats.org/drawingml/2006/main" xmlns:r="http://schemas.openxmlformats.org/officeDocument/2006/relationships" xmlns:p="http://schemas.openxmlformats.org/presentationml/2006/main">
-  <p:cSld>
-    <p:spTree>
-      <p:nvGrpSpPr>
-        <p:cNvPr id="1" name=""/>
-        <p:cNvGrpSpPr/>
-        <p:nvPr/>
-      </p:nvGrpSpPr>
-      <p:grpSpPr>
-        <a:xfrm>
-          <a:off x="0" y="0"/>
-          <a:ext cx="0" cy="0"/>
-          <a:chOff x="0" y="0"/>
-          <a:chExt cx="0" cy="0"/>
-        </a:xfrm>
-      </p:grpSpPr>
-      <p:sp>
-        <p:nvSpPr>
-          <p:cNvPr id="2" name="Slide Number Placeholder 1">
-            <a:extLst>
-              <a:ext uri="{FF2B5EF4-FFF2-40B4-BE49-F238E27FC236}">
-                <a16:creationId xmlns:a16="http://schemas.microsoft.com/office/drawing/2014/main" id="{DA37B5C8-2095-4D2D-97FE-E4E8D89379E1}"/>
-              </a:ext>
-            </a:extLst>
-          </p:cNvPr>
-          <p:cNvSpPr>
-            <a:spLocks noGrp="1"/>
-          </p:cNvSpPr>
-          <p:nvPr>
-            <p:ph type="sldNum" sz="quarter" idx="12"/>
-          </p:nvPr>
-        </p:nvSpPr>
-        <p:spPr/>
-        <p:txBody>
-          <a:bodyPr/>
-          <a:lstStyle/>
-          <a:p>
-            <a:fld id="{9EA0BE3B-158A-4EDF-80DC-E394A0D1600F}" type="slidenum">
-              <a:rPr lang="en-US" smtClean="0"/>
-              <a:pPr/>
-              <a:t>29</a:t>
             </a:fld>
             <a:endParaRPr lang="en-US" dirty="0"/>
           </a:p>
@@ -7307,255 +7352,6 @@
           <a:chExt cx="0" cy="0"/>
         </a:xfrm>
       </p:grpSpPr>
-      <p:pic>
-        <p:nvPicPr>
-          <p:cNvPr id="10" name="Picture 3" descr="Text&#10;&#10;Description automatically generated">
-            <a:extLst>
-              <a:ext uri="{FF2B5EF4-FFF2-40B4-BE49-F238E27FC236}">
-                <a16:creationId xmlns:a16="http://schemas.microsoft.com/office/drawing/2014/main" id="{67FB4AA9-E9AF-4CE0-A0DC-99D795289003}"/>
-              </a:ext>
-            </a:extLst>
-          </p:cNvPr>
-          <p:cNvPicPr>
-            <a:picLocks noChangeAspect="1"/>
-          </p:cNvPicPr>
-          <p:nvPr/>
-        </p:nvPicPr>
-        <p:blipFill>
-          <a:blip r:embed="rId2">
-            <a:extLst>
-              <a:ext uri="{28A0092B-C50C-407E-A947-70E740481C1C}">
-                <a14:useLocalDpi xmlns:a14="http://schemas.microsoft.com/office/drawing/2010/main" val="0"/>
-              </a:ext>
-            </a:extLst>
-          </a:blip>
-          <a:stretch>
-            <a:fillRect/>
-          </a:stretch>
-        </p:blipFill>
-        <p:spPr>
-          <a:xfrm>
-            <a:off x="413012" y="317038"/>
-            <a:ext cx="2576374" cy="936215"/>
-          </a:xfrm>
-          <a:prstGeom prst="rect">
-            <a:avLst/>
-          </a:prstGeom>
-        </p:spPr>
-      </p:pic>
-      <p:sp>
-        <p:nvSpPr>
-          <p:cNvPr id="11" name="Title 6">
-            <a:extLst>
-              <a:ext uri="{FF2B5EF4-FFF2-40B4-BE49-F238E27FC236}">
-                <a16:creationId xmlns:a16="http://schemas.microsoft.com/office/drawing/2014/main" id="{FF8BDF70-CFA6-4031-86B7-31F910D8115D}"/>
-              </a:ext>
-            </a:extLst>
-          </p:cNvPr>
-          <p:cNvSpPr txBox="1">
-            <a:spLocks/>
-          </p:cNvSpPr>
-          <p:nvPr/>
-        </p:nvSpPr>
-        <p:spPr>
-          <a:xfrm>
-            <a:off x="413012" y="2421636"/>
-            <a:ext cx="7584576" cy="1331924"/>
-          </a:xfrm>
-          <a:prstGeom prst="rect">
-            <a:avLst/>
-          </a:prstGeom>
-        </p:spPr>
-        <p:txBody>
-          <a:bodyPr/>
-          <a:lstStyle>
-            <a:lvl1pPr algn="l" defTabSz="914400" rtl="0" eaLnBrk="1" latinLnBrk="0" hangingPunct="1">
-              <a:lnSpc>
-                <a:spcPct val="90000"/>
-              </a:lnSpc>
-              <a:spcBef>
-                <a:spcPct val="0"/>
-              </a:spcBef>
-              <a:buNone/>
-              <a:defRPr sz="5400" b="1" kern="1200">
-                <a:solidFill>
-                  <a:srgbClr val="C00000"/>
-                </a:solidFill>
-                <a:latin typeface="Lato" panose="020F0502020204030203" pitchFamily="34" charset="0"/>
-                <a:ea typeface="Lato" panose="020F0502020204030203" pitchFamily="34" charset="0"/>
-                <a:cs typeface="Lato" panose="020F0502020204030203" pitchFamily="34" charset="0"/>
-              </a:defRPr>
-            </a:lvl1pPr>
-          </a:lstStyle>
-          <a:p>
-            <a:r>
-              <a:rPr lang="en-US" sz="3000" dirty="0">
-                <a:latin typeface="Arial" panose="020B0604020202020204" pitchFamily="34" charset="0"/>
-                <a:cs typeface="Arial" panose="020B0604020202020204" pitchFamily="34" charset="0"/>
-              </a:rPr>
-              <a:t>DIAGNOSIS SUPPORT OF SKIN LESION CLASSIFICATION USING CNN AND SOFT ATTENTION</a:t>
-            </a:r>
-          </a:p>
-        </p:txBody>
-      </p:sp>
-      <p:sp>
-        <p:nvSpPr>
-          <p:cNvPr id="12" name="Title 6">
-            <a:extLst>
-              <a:ext uri="{FF2B5EF4-FFF2-40B4-BE49-F238E27FC236}">
-                <a16:creationId xmlns:a16="http://schemas.microsoft.com/office/drawing/2014/main" id="{A4ACF486-B7D8-4A5A-B633-83527A2F99E2}"/>
-              </a:ext>
-            </a:extLst>
-          </p:cNvPr>
-          <p:cNvSpPr txBox="1">
-            <a:spLocks/>
-          </p:cNvSpPr>
-          <p:nvPr/>
-        </p:nvSpPr>
-        <p:spPr>
-          <a:xfrm>
-            <a:off x="413012" y="3567622"/>
-            <a:ext cx="7342482" cy="1331924"/>
-          </a:xfrm>
-          <a:prstGeom prst="rect">
-            <a:avLst/>
-          </a:prstGeom>
-        </p:spPr>
-        <p:txBody>
-          <a:bodyPr/>
-          <a:lstStyle>
-            <a:lvl1pPr algn="l" defTabSz="914400" rtl="0" eaLnBrk="1" latinLnBrk="0" hangingPunct="1">
-              <a:lnSpc>
-                <a:spcPct val="90000"/>
-              </a:lnSpc>
-              <a:spcBef>
-                <a:spcPct val="0"/>
-              </a:spcBef>
-              <a:buNone/>
-              <a:defRPr sz="5400" b="1" kern="1200">
-                <a:solidFill>
-                  <a:srgbClr val="C00000"/>
-                </a:solidFill>
-                <a:latin typeface="Lato" panose="020F0502020204030203" pitchFamily="34" charset="0"/>
-                <a:ea typeface="Lato" panose="020F0502020204030203" pitchFamily="34" charset="0"/>
-                <a:cs typeface="Lato" panose="020F0502020204030203" pitchFamily="34" charset="0"/>
-              </a:defRPr>
-            </a:lvl1pPr>
-          </a:lstStyle>
-          <a:p>
-            <a:endParaRPr lang="en-US" sz="2800" b="0" dirty="0"/>
-          </a:p>
-          <a:p>
-            <a:r>
-              <a:rPr lang="en-US" sz="2400" b="0" dirty="0" err="1"/>
-              <a:t>Đỗ</a:t>
-            </a:r>
-            <a:r>
-              <a:rPr lang="en-US" sz="2400" b="0" dirty="0"/>
-              <a:t> </a:t>
-            </a:r>
-            <a:r>
-              <a:rPr lang="en-US" sz="2400" b="0" dirty="0" err="1"/>
-              <a:t>Hoàng</a:t>
-            </a:r>
-            <a:r>
-              <a:rPr lang="en-US" sz="2400" b="0" dirty="0"/>
-              <a:t> </a:t>
-            </a:r>
-            <a:r>
-              <a:rPr lang="en-US" sz="2400" b="0" dirty="0" err="1"/>
-              <a:t>Khôi</a:t>
-            </a:r>
-            <a:r>
-              <a:rPr lang="en-US" sz="2400" b="0" dirty="0"/>
-              <a:t> – 20200332 – CTTT </a:t>
-            </a:r>
-            <a:r>
-              <a:rPr lang="en-US" sz="2400" b="0" dirty="0" err="1"/>
-              <a:t>Điện</a:t>
-            </a:r>
-            <a:r>
-              <a:rPr lang="en-US" sz="2400" b="0" dirty="0"/>
-              <a:t> </a:t>
-            </a:r>
-            <a:r>
-              <a:rPr lang="en-US" sz="2400" b="0" dirty="0" err="1"/>
-              <a:t>tử</a:t>
-            </a:r>
-            <a:r>
-              <a:rPr lang="en-US" sz="2400" b="0" dirty="0"/>
-              <a:t> 01</a:t>
-            </a:r>
-            <a:r>
-              <a:rPr lang="en-US" sz="2800" b="0" dirty="0"/>
-              <a:t>.</a:t>
-            </a:r>
-          </a:p>
-          <a:p>
-            <a:r>
-              <a:rPr lang="en-US" sz="2400" b="0" dirty="0"/>
-              <a:t>TS. </a:t>
-            </a:r>
-            <a:r>
-              <a:rPr lang="en-US" sz="2400" b="0" dirty="0" err="1"/>
-              <a:t>Nguyễn</a:t>
-            </a:r>
-            <a:r>
-              <a:rPr lang="en-US" sz="2400" b="0" dirty="0"/>
-              <a:t> </a:t>
-            </a:r>
-            <a:r>
-              <a:rPr lang="en-US" sz="2400" b="0" dirty="0" err="1"/>
-              <a:t>Việt</a:t>
-            </a:r>
-            <a:r>
-              <a:rPr lang="en-US" sz="2400" b="0" dirty="0"/>
-              <a:t> </a:t>
-            </a:r>
-            <a:r>
-              <a:rPr lang="en-US" sz="2400" b="0" dirty="0" err="1"/>
-              <a:t>Dũng</a:t>
-            </a:r>
-            <a:endParaRPr lang="en-US" sz="2400" b="0" dirty="0"/>
-          </a:p>
-          <a:p>
-            <a:endParaRPr lang="en-US" sz="2800" b="0" dirty="0"/>
-          </a:p>
-          <a:p>
-            <a:endParaRPr lang="en-US" sz="2800" b="0" dirty="0"/>
-          </a:p>
-        </p:txBody>
-      </p:sp>
-    </p:spTree>
-    <p:extLst>
-      <p:ext uri="{BB962C8B-B14F-4D97-AF65-F5344CB8AC3E}">
-        <p14:creationId xmlns:p14="http://schemas.microsoft.com/office/powerpoint/2010/main" val="743172911"/>
-      </p:ext>
-    </p:extLst>
-  </p:cSld>
-  <p:clrMapOvr>
-    <a:masterClrMapping/>
-  </p:clrMapOvr>
-</p:sld>
-</file>
-
-<file path=ppt/slides/slide4.xml><?xml version="1.0" encoding="utf-8"?>
-<p:sld xmlns:a="http://schemas.openxmlformats.org/drawingml/2006/main" xmlns:r="http://schemas.openxmlformats.org/officeDocument/2006/relationships" xmlns:p="http://schemas.openxmlformats.org/presentationml/2006/main">
-  <p:cSld>
-    <p:spTree>
-      <p:nvGrpSpPr>
-        <p:cNvPr id="1" name=""/>
-        <p:cNvGrpSpPr/>
-        <p:nvPr/>
-      </p:nvGrpSpPr>
-      <p:grpSpPr>
-        <a:xfrm>
-          <a:off x="0" y="0"/>
-          <a:ext cx="0" cy="0"/>
-          <a:chOff x="0" y="0"/>
-          <a:chExt cx="0" cy="0"/>
-        </a:xfrm>
-      </p:grpSpPr>
       <p:sp>
         <p:nvSpPr>
           <p:cNvPr id="2" name="Slide Number Placeholder 1">
@@ -7580,233 +7376,7 @@
             <a:fld id="{9EA0BE3B-158A-4EDF-80DC-E394A0D1600F}" type="slidenum">
               <a:rPr lang="en-US" smtClean="0"/>
               <a:pPr/>
-              <a:t>4</a:t>
-            </a:fld>
-            <a:endParaRPr lang="en-US" dirty="0"/>
-          </a:p>
-        </p:txBody>
-      </p:sp>
-      <p:sp>
-        <p:nvSpPr>
-          <p:cNvPr id="3" name="Title 2">
-            <a:extLst>
-              <a:ext uri="{FF2B5EF4-FFF2-40B4-BE49-F238E27FC236}">
-                <a16:creationId xmlns:a16="http://schemas.microsoft.com/office/drawing/2014/main" id="{9EF27CAA-32BA-4E6B-B8C0-1A481E08E81D}"/>
-              </a:ext>
-            </a:extLst>
-          </p:cNvPr>
-          <p:cNvSpPr>
-            <a:spLocks noGrp="1"/>
-          </p:cNvSpPr>
-          <p:nvPr>
-            <p:ph type="title"/>
-          </p:nvPr>
-        </p:nvSpPr>
-        <p:spPr/>
-        <p:txBody>
-          <a:bodyPr/>
-          <a:lstStyle/>
-          <a:p>
-            <a:r>
-              <a:rPr lang="en-US" dirty="0"/>
-              <a:t>Problem Statement</a:t>
-            </a:r>
-          </a:p>
-        </p:txBody>
-      </p:sp>
-      <p:sp>
-        <p:nvSpPr>
-          <p:cNvPr id="7" name="Oval 6">
-            <a:extLst>
-              <a:ext uri="{FF2B5EF4-FFF2-40B4-BE49-F238E27FC236}">
-                <a16:creationId xmlns:a16="http://schemas.microsoft.com/office/drawing/2014/main" id="{A2629779-9614-FE93-E3F4-3C7340F5D4A0}"/>
-              </a:ext>
-            </a:extLst>
-          </p:cNvPr>
-          <p:cNvSpPr/>
-          <p:nvPr/>
-        </p:nvSpPr>
-        <p:spPr>
-          <a:xfrm>
-            <a:off x="518613" y="1823682"/>
-            <a:ext cx="3234521" cy="3210636"/>
-          </a:xfrm>
-          <a:prstGeom prst="ellipse">
-            <a:avLst/>
-          </a:prstGeom>
-        </p:spPr>
-        <p:style>
-          <a:lnRef idx="2">
-            <a:schemeClr val="accent1">
-              <a:shade val="50000"/>
-            </a:schemeClr>
-          </a:lnRef>
-          <a:fillRef idx="1">
-            <a:schemeClr val="accent1"/>
-          </a:fillRef>
-          <a:effectRef idx="0">
-            <a:schemeClr val="accent1"/>
-          </a:effectRef>
-          <a:fontRef idx="minor">
-            <a:schemeClr val="lt1"/>
-          </a:fontRef>
-        </p:style>
-        <p:txBody>
-          <a:bodyPr rtlCol="0" anchor="ctr"/>
-          <a:lstStyle/>
-          <a:p>
-            <a:pPr algn="ctr"/>
-            <a:r>
-              <a:rPr lang="en-US" sz="3500" dirty="0">
-                <a:latin typeface="Arial" panose="020B0604020202020204" pitchFamily="34" charset="0"/>
-                <a:cs typeface="Arial" panose="020B0604020202020204" pitchFamily="34" charset="0"/>
-              </a:rPr>
-              <a:t>9,500</a:t>
-            </a:r>
-            <a:r>
-              <a:rPr lang="en-US" dirty="0">
-                <a:latin typeface="Arial" panose="020B0604020202020204" pitchFamily="34" charset="0"/>
-                <a:cs typeface="Arial" panose="020B0604020202020204" pitchFamily="34" charset="0"/>
-              </a:rPr>
-              <a:t> </a:t>
-            </a:r>
-          </a:p>
-          <a:p>
-            <a:pPr algn="ctr"/>
-            <a:r>
-              <a:rPr lang="en-US" dirty="0">
-                <a:latin typeface="Arial" panose="020B0604020202020204" pitchFamily="34" charset="0"/>
-                <a:cs typeface="Arial" panose="020B0604020202020204" pitchFamily="34" charset="0"/>
-              </a:rPr>
-              <a:t>people are diagnosed with skin cancer each day in the US</a:t>
-            </a:r>
-          </a:p>
-        </p:txBody>
-      </p:sp>
-      <p:sp>
-        <p:nvSpPr>
-          <p:cNvPr id="9" name="Oval 8">
-            <a:extLst>
-              <a:ext uri="{FF2B5EF4-FFF2-40B4-BE49-F238E27FC236}">
-                <a16:creationId xmlns:a16="http://schemas.microsoft.com/office/drawing/2014/main" id="{18565DDE-1E97-A241-87CC-C2ACC3A3C89F}"/>
-              </a:ext>
-            </a:extLst>
-          </p:cNvPr>
-          <p:cNvSpPr/>
-          <p:nvPr/>
-        </p:nvSpPr>
-        <p:spPr>
-          <a:xfrm>
-            <a:off x="5322627" y="1806622"/>
-            <a:ext cx="3234521" cy="3210636"/>
-          </a:xfrm>
-          <a:prstGeom prst="ellipse">
-            <a:avLst/>
-          </a:prstGeom>
-        </p:spPr>
-        <p:style>
-          <a:lnRef idx="2">
-            <a:schemeClr val="accent1">
-              <a:shade val="50000"/>
-            </a:schemeClr>
-          </a:lnRef>
-          <a:fillRef idx="1">
-            <a:schemeClr val="accent1"/>
-          </a:fillRef>
-          <a:effectRef idx="0">
-            <a:schemeClr val="accent1"/>
-          </a:effectRef>
-          <a:fontRef idx="minor">
-            <a:schemeClr val="lt1"/>
-          </a:fontRef>
-        </p:style>
-        <p:txBody>
-          <a:bodyPr rtlCol="0" anchor="ctr"/>
-          <a:lstStyle/>
-          <a:p>
-            <a:pPr algn="ctr"/>
-            <a:r>
-              <a:rPr lang="en-US" sz="3500" dirty="0">
-                <a:latin typeface="Arial" panose="020B0604020202020204" pitchFamily="34" charset="0"/>
-                <a:cs typeface="Arial" panose="020B0604020202020204" pitchFamily="34" charset="0"/>
-              </a:rPr>
-              <a:t>3,600,000</a:t>
-            </a:r>
-            <a:r>
-              <a:rPr lang="en-US" dirty="0">
-                <a:latin typeface="Arial" panose="020B0604020202020204" pitchFamily="34" charset="0"/>
-                <a:cs typeface="Arial" panose="020B0604020202020204" pitchFamily="34" charset="0"/>
-              </a:rPr>
-              <a:t> </a:t>
-            </a:r>
-          </a:p>
-          <a:p>
-            <a:pPr algn="ctr"/>
-            <a:r>
-              <a:rPr lang="en-US" dirty="0">
-                <a:latin typeface="Arial" panose="020B0604020202020204" pitchFamily="34" charset="0"/>
-                <a:cs typeface="Arial" panose="020B0604020202020204" pitchFamily="34" charset="0"/>
-              </a:rPr>
-              <a:t>People diagnosed with basal cell skin each year.</a:t>
-            </a:r>
-          </a:p>
-        </p:txBody>
-      </p:sp>
-    </p:spTree>
-    <p:extLst>
-      <p:ext uri="{BB962C8B-B14F-4D97-AF65-F5344CB8AC3E}">
-        <p14:creationId xmlns:p14="http://schemas.microsoft.com/office/powerpoint/2010/main" val="292364014"/>
-      </p:ext>
-    </p:extLst>
-  </p:cSld>
-  <p:clrMapOvr>
-    <a:masterClrMapping/>
-  </p:clrMapOvr>
-</p:sld>
-</file>
-
-<file path=ppt/slides/slide5.xml><?xml version="1.0" encoding="utf-8"?>
-<p:sld xmlns:a="http://schemas.openxmlformats.org/drawingml/2006/main" xmlns:r="http://schemas.openxmlformats.org/officeDocument/2006/relationships" xmlns:p="http://schemas.openxmlformats.org/presentationml/2006/main">
-  <p:cSld>
-    <p:spTree>
-      <p:nvGrpSpPr>
-        <p:cNvPr id="1" name=""/>
-        <p:cNvGrpSpPr/>
-        <p:nvPr/>
-      </p:nvGrpSpPr>
-      <p:grpSpPr>
-        <a:xfrm>
-          <a:off x="0" y="0"/>
-          <a:ext cx="0" cy="0"/>
-          <a:chOff x="0" y="0"/>
-          <a:chExt cx="0" cy="0"/>
-        </a:xfrm>
-      </p:grpSpPr>
-      <p:sp>
-        <p:nvSpPr>
-          <p:cNvPr id="2" name="Slide Number Placeholder 1">
-            <a:extLst>
-              <a:ext uri="{FF2B5EF4-FFF2-40B4-BE49-F238E27FC236}">
-                <a16:creationId xmlns:a16="http://schemas.microsoft.com/office/drawing/2014/main" id="{A7101F79-2CBF-4392-B538-B0B5700DB4C6}"/>
-              </a:ext>
-            </a:extLst>
-          </p:cNvPr>
-          <p:cNvSpPr>
-            <a:spLocks noGrp="1"/>
-          </p:cNvSpPr>
-          <p:nvPr>
-            <p:ph type="sldNum" sz="quarter" idx="12"/>
-          </p:nvPr>
-        </p:nvSpPr>
-        <p:spPr/>
-        <p:txBody>
-          <a:bodyPr/>
-          <a:lstStyle/>
-          <a:p>
-            <a:fld id="{9EA0BE3B-158A-4EDF-80DC-E394A0D1600F}" type="slidenum">
-              <a:rPr lang="en-US" smtClean="0"/>
-              <a:pPr/>
-              <a:t>5</a:t>
+              <a:t>3</a:t>
             </a:fld>
             <a:endParaRPr lang="en-US" dirty="0"/>
           </a:p>
@@ -8016,7 +7586,7 @@
 </p:sld>
 </file>
 
-<file path=ppt/slides/slide6.xml><?xml version="1.0" encoding="utf-8"?>
+<file path=ppt/slides/slide4.xml><?xml version="1.0" encoding="utf-8"?>
 <p:sld xmlns:a="http://schemas.openxmlformats.org/drawingml/2006/main" xmlns:r="http://schemas.openxmlformats.org/officeDocument/2006/relationships" xmlns:p="http://schemas.openxmlformats.org/presentationml/2006/main">
   <p:cSld>
     <p:spTree>
@@ -8057,7 +7627,7 @@
             <a:fld id="{9EA0BE3B-158A-4EDF-80DC-E394A0D1600F}" type="slidenum">
               <a:rPr lang="en-US" smtClean="0"/>
               <a:pPr/>
-              <a:t>6</a:t>
+              <a:t>4</a:t>
             </a:fld>
             <a:endParaRPr lang="en-US" dirty="0"/>
           </a:p>
@@ -8106,14 +7676,14 @@
           <p:nvPr>
             <p:extLst>
               <p:ext uri="{D42A27DB-BD31-4B8C-83A1-F6EECF244321}">
-                <p14:modId xmlns:p14="http://schemas.microsoft.com/office/powerpoint/2010/main" val="503012077"/>
+                <p14:modId xmlns:p14="http://schemas.microsoft.com/office/powerpoint/2010/main" val="1028896737"/>
               </p:ext>
             </p:extLst>
           </p:nvPr>
         </p:nvGraphicFramePr>
         <p:xfrm>
-          <a:off x="1232848" y="989848"/>
-          <a:ext cx="6678304" cy="5122782"/>
+          <a:off x="518615" y="1453874"/>
+          <a:ext cx="8243248" cy="4198579"/>
         </p:xfrm>
         <a:graphic>
           <a:graphicData uri="http://schemas.openxmlformats.org/drawingml/2006/table">
@@ -8122,14 +7692,14 @@
                 <a:tableStyleId>{5C22544A-7EE6-4342-B048-85BDC9FD1C3A}</a:tableStyleId>
               </a:tblPr>
               <a:tblGrid>
-                <a:gridCol w="3339152">
+                <a:gridCol w="4121624">
                   <a:extLst>
                     <a:ext uri="{9D8B030D-6E8A-4147-A177-3AD203B41FA5}">
                       <a16:colId xmlns:a16="http://schemas.microsoft.com/office/drawing/2014/main" val="552868585"/>
                     </a:ext>
                   </a:extLst>
                 </a:gridCol>
-                <a:gridCol w="3339152">
+                <a:gridCol w="4121624">
                   <a:extLst>
                     <a:ext uri="{9D8B030D-6E8A-4147-A177-3AD203B41FA5}">
                       <a16:colId xmlns:a16="http://schemas.microsoft.com/office/drawing/2014/main" val="2292148375"/>
@@ -8184,12 +7754,29 @@
                     <a:bodyPr/>
                     <a:lstStyle/>
                     <a:p>
+                      <a:pPr marL="0" marR="0" lvl="0" indent="0" algn="l" defTabSz="914400" rtl="0" eaLnBrk="1" fontAlgn="auto" latinLnBrk="0" hangingPunct="1">
+                        <a:lnSpc>
+                          <a:spcPct val="100000"/>
+                        </a:lnSpc>
+                        <a:spcBef>
+                          <a:spcPts val="0"/>
+                        </a:spcBef>
+                        <a:spcAft>
+                          <a:spcPts val="0"/>
+                        </a:spcAft>
+                        <a:buClrTx/>
+                        <a:buSzTx/>
+                        <a:buFontTx/>
+                        <a:buNone/>
+                        <a:tabLst/>
+                        <a:defRPr/>
+                      </a:pPr>
                       <a:r>
                         <a:rPr lang="en-US" sz="2200" dirty="0">
                           <a:latin typeface="Arial" panose="020B0604020202020204" pitchFamily="34" charset="0"/>
                           <a:cs typeface="Arial" panose="020B0604020202020204" pitchFamily="34" charset="0"/>
                         </a:rPr>
-                        <a:t>Soft Attention</a:t>
+                        <a:t>Deep CNN + Soft Attention</a:t>
                       </a:r>
                     </a:p>
                   </a:txBody>
@@ -8228,7 +7815,7 @@
                           <a:latin typeface="Arial" panose="020B0604020202020204" pitchFamily="34" charset="0"/>
                           <a:cs typeface="Arial" panose="020B0604020202020204" pitchFamily="34" charset="0"/>
                         </a:rPr>
-                        <a:t>Dual Attention</a:t>
+                        <a:t>Deep CNN + Dual Attention</a:t>
                       </a:r>
                     </a:p>
                   </a:txBody>
@@ -8257,45 +7844,6 @@
                 <a:extLst>
                   <a:ext uri="{0D108BD9-81ED-4DB2-BD59-A6C34878D82A}">
                     <a16:rowId xmlns:a16="http://schemas.microsoft.com/office/drawing/2014/main" val="3007499056"/>
-                  </a:ext>
-                </a:extLst>
-              </a:tr>
-              <a:tr h="599797">
-                <a:tc>
-                  <a:txBody>
-                    <a:bodyPr/>
-                    <a:lstStyle/>
-                    <a:p>
-                      <a:r>
-                        <a:rPr lang="en-US" sz="2200" dirty="0">
-                          <a:latin typeface="Arial" panose="020B0604020202020204" pitchFamily="34" charset="0"/>
-                          <a:cs typeface="Arial" panose="020B0604020202020204" pitchFamily="34" charset="0"/>
-                        </a:rPr>
-                        <a:t>Deep CNN</a:t>
-                      </a:r>
-                    </a:p>
-                  </a:txBody>
-                  <a:tcPr/>
-                </a:tc>
-                <a:tc>
-                  <a:txBody>
-                    <a:bodyPr/>
-                    <a:lstStyle/>
-                    <a:p>
-                      <a:r>
-                        <a:rPr lang="en-US" sz="2200" dirty="0">
-                          <a:latin typeface="Arial" panose="020B0604020202020204" pitchFamily="34" charset="0"/>
-                          <a:cs typeface="Arial" panose="020B0604020202020204" pitchFamily="34" charset="0"/>
-                        </a:rPr>
-                        <a:t>Random Forest</a:t>
-                      </a:r>
-                    </a:p>
-                  </a:txBody>
-                  <a:tcPr/>
-                </a:tc>
-                <a:extLst>
-                  <a:ext uri="{0D108BD9-81ED-4DB2-BD59-A6C34878D82A}">
-                    <a16:rowId xmlns:a16="http://schemas.microsoft.com/office/drawing/2014/main" val="881507484"/>
                   </a:ext>
                 </a:extLst>
               </a:tr>
@@ -8479,10 +8027,30 @@
                     <a:bodyPr/>
                     <a:lstStyle/>
                     <a:p>
-                      <a:endParaRPr lang="en-US" sz="2200" dirty="0">
-                        <a:latin typeface="Arial" panose="020B0604020202020204" pitchFamily="34" charset="0"/>
-                        <a:cs typeface="Arial" panose="020B0604020202020204" pitchFamily="34" charset="0"/>
-                      </a:endParaRPr>
+                      <a:pPr marL="0" marR="0" lvl="0" indent="0" algn="l" defTabSz="914400" rtl="0" eaLnBrk="1" fontAlgn="auto" latinLnBrk="0" hangingPunct="1">
+                        <a:lnSpc>
+                          <a:spcPct val="100000"/>
+                        </a:lnSpc>
+                        <a:spcBef>
+                          <a:spcPts val="0"/>
+                        </a:spcBef>
+                        <a:spcAft>
+                          <a:spcPts val="0"/>
+                        </a:spcAft>
+                        <a:buClrTx/>
+                        <a:buSzTx/>
+                        <a:buFontTx/>
+                        <a:buNone/>
+                        <a:tabLst/>
+                        <a:defRPr/>
+                      </a:pPr>
+                      <a:r>
+                        <a:rPr lang="en-US" sz="2200" dirty="0">
+                          <a:latin typeface="Arial" panose="020B0604020202020204" pitchFamily="34" charset="0"/>
+                          <a:cs typeface="Arial" panose="020B0604020202020204" pitchFamily="34" charset="0"/>
+                        </a:rPr>
+                        <a:t>Random Forest</a:t>
+                      </a:r>
                     </a:p>
                   </a:txBody>
                   <a:tcPr/>
@@ -8501,6 +8069,444 @@
     <p:extLst>
       <p:ext uri="{BB962C8B-B14F-4D97-AF65-F5344CB8AC3E}">
         <p14:creationId xmlns:p14="http://schemas.microsoft.com/office/powerpoint/2010/main" val="379643588"/>
+      </p:ext>
+    </p:extLst>
+  </p:cSld>
+  <p:clrMapOvr>
+    <a:masterClrMapping/>
+  </p:clrMapOvr>
+</p:sld>
+</file>
+
+<file path=ppt/slides/slide5.xml><?xml version="1.0" encoding="utf-8"?>
+<p:sld xmlns:a="http://schemas.openxmlformats.org/drawingml/2006/main" xmlns:r="http://schemas.openxmlformats.org/officeDocument/2006/relationships" xmlns:p="http://schemas.openxmlformats.org/presentationml/2006/main">
+  <p:cSld>
+    <p:spTree>
+      <p:nvGrpSpPr>
+        <p:cNvPr id="1" name=""/>
+        <p:cNvGrpSpPr/>
+        <p:nvPr/>
+      </p:nvGrpSpPr>
+      <p:grpSpPr>
+        <a:xfrm>
+          <a:off x="0" y="0"/>
+          <a:ext cx="0" cy="0"/>
+          <a:chOff x="0" y="0"/>
+          <a:chExt cx="0" cy="0"/>
+        </a:xfrm>
+      </p:grpSpPr>
+      <p:sp>
+        <p:nvSpPr>
+          <p:cNvPr id="2" name="Slide Number Placeholder 1">
+            <a:extLst>
+              <a:ext uri="{FF2B5EF4-FFF2-40B4-BE49-F238E27FC236}">
+                <a16:creationId xmlns:a16="http://schemas.microsoft.com/office/drawing/2014/main" id="{A7101F79-2CBF-4392-B538-B0B5700DB4C6}"/>
+              </a:ext>
+            </a:extLst>
+          </p:cNvPr>
+          <p:cNvSpPr>
+            <a:spLocks noGrp="1"/>
+          </p:cNvSpPr>
+          <p:nvPr>
+            <p:ph type="sldNum" sz="quarter" idx="12"/>
+          </p:nvPr>
+        </p:nvSpPr>
+        <p:spPr/>
+        <p:txBody>
+          <a:bodyPr/>
+          <a:lstStyle/>
+          <a:p>
+            <a:fld id="{9EA0BE3B-158A-4EDF-80DC-E394A0D1600F}" type="slidenum">
+              <a:rPr lang="en-US" smtClean="0"/>
+              <a:pPr/>
+              <a:t>5</a:t>
+            </a:fld>
+            <a:endParaRPr lang="en-US" dirty="0"/>
+          </a:p>
+        </p:txBody>
+      </p:sp>
+      <p:sp>
+        <p:nvSpPr>
+          <p:cNvPr id="3" name="Title 2">
+            <a:extLst>
+              <a:ext uri="{FF2B5EF4-FFF2-40B4-BE49-F238E27FC236}">
+                <a16:creationId xmlns:a16="http://schemas.microsoft.com/office/drawing/2014/main" id="{9EF27CAA-32BA-4E6B-B8C0-1A481E08E81D}"/>
+              </a:ext>
+            </a:extLst>
+          </p:cNvPr>
+          <p:cNvSpPr>
+            <a:spLocks noGrp="1"/>
+          </p:cNvSpPr>
+          <p:nvPr>
+            <p:ph type="title"/>
+          </p:nvPr>
+        </p:nvSpPr>
+        <p:spPr/>
+        <p:txBody>
+          <a:bodyPr/>
+          <a:lstStyle/>
+          <a:p>
+            <a:r>
+              <a:rPr lang="en-US" dirty="0"/>
+              <a:t>Objective</a:t>
+            </a:r>
+          </a:p>
+        </p:txBody>
+      </p:sp>
+      <p:sp>
+        <p:nvSpPr>
+          <p:cNvPr id="6" name="TextBox 5">
+            <a:extLst>
+              <a:ext uri="{FF2B5EF4-FFF2-40B4-BE49-F238E27FC236}">
+                <a16:creationId xmlns:a16="http://schemas.microsoft.com/office/drawing/2014/main" id="{80CDDC32-C6B3-60EC-38A4-3D1622629DFF}"/>
+              </a:ext>
+            </a:extLst>
+          </p:cNvPr>
+          <p:cNvSpPr txBox="1"/>
+          <p:nvPr/>
+        </p:nvSpPr>
+        <p:spPr>
+          <a:xfrm>
+            <a:off x="542925" y="1496989"/>
+            <a:ext cx="8058150" cy="3170099"/>
+          </a:xfrm>
+          <a:prstGeom prst="rect">
+            <a:avLst/>
+          </a:prstGeom>
+          <a:noFill/>
+        </p:spPr>
+        <p:txBody>
+          <a:bodyPr wrap="square" rtlCol="0">
+            <a:spAutoFit/>
+          </a:bodyPr>
+          <a:lstStyle/>
+          <a:p>
+            <a:pPr marL="285750" indent="-285750" algn="just">
+              <a:buFont typeface="Arial" panose="020B0604020202020204" pitchFamily="34" charset="0"/>
+              <a:buChar char="•"/>
+            </a:pPr>
+            <a:r>
+              <a:rPr lang="en-US" sz="2500" dirty="0">
+                <a:latin typeface="Arial" panose="020B0604020202020204" pitchFamily="34" charset="0"/>
+                <a:cs typeface="Arial" panose="020B0604020202020204" pitchFamily="34" charset="0"/>
+              </a:rPr>
+              <a:t>Analyzing the effect of metadata on the skin lesion classification model which is formed by the combination of Soft Attention and Backbone Model</a:t>
+            </a:r>
+          </a:p>
+          <a:p>
+            <a:pPr marL="285750" indent="-285750" algn="just">
+              <a:buFont typeface="Arial" panose="020B0604020202020204" pitchFamily="34" charset="0"/>
+              <a:buChar char="•"/>
+            </a:pPr>
+            <a:r>
+              <a:rPr lang="en-US" sz="2500" dirty="0">
+                <a:latin typeface="Arial" panose="020B0604020202020204" pitchFamily="34" charset="0"/>
+                <a:cs typeface="Arial" panose="020B0604020202020204" pitchFamily="34" charset="0"/>
+              </a:rPr>
+              <a:t>Finding out a method to make the model classify in a balanced way between classes</a:t>
+            </a:r>
+          </a:p>
+          <a:p>
+            <a:pPr marL="285750" indent="-285750" algn="just">
+              <a:buFont typeface="Arial" panose="020B0604020202020204" pitchFamily="34" charset="0"/>
+              <a:buChar char="•"/>
+            </a:pPr>
+            <a:r>
+              <a:rPr lang="en-US" sz="2500" dirty="0">
+                <a:latin typeface="Arial" panose="020B0604020202020204" pitchFamily="34" charset="0"/>
+                <a:cs typeface="Arial" panose="020B0604020202020204" pitchFamily="34" charset="0"/>
+              </a:rPr>
+              <a:t>Constructing an optimized model that can be used on the mobile phone. </a:t>
+            </a:r>
+          </a:p>
+          <a:p>
+            <a:pPr marL="285750" indent="-285750" algn="just">
+              <a:buFont typeface="Arial" panose="020B0604020202020204" pitchFamily="34" charset="0"/>
+              <a:buChar char="•"/>
+            </a:pPr>
+            <a:endParaRPr lang="en-US" sz="2500" dirty="0">
+              <a:latin typeface="Arial" panose="020B0604020202020204" pitchFamily="34" charset="0"/>
+              <a:cs typeface="Arial" panose="020B0604020202020204" pitchFamily="34" charset="0"/>
+            </a:endParaRPr>
+          </a:p>
+        </p:txBody>
+      </p:sp>
+    </p:spTree>
+    <p:extLst>
+      <p:ext uri="{BB962C8B-B14F-4D97-AF65-F5344CB8AC3E}">
+        <p14:creationId xmlns:p14="http://schemas.microsoft.com/office/powerpoint/2010/main" val="2898814628"/>
+      </p:ext>
+    </p:extLst>
+  </p:cSld>
+  <p:clrMapOvr>
+    <a:masterClrMapping/>
+  </p:clrMapOvr>
+</p:sld>
+</file>
+
+<file path=ppt/slides/slide6.xml><?xml version="1.0" encoding="utf-8"?>
+<p:sld xmlns:a="http://schemas.openxmlformats.org/drawingml/2006/main" xmlns:r="http://schemas.openxmlformats.org/officeDocument/2006/relationships" xmlns:p="http://schemas.openxmlformats.org/presentationml/2006/main">
+  <p:cSld>
+    <p:spTree>
+      <p:nvGrpSpPr>
+        <p:cNvPr id="1" name=""/>
+        <p:cNvGrpSpPr/>
+        <p:nvPr/>
+      </p:nvGrpSpPr>
+      <p:grpSpPr>
+        <a:xfrm>
+          <a:off x="0" y="0"/>
+          <a:ext cx="0" cy="0"/>
+          <a:chOff x="0" y="0"/>
+          <a:chExt cx="0" cy="0"/>
+        </a:xfrm>
+      </p:grpSpPr>
+      <p:sp>
+        <p:nvSpPr>
+          <p:cNvPr id="2" name="Slide Number Placeholder 1">
+            <a:extLst>
+              <a:ext uri="{FF2B5EF4-FFF2-40B4-BE49-F238E27FC236}">
+                <a16:creationId xmlns:a16="http://schemas.microsoft.com/office/drawing/2014/main" id="{A7101F79-2CBF-4392-B538-B0B5700DB4C6}"/>
+              </a:ext>
+            </a:extLst>
+          </p:cNvPr>
+          <p:cNvSpPr>
+            <a:spLocks noGrp="1"/>
+          </p:cNvSpPr>
+          <p:nvPr>
+            <p:ph type="sldNum" sz="quarter" idx="12"/>
+          </p:nvPr>
+        </p:nvSpPr>
+        <p:spPr/>
+        <p:txBody>
+          <a:bodyPr/>
+          <a:lstStyle/>
+          <a:p>
+            <a:fld id="{9EA0BE3B-158A-4EDF-80DC-E394A0D1600F}" type="slidenum">
+              <a:rPr lang="en-US" smtClean="0"/>
+              <a:pPr/>
+              <a:t>6</a:t>
+            </a:fld>
+            <a:endParaRPr lang="en-US" dirty="0"/>
+          </a:p>
+        </p:txBody>
+      </p:sp>
+      <p:sp>
+        <p:nvSpPr>
+          <p:cNvPr id="3" name="Title 2">
+            <a:extLst>
+              <a:ext uri="{FF2B5EF4-FFF2-40B4-BE49-F238E27FC236}">
+                <a16:creationId xmlns:a16="http://schemas.microsoft.com/office/drawing/2014/main" id="{9EF27CAA-32BA-4E6B-B8C0-1A481E08E81D}"/>
+              </a:ext>
+            </a:extLst>
+          </p:cNvPr>
+          <p:cNvSpPr>
+            <a:spLocks noGrp="1"/>
+          </p:cNvSpPr>
+          <p:nvPr>
+            <p:ph type="title"/>
+          </p:nvPr>
+        </p:nvSpPr>
+        <p:spPr/>
+        <p:txBody>
+          <a:bodyPr/>
+          <a:lstStyle/>
+          <a:p>
+            <a:r>
+              <a:rPr lang="en-US" dirty="0"/>
+              <a:t>Data – Image Data</a:t>
+            </a:r>
+          </a:p>
+        </p:txBody>
+      </p:sp>
+      <p:pic>
+        <p:nvPicPr>
+          <p:cNvPr id="6" name="Picture 5">
+            <a:extLst>
+              <a:ext uri="{FF2B5EF4-FFF2-40B4-BE49-F238E27FC236}">
+                <a16:creationId xmlns:a16="http://schemas.microsoft.com/office/drawing/2014/main" id="{34143B87-8A7A-BDA4-08BE-94C19E7EB86F}"/>
+              </a:ext>
+            </a:extLst>
+          </p:cNvPr>
+          <p:cNvPicPr>
+            <a:picLocks noChangeAspect="1"/>
+          </p:cNvPicPr>
+          <p:nvPr/>
+        </p:nvPicPr>
+        <p:blipFill>
+          <a:blip r:embed="rId2"/>
+          <a:stretch>
+            <a:fillRect/>
+          </a:stretch>
+        </p:blipFill>
+        <p:spPr>
+          <a:xfrm>
+            <a:off x="755913" y="854897"/>
+            <a:ext cx="7632174" cy="591759"/>
+          </a:xfrm>
+          <a:prstGeom prst="rect">
+            <a:avLst/>
+          </a:prstGeom>
+        </p:spPr>
+      </p:pic>
+      <p:pic>
+        <p:nvPicPr>
+          <p:cNvPr id="8" name="Picture 7">
+            <a:extLst>
+              <a:ext uri="{FF2B5EF4-FFF2-40B4-BE49-F238E27FC236}">
+                <a16:creationId xmlns:a16="http://schemas.microsoft.com/office/drawing/2014/main" id="{742C92E5-95E4-57B1-C6A2-56B4D883F6B0}"/>
+              </a:ext>
+            </a:extLst>
+          </p:cNvPr>
+          <p:cNvPicPr>
+            <a:picLocks noChangeAspect="1"/>
+          </p:cNvPicPr>
+          <p:nvPr/>
+        </p:nvPicPr>
+        <p:blipFill>
+          <a:blip r:embed="rId3"/>
+          <a:stretch>
+            <a:fillRect/>
+          </a:stretch>
+        </p:blipFill>
+        <p:spPr>
+          <a:xfrm>
+            <a:off x="223738" y="1610272"/>
+            <a:ext cx="8685185" cy="1938137"/>
+          </a:xfrm>
+          <a:prstGeom prst="rect">
+            <a:avLst/>
+          </a:prstGeom>
+        </p:spPr>
+      </p:pic>
+      <p:graphicFrame>
+        <p:nvGraphicFramePr>
+          <p:cNvPr id="14" name="Chart 13">
+            <a:extLst>
+              <a:ext uri="{FF2B5EF4-FFF2-40B4-BE49-F238E27FC236}">
+                <a16:creationId xmlns:a16="http://schemas.microsoft.com/office/drawing/2014/main" id="{2D9FFDB4-85D7-6686-D133-C1B508259E0F}"/>
+              </a:ext>
+            </a:extLst>
+          </p:cNvPr>
+          <p:cNvGraphicFramePr/>
+          <p:nvPr>
+            <p:extLst>
+              <p:ext uri="{D42A27DB-BD31-4B8C-83A1-F6EECF244321}">
+                <p14:modId xmlns:p14="http://schemas.microsoft.com/office/powerpoint/2010/main" val="636957421"/>
+              </p:ext>
+            </p:extLst>
+          </p:nvPr>
+        </p:nvGraphicFramePr>
+        <p:xfrm>
+          <a:off x="481100" y="3871956"/>
+          <a:ext cx="4085230" cy="2294719"/>
+        </p:xfrm>
+        <a:graphic>
+          <a:graphicData uri="http://schemas.openxmlformats.org/drawingml/2006/chart">
+            <c:chart xmlns:c="http://schemas.openxmlformats.org/drawingml/2006/chart" xmlns:r="http://schemas.openxmlformats.org/officeDocument/2006/relationships" r:id="rId4"/>
+          </a:graphicData>
+        </a:graphic>
+      </p:graphicFrame>
+      <p:sp>
+        <p:nvSpPr>
+          <p:cNvPr id="15" name="TextBox 14">
+            <a:extLst>
+              <a:ext uri="{FF2B5EF4-FFF2-40B4-BE49-F238E27FC236}">
+                <a16:creationId xmlns:a16="http://schemas.microsoft.com/office/drawing/2014/main" id="{4F9232E5-0FCC-B811-D234-AC7CDF4AFFB6}"/>
+              </a:ext>
+            </a:extLst>
+          </p:cNvPr>
+          <p:cNvSpPr txBox="1"/>
+          <p:nvPr/>
+        </p:nvSpPr>
+        <p:spPr>
+          <a:xfrm>
+            <a:off x="4790364" y="4053385"/>
+            <a:ext cx="3872536" cy="2031325"/>
+          </a:xfrm>
+          <a:prstGeom prst="rect">
+            <a:avLst/>
+          </a:prstGeom>
+          <a:noFill/>
+        </p:spPr>
+        <p:txBody>
+          <a:bodyPr wrap="square" rtlCol="0">
+            <a:spAutoFit/>
+          </a:bodyPr>
+          <a:lstStyle/>
+          <a:p>
+            <a:pPr marL="285750" indent="-285750">
+              <a:buFont typeface="Arial" panose="020B0604020202020204" pitchFamily="34" charset="0"/>
+              <a:buChar char="•"/>
+            </a:pPr>
+            <a:r>
+              <a:rPr lang="en-US" dirty="0"/>
+              <a:t>Image Size: (450, 600)</a:t>
+            </a:r>
+          </a:p>
+          <a:p>
+            <a:pPr marL="285750" indent="-285750">
+              <a:buFont typeface="Arial" panose="020B0604020202020204" pitchFamily="34" charset="0"/>
+              <a:buChar char="•"/>
+            </a:pPr>
+            <a:r>
+              <a:rPr lang="en-US" dirty="0"/>
+              <a:t>Type: RGB</a:t>
+            </a:r>
+          </a:p>
+          <a:p>
+            <a:pPr marL="285750" indent="-285750">
+              <a:buFont typeface="Arial" panose="020B0604020202020204" pitchFamily="34" charset="0"/>
+              <a:buChar char="•"/>
+            </a:pPr>
+            <a:endParaRPr lang="en-US" dirty="0"/>
+          </a:p>
+          <a:p>
+            <a:pPr marL="285750" indent="-285750">
+              <a:buFont typeface="Arial" panose="020B0604020202020204" pitchFamily="34" charset="0"/>
+              <a:buChar char="•"/>
+            </a:pPr>
+            <a:r>
+              <a:rPr lang="en-US" dirty="0"/>
+              <a:t>Preprocess: </a:t>
+            </a:r>
+          </a:p>
+          <a:p>
+            <a:pPr marL="742950" lvl="1" indent="-285750">
+              <a:buFont typeface="Arial" panose="020B0604020202020204" pitchFamily="34" charset="0"/>
+              <a:buChar char="•"/>
+            </a:pPr>
+            <a:r>
+              <a:rPr lang="en-US" dirty="0"/>
+              <a:t>Scale in range (0,1) or (-1, 1)</a:t>
+            </a:r>
+          </a:p>
+          <a:p>
+            <a:pPr marL="742950" lvl="1" indent="-285750">
+              <a:buFont typeface="Arial" panose="020B0604020202020204" pitchFamily="34" charset="0"/>
+              <a:buChar char="•"/>
+            </a:pPr>
+            <a:r>
+              <a:rPr lang="en-US" dirty="0"/>
+              <a:t>Change type: BGR, Grayscale</a:t>
+            </a:r>
+          </a:p>
+          <a:p>
+            <a:pPr marL="742950" lvl="1" indent="-285750">
+              <a:buFont typeface="Arial" panose="020B0604020202020204" pitchFamily="34" charset="0"/>
+              <a:buChar char="•"/>
+            </a:pPr>
+            <a:r>
+              <a:rPr lang="en-US" dirty="0"/>
+              <a:t>Resize: (224, 224)</a:t>
+            </a:r>
+          </a:p>
+        </p:txBody>
+      </p:sp>
+    </p:spTree>
+    <p:extLst>
+      <p:ext uri="{BB962C8B-B14F-4D97-AF65-F5344CB8AC3E}">
+        <p14:creationId xmlns:p14="http://schemas.microsoft.com/office/powerpoint/2010/main" val="658910127"/>
       </p:ext>
     </p:extLst>
   </p:cSld>
@@ -8552,451 +8558,6 @@
               <a:rPr lang="en-US" smtClean="0"/>
               <a:pPr/>
               <a:t>7</a:t>
-            </a:fld>
-            <a:endParaRPr lang="en-US" dirty="0"/>
-          </a:p>
-        </p:txBody>
-      </p:sp>
-      <p:sp>
-        <p:nvSpPr>
-          <p:cNvPr id="3" name="Title 2">
-            <a:extLst>
-              <a:ext uri="{FF2B5EF4-FFF2-40B4-BE49-F238E27FC236}">
-                <a16:creationId xmlns:a16="http://schemas.microsoft.com/office/drawing/2014/main" id="{9EF27CAA-32BA-4E6B-B8C0-1A481E08E81D}"/>
-              </a:ext>
-            </a:extLst>
-          </p:cNvPr>
-          <p:cNvSpPr>
-            <a:spLocks noGrp="1"/>
-          </p:cNvSpPr>
-          <p:nvPr>
-            <p:ph type="title"/>
-          </p:nvPr>
-        </p:nvSpPr>
-        <p:spPr/>
-        <p:txBody>
-          <a:bodyPr/>
-          <a:lstStyle/>
-          <a:p>
-            <a:r>
-              <a:rPr lang="en-US" dirty="0"/>
-              <a:t>Objective</a:t>
-            </a:r>
-          </a:p>
-        </p:txBody>
-      </p:sp>
-      <p:sp>
-        <p:nvSpPr>
-          <p:cNvPr id="6" name="TextBox 5">
-            <a:extLst>
-              <a:ext uri="{FF2B5EF4-FFF2-40B4-BE49-F238E27FC236}">
-                <a16:creationId xmlns:a16="http://schemas.microsoft.com/office/drawing/2014/main" id="{80CDDC32-C6B3-60EC-38A4-3D1622629DFF}"/>
-              </a:ext>
-            </a:extLst>
-          </p:cNvPr>
-          <p:cNvSpPr txBox="1"/>
-          <p:nvPr/>
-        </p:nvSpPr>
-        <p:spPr>
-          <a:xfrm>
-            <a:off x="542925" y="1496989"/>
-            <a:ext cx="8058150" cy="3170099"/>
-          </a:xfrm>
-          <a:prstGeom prst="rect">
-            <a:avLst/>
-          </a:prstGeom>
-          <a:noFill/>
-        </p:spPr>
-        <p:txBody>
-          <a:bodyPr wrap="square" rtlCol="0">
-            <a:spAutoFit/>
-          </a:bodyPr>
-          <a:lstStyle/>
-          <a:p>
-            <a:pPr marL="285750" indent="-285750" algn="just">
-              <a:buFont typeface="Arial" panose="020B0604020202020204" pitchFamily="34" charset="0"/>
-              <a:buChar char="•"/>
-            </a:pPr>
-            <a:r>
-              <a:rPr lang="en-US" sz="2500" dirty="0">
-                <a:latin typeface="Arial" panose="020B0604020202020204" pitchFamily="34" charset="0"/>
-                <a:cs typeface="Arial" panose="020B0604020202020204" pitchFamily="34" charset="0"/>
-              </a:rPr>
-              <a:t>Analyzing the effect of metadata on the skin lesion classification model which is formed by the combination of Soft Attention and Backbone Model</a:t>
-            </a:r>
-          </a:p>
-          <a:p>
-            <a:pPr marL="285750" indent="-285750" algn="just">
-              <a:buFont typeface="Arial" panose="020B0604020202020204" pitchFamily="34" charset="0"/>
-              <a:buChar char="•"/>
-            </a:pPr>
-            <a:r>
-              <a:rPr lang="en-US" sz="2500" dirty="0">
-                <a:latin typeface="Arial" panose="020B0604020202020204" pitchFamily="34" charset="0"/>
-                <a:cs typeface="Arial" panose="020B0604020202020204" pitchFamily="34" charset="0"/>
-              </a:rPr>
-              <a:t>Finding out a method to make the model classify in a balanced way between classes</a:t>
-            </a:r>
-          </a:p>
-          <a:p>
-            <a:pPr marL="285750" indent="-285750" algn="just">
-              <a:buFont typeface="Arial" panose="020B0604020202020204" pitchFamily="34" charset="0"/>
-              <a:buChar char="•"/>
-            </a:pPr>
-            <a:r>
-              <a:rPr lang="en-US" sz="2500">
-                <a:latin typeface="Arial" panose="020B0604020202020204" pitchFamily="34" charset="0"/>
-                <a:cs typeface="Arial" panose="020B0604020202020204" pitchFamily="34" charset="0"/>
-              </a:rPr>
-              <a:t>Constructing </a:t>
-            </a:r>
-            <a:r>
-              <a:rPr lang="en-US" sz="2500" dirty="0">
-                <a:latin typeface="Arial" panose="020B0604020202020204" pitchFamily="34" charset="0"/>
-                <a:cs typeface="Arial" panose="020B0604020202020204" pitchFamily="34" charset="0"/>
-              </a:rPr>
-              <a:t>an optimized model that can be used on the mobile phone. </a:t>
-            </a:r>
-          </a:p>
-          <a:p>
-            <a:pPr marL="285750" indent="-285750" algn="just">
-              <a:buFont typeface="Arial" panose="020B0604020202020204" pitchFamily="34" charset="0"/>
-              <a:buChar char="•"/>
-            </a:pPr>
-            <a:endParaRPr lang="en-US" sz="2500" dirty="0">
-              <a:latin typeface="Arial" panose="020B0604020202020204" pitchFamily="34" charset="0"/>
-              <a:cs typeface="Arial" panose="020B0604020202020204" pitchFamily="34" charset="0"/>
-            </a:endParaRPr>
-          </a:p>
-        </p:txBody>
-      </p:sp>
-    </p:spTree>
-    <p:extLst>
-      <p:ext uri="{BB962C8B-B14F-4D97-AF65-F5344CB8AC3E}">
-        <p14:creationId xmlns:p14="http://schemas.microsoft.com/office/powerpoint/2010/main" val="2898814628"/>
-      </p:ext>
-    </p:extLst>
-  </p:cSld>
-  <p:clrMapOvr>
-    <a:masterClrMapping/>
-  </p:clrMapOvr>
-</p:sld>
-</file>
-
-<file path=ppt/slides/slide8.xml><?xml version="1.0" encoding="utf-8"?>
-<p:sld xmlns:a="http://schemas.openxmlformats.org/drawingml/2006/main" xmlns:r="http://schemas.openxmlformats.org/officeDocument/2006/relationships" xmlns:p="http://schemas.openxmlformats.org/presentationml/2006/main">
-  <p:cSld>
-    <p:spTree>
-      <p:nvGrpSpPr>
-        <p:cNvPr id="1" name=""/>
-        <p:cNvGrpSpPr/>
-        <p:nvPr/>
-      </p:nvGrpSpPr>
-      <p:grpSpPr>
-        <a:xfrm>
-          <a:off x="0" y="0"/>
-          <a:ext cx="0" cy="0"/>
-          <a:chOff x="0" y="0"/>
-          <a:chExt cx="0" cy="0"/>
-        </a:xfrm>
-      </p:grpSpPr>
-      <p:sp>
-        <p:nvSpPr>
-          <p:cNvPr id="2" name="Slide Number Placeholder 1">
-            <a:extLst>
-              <a:ext uri="{FF2B5EF4-FFF2-40B4-BE49-F238E27FC236}">
-                <a16:creationId xmlns:a16="http://schemas.microsoft.com/office/drawing/2014/main" id="{A7101F79-2CBF-4392-B538-B0B5700DB4C6}"/>
-              </a:ext>
-            </a:extLst>
-          </p:cNvPr>
-          <p:cNvSpPr>
-            <a:spLocks noGrp="1"/>
-          </p:cNvSpPr>
-          <p:nvPr>
-            <p:ph type="sldNum" sz="quarter" idx="12"/>
-          </p:nvPr>
-        </p:nvSpPr>
-        <p:spPr/>
-        <p:txBody>
-          <a:bodyPr/>
-          <a:lstStyle/>
-          <a:p>
-            <a:fld id="{9EA0BE3B-158A-4EDF-80DC-E394A0D1600F}" type="slidenum">
-              <a:rPr lang="en-US" smtClean="0"/>
-              <a:pPr/>
-              <a:t>8</a:t>
-            </a:fld>
-            <a:endParaRPr lang="en-US" dirty="0"/>
-          </a:p>
-        </p:txBody>
-      </p:sp>
-      <p:sp>
-        <p:nvSpPr>
-          <p:cNvPr id="3" name="Title 2">
-            <a:extLst>
-              <a:ext uri="{FF2B5EF4-FFF2-40B4-BE49-F238E27FC236}">
-                <a16:creationId xmlns:a16="http://schemas.microsoft.com/office/drawing/2014/main" id="{9EF27CAA-32BA-4E6B-B8C0-1A481E08E81D}"/>
-              </a:ext>
-            </a:extLst>
-          </p:cNvPr>
-          <p:cNvSpPr>
-            <a:spLocks noGrp="1"/>
-          </p:cNvSpPr>
-          <p:nvPr>
-            <p:ph type="title"/>
-          </p:nvPr>
-        </p:nvSpPr>
-        <p:spPr/>
-        <p:txBody>
-          <a:bodyPr/>
-          <a:lstStyle/>
-          <a:p>
-            <a:r>
-              <a:rPr lang="en-US" dirty="0"/>
-              <a:t>Data – Image Data</a:t>
-            </a:r>
-          </a:p>
-        </p:txBody>
-      </p:sp>
-      <p:pic>
-        <p:nvPicPr>
-          <p:cNvPr id="6" name="Picture 5">
-            <a:extLst>
-              <a:ext uri="{FF2B5EF4-FFF2-40B4-BE49-F238E27FC236}">
-                <a16:creationId xmlns:a16="http://schemas.microsoft.com/office/drawing/2014/main" id="{34143B87-8A7A-BDA4-08BE-94C19E7EB86F}"/>
-              </a:ext>
-            </a:extLst>
-          </p:cNvPr>
-          <p:cNvPicPr>
-            <a:picLocks noChangeAspect="1"/>
-          </p:cNvPicPr>
-          <p:nvPr/>
-        </p:nvPicPr>
-        <p:blipFill>
-          <a:blip r:embed="rId2"/>
-          <a:stretch>
-            <a:fillRect/>
-          </a:stretch>
-        </p:blipFill>
-        <p:spPr>
-          <a:xfrm>
-            <a:off x="755913" y="854897"/>
-            <a:ext cx="7632174" cy="591759"/>
-          </a:xfrm>
-          <a:prstGeom prst="rect">
-            <a:avLst/>
-          </a:prstGeom>
-        </p:spPr>
-      </p:pic>
-      <p:pic>
-        <p:nvPicPr>
-          <p:cNvPr id="8" name="Picture 7">
-            <a:extLst>
-              <a:ext uri="{FF2B5EF4-FFF2-40B4-BE49-F238E27FC236}">
-                <a16:creationId xmlns:a16="http://schemas.microsoft.com/office/drawing/2014/main" id="{742C92E5-95E4-57B1-C6A2-56B4D883F6B0}"/>
-              </a:ext>
-            </a:extLst>
-          </p:cNvPr>
-          <p:cNvPicPr>
-            <a:picLocks noChangeAspect="1"/>
-          </p:cNvPicPr>
-          <p:nvPr/>
-        </p:nvPicPr>
-        <p:blipFill>
-          <a:blip r:embed="rId3"/>
-          <a:stretch>
-            <a:fillRect/>
-          </a:stretch>
-        </p:blipFill>
-        <p:spPr>
-          <a:xfrm>
-            <a:off x="223738" y="1610272"/>
-            <a:ext cx="8685185" cy="1938137"/>
-          </a:xfrm>
-          <a:prstGeom prst="rect">
-            <a:avLst/>
-          </a:prstGeom>
-        </p:spPr>
-      </p:pic>
-      <p:graphicFrame>
-        <p:nvGraphicFramePr>
-          <p:cNvPr id="14" name="Chart 13">
-            <a:extLst>
-              <a:ext uri="{FF2B5EF4-FFF2-40B4-BE49-F238E27FC236}">
-                <a16:creationId xmlns:a16="http://schemas.microsoft.com/office/drawing/2014/main" id="{2D9FFDB4-85D7-6686-D133-C1B508259E0F}"/>
-              </a:ext>
-            </a:extLst>
-          </p:cNvPr>
-          <p:cNvGraphicFramePr/>
-          <p:nvPr>
-            <p:extLst>
-              <p:ext uri="{D42A27DB-BD31-4B8C-83A1-F6EECF244321}">
-                <p14:modId xmlns:p14="http://schemas.microsoft.com/office/powerpoint/2010/main" val="636957421"/>
-              </p:ext>
-            </p:extLst>
-          </p:nvPr>
-        </p:nvGraphicFramePr>
-        <p:xfrm>
-          <a:off x="481100" y="3871956"/>
-          <a:ext cx="4085230" cy="2294719"/>
-        </p:xfrm>
-        <a:graphic>
-          <a:graphicData uri="http://schemas.openxmlformats.org/drawingml/2006/chart">
-            <c:chart xmlns:c="http://schemas.openxmlformats.org/drawingml/2006/chart" xmlns:r="http://schemas.openxmlformats.org/officeDocument/2006/relationships" r:id="rId4"/>
-          </a:graphicData>
-        </a:graphic>
-      </p:graphicFrame>
-      <p:sp>
-        <p:nvSpPr>
-          <p:cNvPr id="15" name="TextBox 14">
-            <a:extLst>
-              <a:ext uri="{FF2B5EF4-FFF2-40B4-BE49-F238E27FC236}">
-                <a16:creationId xmlns:a16="http://schemas.microsoft.com/office/drawing/2014/main" id="{4F9232E5-0FCC-B811-D234-AC7CDF4AFFB6}"/>
-              </a:ext>
-            </a:extLst>
-          </p:cNvPr>
-          <p:cNvSpPr txBox="1"/>
-          <p:nvPr/>
-        </p:nvSpPr>
-        <p:spPr>
-          <a:xfrm>
-            <a:off x="4790364" y="4053385"/>
-            <a:ext cx="3872536" cy="2031325"/>
-          </a:xfrm>
-          <a:prstGeom prst="rect">
-            <a:avLst/>
-          </a:prstGeom>
-          <a:noFill/>
-        </p:spPr>
-        <p:txBody>
-          <a:bodyPr wrap="square" rtlCol="0">
-            <a:spAutoFit/>
-          </a:bodyPr>
-          <a:lstStyle/>
-          <a:p>
-            <a:pPr marL="285750" indent="-285750">
-              <a:buFont typeface="Arial" panose="020B0604020202020204" pitchFamily="34" charset="0"/>
-              <a:buChar char="•"/>
-            </a:pPr>
-            <a:r>
-              <a:rPr lang="en-US" dirty="0"/>
-              <a:t>Image Size: (450, 600)</a:t>
-            </a:r>
-          </a:p>
-          <a:p>
-            <a:pPr marL="285750" indent="-285750">
-              <a:buFont typeface="Arial" panose="020B0604020202020204" pitchFamily="34" charset="0"/>
-              <a:buChar char="•"/>
-            </a:pPr>
-            <a:r>
-              <a:rPr lang="en-US" dirty="0"/>
-              <a:t>Type: RGB</a:t>
-            </a:r>
-          </a:p>
-          <a:p>
-            <a:pPr marL="285750" indent="-285750">
-              <a:buFont typeface="Arial" panose="020B0604020202020204" pitchFamily="34" charset="0"/>
-              <a:buChar char="•"/>
-            </a:pPr>
-            <a:endParaRPr lang="en-US" dirty="0"/>
-          </a:p>
-          <a:p>
-            <a:pPr marL="285750" indent="-285750">
-              <a:buFont typeface="Arial" panose="020B0604020202020204" pitchFamily="34" charset="0"/>
-              <a:buChar char="•"/>
-            </a:pPr>
-            <a:r>
-              <a:rPr lang="en-US" dirty="0"/>
-              <a:t>Preprocess: </a:t>
-            </a:r>
-          </a:p>
-          <a:p>
-            <a:pPr marL="742950" lvl="1" indent="-285750">
-              <a:buFont typeface="Arial" panose="020B0604020202020204" pitchFamily="34" charset="0"/>
-              <a:buChar char="•"/>
-            </a:pPr>
-            <a:r>
-              <a:rPr lang="en-US" dirty="0"/>
-              <a:t>Scale in range (0,1) or (-1, 1)</a:t>
-            </a:r>
-          </a:p>
-          <a:p>
-            <a:pPr marL="742950" lvl="1" indent="-285750">
-              <a:buFont typeface="Arial" panose="020B0604020202020204" pitchFamily="34" charset="0"/>
-              <a:buChar char="•"/>
-            </a:pPr>
-            <a:r>
-              <a:rPr lang="en-US" dirty="0"/>
-              <a:t>Change type: BGR, Grayscale</a:t>
-            </a:r>
-          </a:p>
-          <a:p>
-            <a:pPr marL="742950" lvl="1" indent="-285750">
-              <a:buFont typeface="Arial" panose="020B0604020202020204" pitchFamily="34" charset="0"/>
-              <a:buChar char="•"/>
-            </a:pPr>
-            <a:r>
-              <a:rPr lang="en-US" dirty="0"/>
-              <a:t>Resize: (224, 224)</a:t>
-            </a:r>
-          </a:p>
-        </p:txBody>
-      </p:sp>
-    </p:spTree>
-    <p:extLst>
-      <p:ext uri="{BB962C8B-B14F-4D97-AF65-F5344CB8AC3E}">
-        <p14:creationId xmlns:p14="http://schemas.microsoft.com/office/powerpoint/2010/main" val="658910127"/>
-      </p:ext>
-    </p:extLst>
-  </p:cSld>
-  <p:clrMapOvr>
-    <a:masterClrMapping/>
-  </p:clrMapOvr>
-</p:sld>
-</file>
-
-<file path=ppt/slides/slide9.xml><?xml version="1.0" encoding="utf-8"?>
-<p:sld xmlns:a="http://schemas.openxmlformats.org/drawingml/2006/main" xmlns:r="http://schemas.openxmlformats.org/officeDocument/2006/relationships" xmlns:p="http://schemas.openxmlformats.org/presentationml/2006/main">
-  <p:cSld>
-    <p:spTree>
-      <p:nvGrpSpPr>
-        <p:cNvPr id="1" name=""/>
-        <p:cNvGrpSpPr/>
-        <p:nvPr/>
-      </p:nvGrpSpPr>
-      <p:grpSpPr>
-        <a:xfrm>
-          <a:off x="0" y="0"/>
-          <a:ext cx="0" cy="0"/>
-          <a:chOff x="0" y="0"/>
-          <a:chExt cx="0" cy="0"/>
-        </a:xfrm>
-      </p:grpSpPr>
-      <p:sp>
-        <p:nvSpPr>
-          <p:cNvPr id="2" name="Slide Number Placeholder 1">
-            <a:extLst>
-              <a:ext uri="{FF2B5EF4-FFF2-40B4-BE49-F238E27FC236}">
-                <a16:creationId xmlns:a16="http://schemas.microsoft.com/office/drawing/2014/main" id="{A7101F79-2CBF-4392-B538-B0B5700DB4C6}"/>
-              </a:ext>
-            </a:extLst>
-          </p:cNvPr>
-          <p:cNvSpPr>
-            <a:spLocks noGrp="1"/>
-          </p:cNvSpPr>
-          <p:nvPr>
-            <p:ph type="sldNum" sz="quarter" idx="12"/>
-          </p:nvPr>
-        </p:nvSpPr>
-        <p:spPr/>
-        <p:txBody>
-          <a:bodyPr/>
-          <a:lstStyle/>
-          <a:p>
-            <a:fld id="{9EA0BE3B-158A-4EDF-80DC-E394A0D1600F}" type="slidenum">
-              <a:rPr lang="en-US" smtClean="0"/>
-              <a:pPr/>
-              <a:t>9</a:t>
             </a:fld>
             <a:endParaRPr lang="en-US" dirty="0"/>
           </a:p>
@@ -9360,6 +8921,248 @@
     <p:extLst>
       <p:ext uri="{BB962C8B-B14F-4D97-AF65-F5344CB8AC3E}">
         <p14:creationId xmlns:p14="http://schemas.microsoft.com/office/powerpoint/2010/main" val="3909562721"/>
+      </p:ext>
+    </p:extLst>
+  </p:cSld>
+  <p:clrMapOvr>
+    <a:masterClrMapping/>
+  </p:clrMapOvr>
+</p:sld>
+</file>
+
+<file path=ppt/slides/slide8.xml><?xml version="1.0" encoding="utf-8"?>
+<p:sld xmlns:a="http://schemas.openxmlformats.org/drawingml/2006/main" xmlns:r="http://schemas.openxmlformats.org/officeDocument/2006/relationships" xmlns:p="http://schemas.openxmlformats.org/presentationml/2006/main">
+  <p:cSld>
+    <p:spTree>
+      <p:nvGrpSpPr>
+        <p:cNvPr id="1" name=""/>
+        <p:cNvGrpSpPr/>
+        <p:nvPr/>
+      </p:nvGrpSpPr>
+      <p:grpSpPr>
+        <a:xfrm>
+          <a:off x="0" y="0"/>
+          <a:ext cx="0" cy="0"/>
+          <a:chOff x="0" y="0"/>
+          <a:chExt cx="0" cy="0"/>
+        </a:xfrm>
+      </p:grpSpPr>
+      <p:sp>
+        <p:nvSpPr>
+          <p:cNvPr id="2" name="Slide Number Placeholder 1">
+            <a:extLst>
+              <a:ext uri="{FF2B5EF4-FFF2-40B4-BE49-F238E27FC236}">
+                <a16:creationId xmlns:a16="http://schemas.microsoft.com/office/drawing/2014/main" id="{A7101F79-2CBF-4392-B538-B0B5700DB4C6}"/>
+              </a:ext>
+            </a:extLst>
+          </p:cNvPr>
+          <p:cNvSpPr>
+            <a:spLocks noGrp="1"/>
+          </p:cNvSpPr>
+          <p:nvPr>
+            <p:ph type="sldNum" sz="quarter" idx="12"/>
+          </p:nvPr>
+        </p:nvSpPr>
+        <p:spPr/>
+        <p:txBody>
+          <a:bodyPr/>
+          <a:lstStyle/>
+          <a:p>
+            <a:fld id="{9EA0BE3B-158A-4EDF-80DC-E394A0D1600F}" type="slidenum">
+              <a:rPr lang="en-US" smtClean="0"/>
+              <a:pPr/>
+              <a:t>8</a:t>
+            </a:fld>
+            <a:endParaRPr lang="en-US" dirty="0"/>
+          </a:p>
+        </p:txBody>
+      </p:sp>
+      <p:sp>
+        <p:nvSpPr>
+          <p:cNvPr id="3" name="Title 2">
+            <a:extLst>
+              <a:ext uri="{FF2B5EF4-FFF2-40B4-BE49-F238E27FC236}">
+                <a16:creationId xmlns:a16="http://schemas.microsoft.com/office/drawing/2014/main" id="{9EF27CAA-32BA-4E6B-B8C0-1A481E08E81D}"/>
+              </a:ext>
+            </a:extLst>
+          </p:cNvPr>
+          <p:cNvSpPr>
+            <a:spLocks noGrp="1"/>
+          </p:cNvSpPr>
+          <p:nvPr>
+            <p:ph type="title"/>
+          </p:nvPr>
+        </p:nvSpPr>
+        <p:spPr/>
+        <p:txBody>
+          <a:bodyPr/>
+          <a:lstStyle/>
+          <a:p>
+            <a:r>
+              <a:rPr lang="en-US" dirty="0"/>
+              <a:t>Model Schema</a:t>
+            </a:r>
+          </a:p>
+        </p:txBody>
+      </p:sp>
+      <p:pic>
+        <p:nvPicPr>
+          <p:cNvPr id="4" name="Picture 3" descr="Chart, waterfall chart&#10;&#10;Description automatically generated">
+            <a:extLst>
+              <a:ext uri="{FF2B5EF4-FFF2-40B4-BE49-F238E27FC236}">
+                <a16:creationId xmlns:a16="http://schemas.microsoft.com/office/drawing/2014/main" id="{015DCF05-9FEF-0B8D-C9F8-E6F2C8809660}"/>
+              </a:ext>
+            </a:extLst>
+          </p:cNvPr>
+          <p:cNvPicPr>
+            <a:picLocks noChangeAspect="1"/>
+          </p:cNvPicPr>
+          <p:nvPr/>
+        </p:nvPicPr>
+        <p:blipFill>
+          <a:blip r:embed="rId2">
+            <a:extLst>
+              <a:ext uri="{28A0092B-C50C-407E-A947-70E740481C1C}">
+                <a14:useLocalDpi xmlns:a14="http://schemas.microsoft.com/office/drawing/2010/main" val="0"/>
+              </a:ext>
+            </a:extLst>
+          </a:blip>
+          <a:stretch>
+            <a:fillRect/>
+          </a:stretch>
+        </p:blipFill>
+        <p:spPr>
+          <a:xfrm>
+            <a:off x="341194" y="1462622"/>
+            <a:ext cx="8567729" cy="3932756"/>
+          </a:xfrm>
+          <a:prstGeom prst="rect">
+            <a:avLst/>
+          </a:prstGeom>
+        </p:spPr>
+      </p:pic>
+    </p:spTree>
+    <p:extLst>
+      <p:ext uri="{BB962C8B-B14F-4D97-AF65-F5344CB8AC3E}">
+        <p14:creationId xmlns:p14="http://schemas.microsoft.com/office/powerpoint/2010/main" val="790054199"/>
+      </p:ext>
+    </p:extLst>
+  </p:cSld>
+  <p:clrMapOvr>
+    <a:masterClrMapping/>
+  </p:clrMapOvr>
+</p:sld>
+</file>
+
+<file path=ppt/slides/slide9.xml><?xml version="1.0" encoding="utf-8"?>
+<p:sld xmlns:a="http://schemas.openxmlformats.org/drawingml/2006/main" xmlns:r="http://schemas.openxmlformats.org/officeDocument/2006/relationships" xmlns:p="http://schemas.openxmlformats.org/presentationml/2006/main">
+  <p:cSld>
+    <p:spTree>
+      <p:nvGrpSpPr>
+        <p:cNvPr id="1" name=""/>
+        <p:cNvGrpSpPr/>
+        <p:nvPr/>
+      </p:nvGrpSpPr>
+      <p:grpSpPr>
+        <a:xfrm>
+          <a:off x="0" y="0"/>
+          <a:ext cx="0" cy="0"/>
+          <a:chOff x="0" y="0"/>
+          <a:chExt cx="0" cy="0"/>
+        </a:xfrm>
+      </p:grpSpPr>
+      <p:sp>
+        <p:nvSpPr>
+          <p:cNvPr id="2" name="Slide Number Placeholder 1">
+            <a:extLst>
+              <a:ext uri="{FF2B5EF4-FFF2-40B4-BE49-F238E27FC236}">
+                <a16:creationId xmlns:a16="http://schemas.microsoft.com/office/drawing/2014/main" id="{A7101F79-2CBF-4392-B538-B0B5700DB4C6}"/>
+              </a:ext>
+            </a:extLst>
+          </p:cNvPr>
+          <p:cNvSpPr>
+            <a:spLocks noGrp="1"/>
+          </p:cNvSpPr>
+          <p:nvPr>
+            <p:ph type="sldNum" sz="quarter" idx="12"/>
+          </p:nvPr>
+        </p:nvSpPr>
+        <p:spPr/>
+        <p:txBody>
+          <a:bodyPr/>
+          <a:lstStyle/>
+          <a:p>
+            <a:fld id="{9EA0BE3B-158A-4EDF-80DC-E394A0D1600F}" type="slidenum">
+              <a:rPr lang="en-US" smtClean="0"/>
+              <a:pPr/>
+              <a:t>9</a:t>
+            </a:fld>
+            <a:endParaRPr lang="en-US" dirty="0"/>
+          </a:p>
+        </p:txBody>
+      </p:sp>
+      <p:sp>
+        <p:nvSpPr>
+          <p:cNvPr id="3" name="Title 2">
+            <a:extLst>
+              <a:ext uri="{FF2B5EF4-FFF2-40B4-BE49-F238E27FC236}">
+                <a16:creationId xmlns:a16="http://schemas.microsoft.com/office/drawing/2014/main" id="{9EF27CAA-32BA-4E6B-B8C0-1A481E08E81D}"/>
+              </a:ext>
+            </a:extLst>
+          </p:cNvPr>
+          <p:cNvSpPr>
+            <a:spLocks noGrp="1"/>
+          </p:cNvSpPr>
+          <p:nvPr>
+            <p:ph type="title"/>
+          </p:nvPr>
+        </p:nvSpPr>
+        <p:spPr/>
+        <p:txBody>
+          <a:bodyPr/>
+          <a:lstStyle/>
+          <a:p>
+            <a:r>
+              <a:rPr lang="en-US" dirty="0"/>
+              <a:t>Model Schema – Input Schema</a:t>
+            </a:r>
+          </a:p>
+        </p:txBody>
+      </p:sp>
+      <p:pic>
+        <p:nvPicPr>
+          <p:cNvPr id="5" name="Picture 4">
+            <a:extLst>
+              <a:ext uri="{FF2B5EF4-FFF2-40B4-BE49-F238E27FC236}">
+                <a16:creationId xmlns:a16="http://schemas.microsoft.com/office/drawing/2014/main" id="{EDBFE46A-3095-9155-044B-FDA086DA8309}"/>
+              </a:ext>
+            </a:extLst>
+          </p:cNvPr>
+          <p:cNvPicPr>
+            <a:picLocks noChangeAspect="1"/>
+          </p:cNvPicPr>
+          <p:nvPr/>
+        </p:nvPicPr>
+        <p:blipFill>
+          <a:blip r:embed="rId2"/>
+          <a:stretch>
+            <a:fillRect/>
+          </a:stretch>
+        </p:blipFill>
+        <p:spPr>
+          <a:xfrm>
+            <a:off x="235077" y="2070372"/>
+            <a:ext cx="8570794" cy="2717256"/>
+          </a:xfrm>
+          <a:prstGeom prst="rect">
+            <a:avLst/>
+          </a:prstGeom>
+        </p:spPr>
+      </p:pic>
+    </p:spTree>
+    <p:extLst>
+      <p:ext uri="{BB962C8B-B14F-4D97-AF65-F5344CB8AC3E}">
+        <p14:creationId xmlns:p14="http://schemas.microsoft.com/office/powerpoint/2010/main" val="1285258047"/>
       </p:ext>
     </p:extLst>
   </p:cSld>
